--- a/Project/posterPowerPoint/CauchyCroftonFormulaPoster.pptx
+++ b/Project/posterPowerPoint/CauchyCroftonFormulaPoster.pptx
@@ -211,7 +211,7 @@
           <a:p>
             <a:fld id="{18859807-7084-4261-8E3E-7E9E06CA5B84}" type="datetimeFigureOut">
               <a:rPr lang="fr-FR" smtClean="0"/>
-              <a:t>14/10/2018</a:t>
+              <a:t>13/11/2018</a:t>
             </a:fld>
             <a:endParaRPr lang="fr-FR" dirty="0"/>
           </a:p>
@@ -693,7 +693,7 @@
           <a:p>
             <a:fld id="{F5DCD35F-0A9F-410A-9C3B-C8CDFB44C561}" type="datetimeFigureOut">
               <a:rPr lang="fr-FR" smtClean="0"/>
-              <a:t>14/10/2018</a:t>
+              <a:t>13/11/2018</a:t>
             </a:fld>
             <a:endParaRPr lang="fr-FR" dirty="0"/>
           </a:p>
@@ -863,7 +863,7 @@
           <a:p>
             <a:fld id="{F5DCD35F-0A9F-410A-9C3B-C8CDFB44C561}" type="datetimeFigureOut">
               <a:rPr lang="fr-FR" smtClean="0"/>
-              <a:t>14/10/2018</a:t>
+              <a:t>13/11/2018</a:t>
             </a:fld>
             <a:endParaRPr lang="fr-FR" dirty="0"/>
           </a:p>
@@ -1043,7 +1043,7 @@
           <a:p>
             <a:fld id="{F5DCD35F-0A9F-410A-9C3B-C8CDFB44C561}" type="datetimeFigureOut">
               <a:rPr lang="fr-FR" smtClean="0"/>
-              <a:t>14/10/2018</a:t>
+              <a:t>13/11/2018</a:t>
             </a:fld>
             <a:endParaRPr lang="fr-FR" dirty="0"/>
           </a:p>
@@ -1213,7 +1213,7 @@
           <a:p>
             <a:fld id="{F5DCD35F-0A9F-410A-9C3B-C8CDFB44C561}" type="datetimeFigureOut">
               <a:rPr lang="fr-FR" smtClean="0"/>
-              <a:t>14/10/2018</a:t>
+              <a:t>13/11/2018</a:t>
             </a:fld>
             <a:endParaRPr lang="fr-FR" dirty="0"/>
           </a:p>
@@ -1457,7 +1457,7 @@
           <a:p>
             <a:fld id="{F5DCD35F-0A9F-410A-9C3B-C8CDFB44C561}" type="datetimeFigureOut">
               <a:rPr lang="fr-FR" smtClean="0"/>
-              <a:t>14/10/2018</a:t>
+              <a:t>13/11/2018</a:t>
             </a:fld>
             <a:endParaRPr lang="fr-FR" dirty="0"/>
           </a:p>
@@ -1689,7 +1689,7 @@
           <a:p>
             <a:fld id="{F5DCD35F-0A9F-410A-9C3B-C8CDFB44C561}" type="datetimeFigureOut">
               <a:rPr lang="fr-FR" smtClean="0"/>
-              <a:t>14/10/2018</a:t>
+              <a:t>13/11/2018</a:t>
             </a:fld>
             <a:endParaRPr lang="fr-FR" dirty="0"/>
           </a:p>
@@ -2056,7 +2056,7 @@
           <a:p>
             <a:fld id="{F5DCD35F-0A9F-410A-9C3B-C8CDFB44C561}" type="datetimeFigureOut">
               <a:rPr lang="fr-FR" smtClean="0"/>
-              <a:t>14/10/2018</a:t>
+              <a:t>13/11/2018</a:t>
             </a:fld>
             <a:endParaRPr lang="fr-FR" dirty="0"/>
           </a:p>
@@ -2174,7 +2174,7 @@
           <a:p>
             <a:fld id="{F5DCD35F-0A9F-410A-9C3B-C8CDFB44C561}" type="datetimeFigureOut">
               <a:rPr lang="fr-FR" smtClean="0"/>
-              <a:t>14/10/2018</a:t>
+              <a:t>13/11/2018</a:t>
             </a:fld>
             <a:endParaRPr lang="fr-FR" dirty="0"/>
           </a:p>
@@ -2269,7 +2269,7 @@
           <a:p>
             <a:fld id="{F5DCD35F-0A9F-410A-9C3B-C8CDFB44C561}" type="datetimeFigureOut">
               <a:rPr lang="fr-FR" smtClean="0"/>
-              <a:t>14/10/2018</a:t>
+              <a:t>13/11/2018</a:t>
             </a:fld>
             <a:endParaRPr lang="fr-FR" dirty="0"/>
           </a:p>
@@ -2546,7 +2546,7 @@
           <a:p>
             <a:fld id="{F5DCD35F-0A9F-410A-9C3B-C8CDFB44C561}" type="datetimeFigureOut">
               <a:rPr lang="fr-FR" smtClean="0"/>
-              <a:t>14/10/2018</a:t>
+              <a:t>13/11/2018</a:t>
             </a:fld>
             <a:endParaRPr lang="fr-FR" dirty="0"/>
           </a:p>
@@ -2803,7 +2803,7 @@
           <a:p>
             <a:fld id="{F5DCD35F-0A9F-410A-9C3B-C8CDFB44C561}" type="datetimeFigureOut">
               <a:rPr lang="fr-FR" smtClean="0"/>
-              <a:t>14/10/2018</a:t>
+              <a:t>13/11/2018</a:t>
             </a:fld>
             <a:endParaRPr lang="fr-FR" dirty="0"/>
           </a:p>
@@ -3016,7 +3016,7 @@
           <a:p>
             <a:fld id="{F5DCD35F-0A9F-410A-9C3B-C8CDFB44C561}" type="datetimeFigureOut">
               <a:rPr lang="fr-FR" smtClean="0"/>
-              <a:t>14/10/2018</a:t>
+              <a:t>13/11/2018</a:t>
             </a:fld>
             <a:endParaRPr lang="fr-FR" dirty="0"/>
           </a:p>
@@ -3421,6 +3421,76 @@
           <a:chExt cx="0" cy="0"/>
         </a:xfrm>
       </p:grpSpPr>
+      <p:pic>
+        <p:nvPicPr>
+          <p:cNvPr id="236" name="Image 235">
+            <a:extLst>
+              <a:ext uri="{FF2B5EF4-FFF2-40B4-BE49-F238E27FC236}">
+                <a16:creationId xmlns:a16="http://schemas.microsoft.com/office/drawing/2014/main" id="{11FEB592-35AB-4E21-A776-F7AD203A5980}"/>
+              </a:ext>
+            </a:extLst>
+          </p:cNvPr>
+          <p:cNvPicPr>
+            <a:picLocks noChangeAspect="1"/>
+          </p:cNvPicPr>
+          <p:nvPr/>
+        </p:nvPicPr>
+        <p:blipFill rotWithShape="1">
+          <a:blip r:embed="rId3">
+            <a:extLst>
+              <a:ext uri="{28A0092B-C50C-407E-A947-70E740481C1C}">
+                <a14:useLocalDpi xmlns:a14="http://schemas.microsoft.com/office/drawing/2010/main" val="0"/>
+              </a:ext>
+            </a:extLst>
+          </a:blip>
+          <a:srcRect t="7007"/>
+          <a:stretch/>
+        </p:blipFill>
+        <p:spPr>
+          <a:xfrm>
+            <a:off x="0" y="0"/>
+            <a:ext cx="30240288" cy="3309746"/>
+          </a:xfrm>
+          <a:prstGeom prst="rect">
+            <a:avLst/>
+          </a:prstGeom>
+        </p:spPr>
+      </p:pic>
+      <p:sp>
+        <p:nvSpPr>
+          <p:cNvPr id="114" name="ZoneTexte 113">
+            <a:extLst>
+              <a:ext uri="{FF2B5EF4-FFF2-40B4-BE49-F238E27FC236}">
+                <a16:creationId xmlns:a16="http://schemas.microsoft.com/office/drawing/2014/main" id="{58CFEA4F-D5FD-4D84-9F41-511C3F992DE2}"/>
+              </a:ext>
+            </a:extLst>
+          </p:cNvPr>
+          <p:cNvSpPr txBox="1"/>
+          <p:nvPr/>
+        </p:nvSpPr>
+        <p:spPr>
+          <a:xfrm>
+            <a:off x="190" y="16497291"/>
+            <a:ext cx="2414516" cy="954107"/>
+          </a:xfrm>
+          <a:prstGeom prst="rect">
+            <a:avLst/>
+          </a:prstGeom>
+          <a:noFill/>
+        </p:spPr>
+        <p:txBody>
+          <a:bodyPr wrap="square" rtlCol="0">
+            <a:spAutoFit/>
+          </a:bodyPr>
+          <a:lstStyle/>
+          <a:p>
+            <a:r>
+              <a:rPr lang="en-US" sz="2800" dirty="0"/>
+              <a:t>Usual Integration</a:t>
+            </a:r>
+          </a:p>
+        </p:txBody>
+      </p:sp>
       <p:sp>
         <p:nvSpPr>
           <p:cNvPr id="77" name="Rectangle 76">
@@ -3436,7 +3506,7 @@
         <p:spPr>
           <a:xfrm>
             <a:off x="0" y="20792087"/>
-            <a:ext cx="30239991" cy="448664"/>
+            <a:ext cx="30239991" cy="479988"/>
           </a:xfrm>
           <a:prstGeom prst="rect">
             <a:avLst/>
@@ -3467,44 +3537,6 @@
           </a:p>
         </p:txBody>
       </p:sp>
-      <p:pic>
-        <p:nvPicPr>
-          <p:cNvPr id="30" name="Graphique 29">
-            <a:extLst>
-              <a:ext uri="{FF2B5EF4-FFF2-40B4-BE49-F238E27FC236}">
-                <a16:creationId xmlns:a16="http://schemas.microsoft.com/office/drawing/2014/main" id="{3C686912-2D9B-4F78-95D5-D51D66DE1DEF}"/>
-              </a:ext>
-            </a:extLst>
-          </p:cNvPr>
-          <p:cNvPicPr>
-            <a:picLocks noChangeAspect="1"/>
-          </p:cNvPicPr>
-          <p:nvPr/>
-        </p:nvPicPr>
-        <p:blipFill rotWithShape="1">
-          <a:blip r:embed="rId3">
-            <a:extLst>
-              <a:ext uri="{28A0092B-C50C-407E-A947-70E740481C1C}">
-                <a14:useLocalDpi xmlns:a14="http://schemas.microsoft.com/office/drawing/2010/main" val="0"/>
-              </a:ext>
-              <a:ext uri="{96DAC541-7B7A-43D3-8B79-37D633B846F1}">
-                <asvg:svgBlip xmlns:asvg="http://schemas.microsoft.com/office/drawing/2016/SVG/main" r:embed="rId4"/>
-              </a:ext>
-            </a:extLst>
-          </a:blip>
-          <a:srcRect t="47575"/>
-          <a:stretch/>
-        </p:blipFill>
-        <p:spPr>
-          <a:xfrm>
-            <a:off x="-35559" y="2650"/>
-            <a:ext cx="30318315" cy="2327071"/>
-          </a:xfrm>
-          <a:prstGeom prst="rect">
-            <a:avLst/>
-          </a:prstGeom>
-        </p:spPr>
-      </p:pic>
       <p:sp>
         <p:nvSpPr>
           <p:cNvPr id="7" name="Titre 6">
@@ -3523,8 +3555,8 @@
         </p:nvSpPr>
         <p:spPr>
           <a:xfrm>
-            <a:off x="792480" y="35753"/>
-            <a:ext cx="22387560" cy="2291318"/>
+            <a:off x="488794" y="480368"/>
+            <a:ext cx="22387560" cy="1547949"/>
           </a:xfrm>
         </p:spPr>
         <p:txBody>
@@ -3534,12 +3566,12 @@
           <a:lstStyle/>
           <a:p>
             <a:r>
-              <a:rPr lang="en-US" sz="11000" dirty="0">
+              <a:rPr lang="en-US" sz="13800" dirty="0">
                 <a:solidFill>
                   <a:schemeClr val="bg1"/>
                 </a:solidFill>
               </a:rPr>
-              <a:t>Cauchy Crofton Formula</a:t>
+              <a:t>The Cauchy Crofton Formula</a:t>
             </a:r>
           </a:p>
         </p:txBody>
@@ -3558,8 +3590,8 @@
         </p:nvSpPr>
         <p:spPr>
           <a:xfrm>
-            <a:off x="231919" y="2880000"/>
-            <a:ext cx="4582000" cy="1225917"/>
+            <a:off x="0" y="13808832"/>
+            <a:ext cx="4686598" cy="923330"/>
           </a:xfrm>
           <a:prstGeom prst="rect">
             <a:avLst/>
@@ -3573,14 +3605,14 @@
           <a:lstStyle/>
           <a:p>
             <a:r>
-              <a:rPr lang="en-US" sz="7200" b="1" i="1" dirty="0"/>
-              <a:t>Theorem:</a:t>
+              <a:rPr lang="en-US" sz="5400" b="1" dirty="0"/>
+              <a:t>Formula:</a:t>
             </a:r>
           </a:p>
         </p:txBody>
       </p:sp>
-      <mc:AlternateContent xmlns:mc="http://schemas.openxmlformats.org/markup-compatibility/2006">
-        <mc:Choice xmlns:a14="http://schemas.microsoft.com/office/drawing/2010/main" Requires="a14">
+      <mc:AlternateContent xmlns:mc="http://schemas.openxmlformats.org/markup-compatibility/2006" xmlns:a14="http://schemas.microsoft.com/office/drawing/2010/main">
+        <mc:Choice Requires="a14">
           <p:sp>
             <p:nvSpPr>
               <p:cNvPr id="11" name="ZoneTexte 10">
@@ -3595,8 +3627,8 @@
             </p:nvSpPr>
             <p:spPr>
               <a:xfrm>
-                <a:off x="210480" y="4307524"/>
-                <a:ext cx="6824454" cy="1477328"/>
+                <a:off x="1805625" y="15443721"/>
+                <a:ext cx="6824454" cy="1015663"/>
               </a:xfrm>
               <a:prstGeom prst="rect">
                 <a:avLst/>
@@ -3616,7 +3648,7 @@
                         <m:chr m:val="∬"/>
                         <m:supHide m:val="on"/>
                         <m:ctrlPr>
-                          <a:rPr lang="en-US" sz="8000" i="1" smtClean="0">
+                          <a:rPr lang="en-US" sz="5400" i="1" smtClean="0">
                             <a:latin typeface="Cambria Math" panose="02040503050406030204" pitchFamily="18" charset="0"/>
                           </a:rPr>
                         </m:ctrlPr>
@@ -3626,7 +3658,7 @@
                           <m:rPr>
                             <m:sty m:val="p"/>
                           </m:rPr>
-                          <a:rPr lang="en-US" sz="8000">
+                          <a:rPr lang="en-US" sz="5400">
                             <a:latin typeface="Cambria Math" panose="02040503050406030204" pitchFamily="18" charset="0"/>
                           </a:rPr>
                           <m:t>S</m:t>
@@ -3635,31 +3667,31 @@
                       <m:sup/>
                       <m:e>
                         <m:r>
-                          <a:rPr lang="en-US" sz="8000" i="1">
+                          <a:rPr lang="en-US" sz="5400" i="1">
                             <a:latin typeface="Cambria Math" panose="02040503050406030204" pitchFamily="18" charset="0"/>
                           </a:rPr>
                           <m:t>𝑑</m:t>
                         </m:r>
                         <m:r>
-                          <a:rPr lang="en-US" sz="8000" i="1">
+                          <a:rPr lang="en-US" sz="5400" i="1">
                             <a:latin typeface="Cambria Math" panose="02040503050406030204" pitchFamily="18" charset="0"/>
                           </a:rPr>
                           <m:t>𝜌</m:t>
                         </m:r>
                         <m:r>
-                          <a:rPr lang="en-US" sz="8000" i="1">
+                          <a:rPr lang="fr-FR" sz="5400" b="0" i="1" smtClean="0">
                             <a:latin typeface="Cambria Math" panose="02040503050406030204" pitchFamily="18" charset="0"/>
                           </a:rPr>
-                          <m:t>, </m:t>
+                          <m:t> </m:t>
                         </m:r>
                         <m:r>
-                          <a:rPr lang="en-US" sz="8000" i="1">
+                          <a:rPr lang="en-US" sz="5400" i="1">
                             <a:latin typeface="Cambria Math" panose="02040503050406030204" pitchFamily="18" charset="0"/>
                           </a:rPr>
                           <m:t>𝑑</m:t>
                         </m:r>
                         <m:r>
-                          <a:rPr lang="en-US" sz="8000" i="1">
+                          <a:rPr lang="en-US" sz="5400" i="1">
                             <a:latin typeface="Cambria Math" panose="02040503050406030204" pitchFamily="18" charset="0"/>
                           </a:rPr>
                           <m:t>𝜃</m:t>
@@ -3667,7 +3699,7 @@
                       </m:e>
                     </m:nary>
                     <m:r>
-                      <a:rPr lang="en-US" sz="8000">
+                      <a:rPr lang="en-US" sz="5400">
                         <a:latin typeface="Cambria Math" panose="02040503050406030204" pitchFamily="18" charset="0"/>
                       </a:rPr>
                       <m:t>=2</m:t>
@@ -3675,16 +3707,25 @@
                   </m:oMath>
                 </a14:m>
                 <a:r>
-                  <a:rPr lang="en-US" sz="8000" dirty="0">
+                  <a:rPr lang="en-US" sz="5400" dirty="0">
                     <a:latin typeface="Brush Script MT" panose="03060802040406070304" pitchFamily="66" charset="0"/>
                   </a:rPr>
-                  <a:t> l</a:t>
+                  <a:t> </a:t>
                 </a:r>
+                <a:r>
+                  <a:rPr lang="en-US" sz="6600" dirty="0">
+                    <a:latin typeface="Brush Script MT" panose="03060802040406070304" pitchFamily="66" charset="0"/>
+                  </a:rPr>
+                  <a:t>l</a:t>
+                </a:r>
+                <a:endParaRPr lang="en-US" sz="5400" dirty="0">
+                  <a:latin typeface="Brush Script MT" panose="03060802040406070304" pitchFamily="66" charset="0"/>
+                </a:endParaRPr>
               </a:p>
             </p:txBody>
           </p:sp>
         </mc:Choice>
-        <mc:Fallback>
+        <mc:Fallback xmlns="">
           <p:sp>
             <p:nvSpPr>
               <p:cNvPr id="11" name="ZoneTexte 10">
@@ -3701,16 +3742,16 @@
             </p:nvSpPr>
             <p:spPr>
               <a:xfrm>
-                <a:off x="210480" y="4307524"/>
-                <a:ext cx="6824454" cy="1477328"/>
+                <a:off x="1805625" y="15443721"/>
+                <a:ext cx="6824454" cy="1015663"/>
               </a:xfrm>
               <a:prstGeom prst="rect">
                 <a:avLst/>
               </a:prstGeom>
               <a:blipFill>
-                <a:blip r:embed="rId5"/>
+                <a:blip r:embed="rId4"/>
                 <a:stretch>
-                  <a:fillRect t="-14050" r="-3664" b="-30992"/>
+                  <a:fillRect t="-26347" b="-48503"/>
                 </a:stretch>
               </a:blipFill>
             </p:spPr>
@@ -3745,57 +3786,13 @@
         </p:nvCxnSpPr>
         <p:spPr>
           <a:xfrm flipV="1">
-            <a:off x="432527" y="5832203"/>
-            <a:ext cx="206187" cy="1774377"/>
+            <a:off x="1073361" y="16408973"/>
+            <a:ext cx="604210" cy="418816"/>
           </a:xfrm>
           <a:prstGeom prst="straightConnector1">
             <a:avLst/>
           </a:prstGeom>
-          <a:ln w="76200">
-            <a:solidFill>
-              <a:schemeClr val="tx1"/>
-            </a:solidFill>
-            <a:tailEnd type="triangle"/>
-          </a:ln>
-        </p:spPr>
-        <p:style>
-          <a:lnRef idx="1">
-            <a:schemeClr val="accent1"/>
-          </a:lnRef>
-          <a:fillRef idx="0">
-            <a:schemeClr val="accent1"/>
-          </a:fillRef>
-          <a:effectRef idx="0">
-            <a:schemeClr val="accent1"/>
-          </a:effectRef>
-          <a:fontRef idx="minor">
-            <a:schemeClr val="tx1"/>
-          </a:fontRef>
-        </p:style>
-      </p:cxnSp>
-      <p:cxnSp>
-        <p:nvCxnSpPr>
-          <p:cNvPr id="101" name="Connecteur droit avec flèche 100">
-            <a:extLst>
-              <a:ext uri="{FF2B5EF4-FFF2-40B4-BE49-F238E27FC236}">
-                <a16:creationId xmlns:a16="http://schemas.microsoft.com/office/drawing/2014/main" id="{68F62DE3-D023-4CD5-83C0-DF77D0DD37FC}"/>
-              </a:ext>
-            </a:extLst>
-          </p:cNvPr>
-          <p:cNvCxnSpPr>
-            <a:cxnSpLocks/>
-          </p:cNvCxnSpPr>
-          <p:nvPr/>
-        </p:nvCxnSpPr>
-        <p:spPr>
-          <a:xfrm flipH="1" flipV="1">
-            <a:off x="1321906" y="5872480"/>
-            <a:ext cx="316697" cy="644515"/>
-          </a:xfrm>
-          <a:prstGeom prst="straightConnector1">
-            <a:avLst/>
-          </a:prstGeom>
-          <a:ln w="76200">
+          <a:ln w="50800">
             <a:solidFill>
               <a:schemeClr val="tx1"/>
             </a:solidFill>
@@ -3833,13 +3830,13 @@
         </p:nvCxnSpPr>
         <p:spPr>
           <a:xfrm flipH="1" flipV="1">
-            <a:off x="6576761" y="5628181"/>
-            <a:ext cx="220516" cy="2095300"/>
+            <a:off x="6158592" y="16130726"/>
+            <a:ext cx="728840" cy="823771"/>
           </a:xfrm>
           <a:prstGeom prst="straightConnector1">
             <a:avLst/>
           </a:prstGeom>
-          <a:ln w="76200">
+          <a:ln w="50800">
             <a:solidFill>
               <a:schemeClr val="tx1"/>
             </a:solidFill>
@@ -3863,82 +3860,6 @@
       </p:cxnSp>
       <p:sp>
         <p:nvSpPr>
-          <p:cNvPr id="114" name="ZoneTexte 113">
-            <a:extLst>
-              <a:ext uri="{FF2B5EF4-FFF2-40B4-BE49-F238E27FC236}">
-                <a16:creationId xmlns:a16="http://schemas.microsoft.com/office/drawing/2014/main" id="{58CFEA4F-D5FD-4D84-9F41-511C3F992DE2}"/>
-              </a:ext>
-            </a:extLst>
-          </p:cNvPr>
-          <p:cNvSpPr txBox="1"/>
-          <p:nvPr/>
-        </p:nvSpPr>
-        <p:spPr>
-          <a:xfrm>
-            <a:off x="117697" y="7633128"/>
-            <a:ext cx="3132235" cy="1200329"/>
-          </a:xfrm>
-          <a:prstGeom prst="rect">
-            <a:avLst/>
-          </a:prstGeom>
-          <a:noFill/>
-        </p:spPr>
-        <p:txBody>
-          <a:bodyPr wrap="square" rtlCol="0">
-            <a:spAutoFit/>
-          </a:bodyPr>
-          <a:lstStyle/>
-          <a:p>
-            <a:r>
-              <a:rPr lang="en-US" sz="3600" dirty="0"/>
-              <a:t>Usual</a:t>
-            </a:r>
-          </a:p>
-          <a:p>
-            <a:r>
-              <a:rPr lang="en-US" sz="3600" dirty="0"/>
-              <a:t>Integration</a:t>
-            </a:r>
-          </a:p>
-        </p:txBody>
-      </p:sp>
-      <p:sp>
-        <p:nvSpPr>
-          <p:cNvPr id="117" name="ZoneTexte 116">
-            <a:extLst>
-              <a:ext uri="{FF2B5EF4-FFF2-40B4-BE49-F238E27FC236}">
-                <a16:creationId xmlns:a16="http://schemas.microsoft.com/office/drawing/2014/main" id="{F2A2DD5A-002B-4510-A8CF-E22E7957651E}"/>
-              </a:ext>
-            </a:extLst>
-          </p:cNvPr>
-          <p:cNvSpPr txBox="1"/>
-          <p:nvPr/>
-        </p:nvSpPr>
-        <p:spPr>
-          <a:xfrm>
-            <a:off x="1649167" y="6197608"/>
-            <a:ext cx="4363065" cy="1200329"/>
-          </a:xfrm>
-          <a:prstGeom prst="rect">
-            <a:avLst/>
-          </a:prstGeom>
-          <a:noFill/>
-        </p:spPr>
-        <p:txBody>
-          <a:bodyPr wrap="square" rtlCol="0">
-            <a:spAutoFit/>
-          </a:bodyPr>
-          <a:lstStyle/>
-          <a:p>
-            <a:r>
-              <a:rPr lang="en-US" sz="3600" dirty="0"/>
-              <a:t>Description of the set S + Example?</a:t>
-            </a:r>
-          </a:p>
-        </p:txBody>
-      </p:sp>
-      <p:sp>
-        <p:nvSpPr>
           <p:cNvPr id="118" name="ZoneTexte 117">
             <a:extLst>
               <a:ext uri="{FF2B5EF4-FFF2-40B4-BE49-F238E27FC236}">
@@ -3951,8 +3872,8 @@
         </p:nvSpPr>
         <p:spPr>
           <a:xfrm>
-            <a:off x="5770742" y="7876543"/>
-            <a:ext cx="4272700" cy="646331"/>
+            <a:off x="6646525" y="16910130"/>
+            <a:ext cx="3118027" cy="527153"/>
           </a:xfrm>
           <a:prstGeom prst="rect">
             <a:avLst/>
@@ -3966,61 +3887,12 @@
           <a:lstStyle/>
           <a:p>
             <a:r>
-              <a:rPr lang="en-US" sz="3600" dirty="0"/>
-              <a:t>Length of the curve</a:t>
-            </a:r>
-          </a:p>
-        </p:txBody>
-      </p:sp>
-      <p:sp>
-        <p:nvSpPr>
-          <p:cNvPr id="120" name="Rectangle 119">
-            <a:extLst>
-              <a:ext uri="{FF2B5EF4-FFF2-40B4-BE49-F238E27FC236}">
-                <a16:creationId xmlns:a16="http://schemas.microsoft.com/office/drawing/2014/main" id="{0C47CD0E-81EE-4A37-BD97-C00F2BE9B122}"/>
-              </a:ext>
-            </a:extLst>
-          </p:cNvPr>
-          <p:cNvSpPr/>
-          <p:nvPr/>
-        </p:nvSpPr>
-        <p:spPr>
-          <a:xfrm>
-            <a:off x="201796" y="8986519"/>
-            <a:ext cx="9587494" cy="9887062"/>
-          </a:xfrm>
-          <a:prstGeom prst="rect">
-            <a:avLst/>
-          </a:prstGeom>
-        </p:spPr>
-        <p:style>
-          <a:lnRef idx="2">
-            <a:schemeClr val="accent1">
-              <a:shade val="50000"/>
-            </a:schemeClr>
-          </a:lnRef>
-          <a:fillRef idx="1">
-            <a:schemeClr val="accent1"/>
-          </a:fillRef>
-          <a:effectRef idx="0">
-            <a:schemeClr val="accent1"/>
-          </a:effectRef>
-          <a:fontRef idx="minor">
-            <a:schemeClr val="lt1"/>
-          </a:fontRef>
-        </p:style>
-        <p:txBody>
-          <a:bodyPr rtlCol="0" anchor="ctr"/>
-          <a:lstStyle/>
-          <a:p>
-            <a:pPr algn="ctr"/>
-            <a:r>
-              <a:rPr lang="en-US" sz="6000" b="1" dirty="0">
-                <a:solidFill>
-                  <a:schemeClr val="tx1"/>
-                </a:solidFill>
-              </a:rPr>
-              <a:t>Rigid motions: def + image</a:t>
+              <a:rPr lang="en-US" sz="2800" b="1" dirty="0"/>
+              <a:t>Length</a:t>
+            </a:r>
+            <a:r>
+              <a:rPr lang="en-US" sz="2800" dirty="0"/>
+              <a:t> of the curve</a:t>
             </a:r>
           </a:p>
         </p:txBody>
@@ -4039,8 +3911,8 @@
         </p:nvSpPr>
         <p:spPr>
           <a:xfrm>
-            <a:off x="0" y="19014234"/>
-            <a:ext cx="10079993" cy="1323439"/>
+            <a:off x="16997453" y="4216774"/>
+            <a:ext cx="3216941" cy="2677656"/>
           </a:xfrm>
           <a:prstGeom prst="rect">
             <a:avLst/>
@@ -4054,390 +3926,14 @@
           <a:lstStyle/>
           <a:p>
             <a:r>
-              <a:rPr lang="en-US" sz="4000" i="1" dirty="0"/>
-              <a:t>One may prove that the integral above remains unchanged after applying rigid motions</a:t>
-            </a:r>
-          </a:p>
-        </p:txBody>
-      </p:sp>
-      <p:cxnSp>
-        <p:nvCxnSpPr>
-          <p:cNvPr id="91" name="Connecteur droit 90">
-            <a:extLst>
-              <a:ext uri="{FF2B5EF4-FFF2-40B4-BE49-F238E27FC236}">
-                <a16:creationId xmlns:a16="http://schemas.microsoft.com/office/drawing/2014/main" id="{C7C901A7-8334-4DF2-AFC2-461315041F4D}"/>
-              </a:ext>
-            </a:extLst>
-          </p:cNvPr>
-          <p:cNvCxnSpPr>
-            <a:cxnSpLocks/>
-          </p:cNvCxnSpPr>
-          <p:nvPr/>
-        </p:nvCxnSpPr>
-        <p:spPr>
-          <a:xfrm flipV="1">
-            <a:off x="10635616" y="3370277"/>
-            <a:ext cx="1435812" cy="2383919"/>
-          </a:xfrm>
-          <a:prstGeom prst="line">
-            <a:avLst/>
-          </a:prstGeom>
-        </p:spPr>
-        <p:style>
-          <a:lnRef idx="1">
-            <a:schemeClr val="accent1"/>
-          </a:lnRef>
-          <a:fillRef idx="0">
-            <a:schemeClr val="accent1"/>
-          </a:fillRef>
-          <a:effectRef idx="0">
-            <a:schemeClr val="accent1"/>
-          </a:effectRef>
-          <a:fontRef idx="minor">
-            <a:schemeClr val="tx1"/>
-          </a:fontRef>
-        </p:style>
-      </p:cxnSp>
-      <p:cxnSp>
-        <p:nvCxnSpPr>
-          <p:cNvPr id="95" name="Connecteur : en angle 94">
-            <a:extLst>
-              <a:ext uri="{FF2B5EF4-FFF2-40B4-BE49-F238E27FC236}">
-                <a16:creationId xmlns:a16="http://schemas.microsoft.com/office/drawing/2014/main" id="{74D8EE79-38D6-4144-B5A3-F46A9E7E6642}"/>
-              </a:ext>
-            </a:extLst>
-          </p:cNvPr>
-          <p:cNvCxnSpPr>
-            <a:cxnSpLocks/>
-          </p:cNvCxnSpPr>
-          <p:nvPr/>
-        </p:nvCxnSpPr>
-        <p:spPr>
-          <a:xfrm rot="5400000" flipH="1" flipV="1">
-            <a:off x="9751479" y="9499778"/>
-            <a:ext cx="3204089" cy="1657592"/>
-          </a:xfrm>
-          <a:prstGeom prst="bentConnector3">
-            <a:avLst/>
-          </a:prstGeom>
-        </p:spPr>
-        <p:style>
-          <a:lnRef idx="1">
-            <a:schemeClr val="accent1"/>
-          </a:lnRef>
-          <a:fillRef idx="0">
-            <a:schemeClr val="accent1"/>
-          </a:fillRef>
-          <a:effectRef idx="0">
-            <a:schemeClr val="accent1"/>
-          </a:effectRef>
-          <a:fontRef idx="minor">
-            <a:schemeClr val="tx1"/>
-          </a:fontRef>
-        </p:style>
-      </p:cxnSp>
-      <p:sp>
-        <p:nvSpPr>
-          <p:cNvPr id="96" name="Forme libre : forme 95">
-            <a:extLst>
-              <a:ext uri="{FF2B5EF4-FFF2-40B4-BE49-F238E27FC236}">
-                <a16:creationId xmlns:a16="http://schemas.microsoft.com/office/drawing/2014/main" id="{D65819EA-3125-4BEC-AFAD-30FA8165A192}"/>
-              </a:ext>
-            </a:extLst>
-          </p:cNvPr>
-          <p:cNvSpPr/>
-          <p:nvPr/>
-        </p:nvSpPr>
-        <p:spPr>
-          <a:xfrm>
-            <a:off x="10461576" y="14423246"/>
-            <a:ext cx="1783888" cy="2603434"/>
-          </a:xfrm>
-          <a:custGeom>
-            <a:avLst/>
-            <a:gdLst>
-              <a:gd name="connsiteX0" fmla="*/ 0 w 781050"/>
-              <a:gd name="connsiteY0" fmla="*/ 813150 h 813150"/>
-              <a:gd name="connsiteX1" fmla="*/ 9525 w 781050"/>
-              <a:gd name="connsiteY1" fmla="*/ 756000 h 813150"/>
-              <a:gd name="connsiteX2" fmla="*/ 47625 w 781050"/>
-              <a:gd name="connsiteY2" fmla="*/ 565500 h 813150"/>
-              <a:gd name="connsiteX3" fmla="*/ 247650 w 781050"/>
-              <a:gd name="connsiteY3" fmla="*/ 632175 h 813150"/>
-              <a:gd name="connsiteX4" fmla="*/ 352425 w 781050"/>
-              <a:gd name="connsiteY4" fmla="*/ 460725 h 813150"/>
-              <a:gd name="connsiteX5" fmla="*/ 495300 w 781050"/>
-              <a:gd name="connsiteY5" fmla="*/ 317850 h 813150"/>
-              <a:gd name="connsiteX6" fmla="*/ 352425 w 781050"/>
-              <a:gd name="connsiteY6" fmla="*/ 98775 h 813150"/>
-              <a:gd name="connsiteX7" fmla="*/ 552450 w 781050"/>
-              <a:gd name="connsiteY7" fmla="*/ 3525 h 813150"/>
-              <a:gd name="connsiteX8" fmla="*/ 771525 w 781050"/>
-              <a:gd name="connsiteY8" fmla="*/ 213075 h 813150"/>
-              <a:gd name="connsiteX9" fmla="*/ 723900 w 781050"/>
-              <a:gd name="connsiteY9" fmla="*/ 346425 h 813150"/>
-              <a:gd name="connsiteX10" fmla="*/ 781050 w 781050"/>
-              <a:gd name="connsiteY10" fmla="*/ 403575 h 813150"/>
-            </a:gdLst>
-            <a:ahLst/>
-            <a:cxnLst>
-              <a:cxn ang="0">
-                <a:pos x="connsiteX0" y="connsiteY0"/>
-              </a:cxn>
-              <a:cxn ang="0">
-                <a:pos x="connsiteX1" y="connsiteY1"/>
-              </a:cxn>
-              <a:cxn ang="0">
-                <a:pos x="connsiteX2" y="connsiteY2"/>
-              </a:cxn>
-              <a:cxn ang="0">
-                <a:pos x="connsiteX3" y="connsiteY3"/>
-              </a:cxn>
-              <a:cxn ang="0">
-                <a:pos x="connsiteX4" y="connsiteY4"/>
-              </a:cxn>
-              <a:cxn ang="0">
-                <a:pos x="connsiteX5" y="connsiteY5"/>
-              </a:cxn>
-              <a:cxn ang="0">
-                <a:pos x="connsiteX6" y="connsiteY6"/>
-              </a:cxn>
-              <a:cxn ang="0">
-                <a:pos x="connsiteX7" y="connsiteY7"/>
-              </a:cxn>
-              <a:cxn ang="0">
-                <a:pos x="connsiteX8" y="connsiteY8"/>
-              </a:cxn>
-              <a:cxn ang="0">
-                <a:pos x="connsiteX9" y="connsiteY9"/>
-              </a:cxn>
-              <a:cxn ang="0">
-                <a:pos x="connsiteX10" y="connsiteY10"/>
-              </a:cxn>
-            </a:cxnLst>
-            <a:rect l="l" t="t" r="r" b="b"/>
-            <a:pathLst>
-              <a:path w="781050" h="813150">
-                <a:moveTo>
-                  <a:pt x="0" y="813150"/>
-                </a:moveTo>
-                <a:cubicBezTo>
-                  <a:pt x="794" y="805212"/>
-                  <a:pt x="1588" y="797275"/>
-                  <a:pt x="9525" y="756000"/>
-                </a:cubicBezTo>
-                <a:cubicBezTo>
-                  <a:pt x="17462" y="714725"/>
-                  <a:pt x="7938" y="586137"/>
-                  <a:pt x="47625" y="565500"/>
-                </a:cubicBezTo>
-                <a:cubicBezTo>
-                  <a:pt x="87313" y="544862"/>
-                  <a:pt x="196850" y="649637"/>
-                  <a:pt x="247650" y="632175"/>
-                </a:cubicBezTo>
-                <a:cubicBezTo>
-                  <a:pt x="298450" y="614713"/>
-                  <a:pt x="311150" y="513112"/>
-                  <a:pt x="352425" y="460725"/>
-                </a:cubicBezTo>
-                <a:cubicBezTo>
-                  <a:pt x="393700" y="408338"/>
-                  <a:pt x="495300" y="378175"/>
-                  <a:pt x="495300" y="317850"/>
-                </a:cubicBezTo>
-                <a:cubicBezTo>
-                  <a:pt x="495300" y="257525"/>
-                  <a:pt x="342900" y="151162"/>
-                  <a:pt x="352425" y="98775"/>
-                </a:cubicBezTo>
-                <a:cubicBezTo>
-                  <a:pt x="361950" y="46388"/>
-                  <a:pt x="482600" y="-15525"/>
-                  <a:pt x="552450" y="3525"/>
-                </a:cubicBezTo>
-                <a:cubicBezTo>
-                  <a:pt x="622300" y="22575"/>
-                  <a:pt x="742950" y="155925"/>
-                  <a:pt x="771525" y="213075"/>
-                </a:cubicBezTo>
-                <a:cubicBezTo>
-                  <a:pt x="800100" y="270225"/>
-                  <a:pt x="722312" y="314675"/>
-                  <a:pt x="723900" y="346425"/>
-                </a:cubicBezTo>
-                <a:cubicBezTo>
-                  <a:pt x="725488" y="378175"/>
-                  <a:pt x="753269" y="390875"/>
-                  <a:pt x="781050" y="403575"/>
-                </a:cubicBezTo>
-              </a:path>
-            </a:pathLst>
-          </a:custGeom>
-          <a:noFill/>
-        </p:spPr>
-        <p:style>
-          <a:lnRef idx="2">
-            <a:schemeClr val="accent1">
-              <a:shade val="50000"/>
-            </a:schemeClr>
-          </a:lnRef>
-          <a:fillRef idx="1">
-            <a:schemeClr val="accent1"/>
-          </a:fillRef>
-          <a:effectRef idx="0">
-            <a:schemeClr val="accent1"/>
-          </a:effectRef>
-          <a:fontRef idx="minor">
-            <a:schemeClr val="lt1"/>
-          </a:fontRef>
-        </p:style>
-        <p:txBody>
-          <a:bodyPr rtlCol="0" anchor="ctr"/>
-          <a:lstStyle/>
-          <a:p>
-            <a:pPr algn="ctr"/>
-            <a:endParaRPr lang="en-US" dirty="0"/>
-          </a:p>
-        </p:txBody>
-      </p:sp>
-      <p:sp>
-        <p:nvSpPr>
-          <p:cNvPr id="122" name="ZoneTexte 121">
-            <a:extLst>
-              <a:ext uri="{FF2B5EF4-FFF2-40B4-BE49-F238E27FC236}">
-                <a16:creationId xmlns:a16="http://schemas.microsoft.com/office/drawing/2014/main" id="{FECD5664-FB32-40B5-B8E6-9F2223698B7D}"/>
-              </a:ext>
-            </a:extLst>
-          </p:cNvPr>
-          <p:cNvSpPr txBox="1"/>
-          <p:nvPr/>
-        </p:nvSpPr>
-        <p:spPr>
-          <a:xfrm>
-            <a:off x="12680558" y="3259394"/>
-            <a:ext cx="6998043" cy="830997"/>
-          </a:xfrm>
-          <a:prstGeom prst="rect">
-            <a:avLst/>
-          </a:prstGeom>
-          <a:noFill/>
-        </p:spPr>
-        <p:txBody>
-          <a:bodyPr wrap="square" rtlCol="0">
-            <a:spAutoFit/>
-          </a:bodyPr>
-          <a:lstStyle/>
-          <a:p>
-            <a:r>
-              <a:rPr lang="en-US" sz="4800" dirty="0"/>
-              <a:t>Line case…</a:t>
-            </a:r>
-          </a:p>
-        </p:txBody>
-      </p:sp>
-      <p:sp>
-        <p:nvSpPr>
-          <p:cNvPr id="123" name="ZoneTexte 122">
-            <a:extLst>
-              <a:ext uri="{FF2B5EF4-FFF2-40B4-BE49-F238E27FC236}">
-                <a16:creationId xmlns:a16="http://schemas.microsoft.com/office/drawing/2014/main" id="{28114D36-70E2-40D9-9C8C-944EA06ED535}"/>
-              </a:ext>
-            </a:extLst>
-          </p:cNvPr>
-          <p:cNvSpPr txBox="1"/>
-          <p:nvPr/>
-        </p:nvSpPr>
-        <p:spPr>
-          <a:xfrm>
-            <a:off x="12854603" y="8762682"/>
-            <a:ext cx="6295438" cy="830997"/>
-          </a:xfrm>
-          <a:prstGeom prst="rect">
-            <a:avLst/>
-          </a:prstGeom>
-          <a:noFill/>
-        </p:spPr>
-        <p:txBody>
-          <a:bodyPr wrap="square" rtlCol="0">
-            <a:spAutoFit/>
-          </a:bodyPr>
-          <a:lstStyle/>
-          <a:p>
-            <a:r>
-              <a:rPr lang="en-US" sz="4800" dirty="0"/>
-              <a:t>Polygon case…</a:t>
-            </a:r>
-          </a:p>
-        </p:txBody>
-      </p:sp>
-      <p:sp>
-        <p:nvSpPr>
-          <p:cNvPr id="124" name="ZoneTexte 123">
-            <a:extLst>
-              <a:ext uri="{FF2B5EF4-FFF2-40B4-BE49-F238E27FC236}">
-                <a16:creationId xmlns:a16="http://schemas.microsoft.com/office/drawing/2014/main" id="{5953B270-8EFD-4A95-AA78-C0D1344DDD75}"/>
-              </a:ext>
-            </a:extLst>
-          </p:cNvPr>
-          <p:cNvSpPr txBox="1"/>
-          <p:nvPr/>
-        </p:nvSpPr>
-        <p:spPr>
-          <a:xfrm>
-            <a:off x="12818039" y="14265968"/>
-            <a:ext cx="6295416" cy="830997"/>
-          </a:xfrm>
-          <a:prstGeom prst="rect">
-            <a:avLst/>
-          </a:prstGeom>
-          <a:noFill/>
-        </p:spPr>
-        <p:txBody>
-          <a:bodyPr wrap="square" rtlCol="0">
-            <a:spAutoFit/>
-          </a:bodyPr>
-          <a:lstStyle/>
-          <a:p>
-            <a:r>
-              <a:rPr lang="en-US" sz="4800" dirty="0"/>
-              <a:t>Regular curve case…</a:t>
-            </a:r>
-          </a:p>
-        </p:txBody>
-      </p:sp>
-      <p:sp>
-        <p:nvSpPr>
-          <p:cNvPr id="125" name="ZoneTexte 124">
-            <a:extLst>
-              <a:ext uri="{FF2B5EF4-FFF2-40B4-BE49-F238E27FC236}">
-                <a16:creationId xmlns:a16="http://schemas.microsoft.com/office/drawing/2014/main" id="{4C6D0CC3-3986-4857-9C37-8C26C9F9F3B9}"/>
-              </a:ext>
-            </a:extLst>
-          </p:cNvPr>
-          <p:cNvSpPr txBox="1"/>
-          <p:nvPr/>
-        </p:nvSpPr>
-        <p:spPr>
-          <a:xfrm>
-            <a:off x="10865433" y="18431489"/>
-            <a:ext cx="8248021" cy="1446550"/>
-          </a:xfrm>
-          <a:prstGeom prst="rect">
-            <a:avLst/>
-          </a:prstGeom>
-          <a:noFill/>
-        </p:spPr>
-        <p:txBody>
-          <a:bodyPr wrap="square" rtlCol="0">
-            <a:spAutoFit/>
-          </a:bodyPr>
-          <a:lstStyle/>
-          <a:p>
-            <a:pPr algn="ctr"/>
-            <a:r>
-              <a:rPr lang="en-US" sz="4400" dirty="0"/>
-              <a:t>We finally proved the statement for any regular curve</a:t>
+              <a:rPr lang="en-US" sz="2800" i="1" dirty="0">
+                <a:solidFill>
+                  <a:schemeClr val="accent6">
+                    <a:lumMod val="75000"/>
+                  </a:schemeClr>
+                </a:solidFill>
+              </a:rPr>
+              <a:t>One may prove that the integral in the formula remains unchanged after applying a rigid motion to our curve</a:t>
             </a:r>
           </a:p>
         </p:txBody>
@@ -4456,8 +3952,8 @@
         </p:nvSpPr>
         <p:spPr>
           <a:xfrm>
-            <a:off x="20401513" y="2740821"/>
-            <a:ext cx="6585074" cy="830997"/>
+            <a:off x="20231408" y="3348000"/>
+            <a:ext cx="6585074" cy="923330"/>
           </a:xfrm>
           <a:prstGeom prst="rect">
             <a:avLst/>
@@ -4470,10 +3966,9 @@
           </a:bodyPr>
           <a:lstStyle/>
           <a:p>
-            <a:pPr algn="ctr"/>
-            <a:r>
-              <a:rPr lang="en-US" sz="4800" b="1" dirty="0"/>
-              <a:t>Check for circle:</a:t>
+            <a:r>
+              <a:rPr lang="en-US" sz="5400" b="1" dirty="0"/>
+              <a:t>Check for a circle:</a:t>
             </a:r>
           </a:p>
         </p:txBody>
@@ -4492,8 +3987,8 @@
         </p:nvSpPr>
         <p:spPr>
           <a:xfrm>
-            <a:off x="26986601" y="11140203"/>
-            <a:ext cx="3364796" cy="1200329"/>
+            <a:off x="25686190" y="11836573"/>
+            <a:ext cx="4496946" cy="523220"/>
           </a:xfrm>
           <a:prstGeom prst="rect">
             <a:avLst/>
@@ -4507,7 +4002,7 @@
           <a:lstStyle/>
           <a:p>
             <a:r>
-              <a:rPr lang="en-US" sz="3600" dirty="0">
+              <a:rPr lang="en-US" sz="2800" dirty="0">
                 <a:solidFill>
                   <a:schemeClr val="bg1">
                     <a:lumMod val="50000"/>
@@ -4516,24 +4011,6 @@
               </a:rPr>
               <a:t>Did you expect this result? </a:t>
             </a:r>
-            <a:r>
-              <a:rPr lang="en-US" sz="3600" dirty="0">
-                <a:solidFill>
-                  <a:schemeClr val="bg1">
-                    <a:lumMod val="50000"/>
-                  </a:schemeClr>
-                </a:solidFill>
-                <a:sym typeface="Wingdings" panose="05000000000000000000" pitchFamily="2" charset="2"/>
-              </a:rPr>
-              <a:t></a:t>
-            </a:r>
-            <a:endParaRPr lang="en-US" sz="3600" dirty="0">
-              <a:solidFill>
-                <a:schemeClr val="bg1">
-                  <a:lumMod val="50000"/>
-                </a:schemeClr>
-              </a:solidFill>
-            </a:endParaRPr>
           </a:p>
         </p:txBody>
       </p:sp>
@@ -4551,8 +4028,8 @@
         </p:nvSpPr>
         <p:spPr>
           <a:xfrm>
-            <a:off x="25275368" y="16446744"/>
-            <a:ext cx="4649408" cy="3477875"/>
+            <a:off x="25255954" y="16888749"/>
+            <a:ext cx="4649408" cy="3539430"/>
           </a:xfrm>
           <a:prstGeom prst="rect">
             <a:avLst/>
@@ -4566,16 +4043,31 @@
           <a:lstStyle/>
           <a:p>
             <a:r>
-              <a:rPr lang="en-US" sz="4400" dirty="0"/>
-              <a:t>Try this formula in real life !</a:t>
-            </a:r>
-          </a:p>
-          <a:p>
-            <a:endParaRPr lang="en-US" sz="4400" dirty="0"/>
-          </a:p>
-          <a:p>
-            <a:r>
-              <a:rPr lang="en-US" sz="4000" dirty="0">
+              <a:rPr lang="en-US" sz="2800" dirty="0"/>
+              <a:t>Try this formula in real life: this app enables you to apply the formula to a picture.</a:t>
+            </a:r>
+          </a:p>
+          <a:p>
+            <a:endParaRPr lang="en-US" sz="2800" dirty="0"/>
+          </a:p>
+          <a:p>
+            <a:r>
+              <a:rPr lang="en-US" sz="2800" dirty="0"/>
+              <a:t>Scan the QR code</a:t>
+            </a:r>
+          </a:p>
+          <a:p>
+            <a:r>
+              <a:rPr lang="en-US" sz="2800" dirty="0"/>
+              <a:t>Or search “Cauchy Crofton”</a:t>
+            </a:r>
+          </a:p>
+          <a:p>
+            <a:endParaRPr lang="en-US" sz="2800" dirty="0"/>
+          </a:p>
+          <a:p>
+            <a:r>
+              <a:rPr lang="en-US" sz="2800" dirty="0">
                 <a:solidFill>
                   <a:schemeClr val="tx1">
                     <a:lumMod val="50000"/>
@@ -4583,7 +4075,7 @@
                   </a:schemeClr>
                 </a:solidFill>
               </a:rPr>
-              <a:t>- Only available on Play Store – (sorry)</a:t>
+              <a:t>(Only available on Play Store)</a:t>
             </a:r>
           </a:p>
         </p:txBody>
@@ -4603,7 +4095,7 @@
           <p:nvPr/>
         </p:nvPicPr>
         <p:blipFill>
-          <a:blip r:embed="rId6">
+          <a:blip r:embed="rId5">
             <a:extLst>
               <a:ext uri="{28A0092B-C50C-407E-A947-70E740481C1C}">
                 <a14:useLocalDpi xmlns:a14="http://schemas.microsoft.com/office/drawing/2010/main" val="0"/>
@@ -4616,12 +4108,15 @@
         </p:blipFill>
         <p:spPr>
           <a:xfrm>
-            <a:off x="7212884" y="2887145"/>
+            <a:off x="7212884" y="13642364"/>
             <a:ext cx="2794000" cy="3213100"/>
           </a:xfrm>
           <a:prstGeom prst="rect">
             <a:avLst/>
           </a:prstGeom>
+          <a:effectLst>
+            <a:softEdge rad="127000"/>
+          </a:effectLst>
         </p:spPr>
       </p:pic>
       <p:cxnSp>
@@ -4635,14 +4130,13 @@
           </p:cNvPr>
           <p:cNvCxnSpPr>
             <a:cxnSpLocks/>
-            <a:stCxn id="121" idx="3"/>
           </p:cNvCxnSpPr>
           <p:nvPr/>
         </p:nvCxnSpPr>
         <p:spPr>
-          <a:xfrm flipV="1">
-            <a:off x="10079993" y="2880000"/>
-            <a:ext cx="7" cy="16795954"/>
+          <a:xfrm flipH="1" flipV="1">
+            <a:off x="10080000" y="2448000"/>
+            <a:ext cx="0" cy="18180000"/>
           </a:xfrm>
           <a:prstGeom prst="line">
             <a:avLst/>
@@ -4680,8 +4174,8 @@
         </p:nvCxnSpPr>
         <p:spPr>
           <a:xfrm>
-            <a:off x="20160288" y="2880000"/>
-            <a:ext cx="0" cy="17283099"/>
+            <a:off x="20160288" y="2448000"/>
+            <a:ext cx="0" cy="18180000"/>
           </a:xfrm>
           <a:prstGeom prst="line">
             <a:avLst/>
@@ -4718,7 +4212,7 @@
           <p:nvPr/>
         </p:nvPicPr>
         <p:blipFill>
-          <a:blip r:embed="rId7">
+          <a:blip r:embed="rId6">
             <a:extLst>
               <a:ext uri="{28A0092B-C50C-407E-A947-70E740481C1C}">
                 <a14:useLocalDpi xmlns:a14="http://schemas.microsoft.com/office/drawing/2010/main" val="0"/>
@@ -4731,7 +4225,7 @@
         </p:blipFill>
         <p:spPr>
           <a:xfrm>
-            <a:off x="20388324" y="16261261"/>
+            <a:off x="20388324" y="16676551"/>
             <a:ext cx="2425811" cy="4001013"/>
           </a:xfrm>
           <a:prstGeom prst="rect">
@@ -4754,7 +4248,7 @@
           <p:nvPr/>
         </p:nvPicPr>
         <p:blipFill>
-          <a:blip r:embed="rId8">
+          <a:blip r:embed="rId7">
             <a:extLst>
               <a:ext uri="{28A0092B-C50C-407E-A947-70E740481C1C}">
                 <a14:useLocalDpi xmlns:a14="http://schemas.microsoft.com/office/drawing/2010/main" val="0"/>
@@ -4767,7 +4261,7 @@
         </p:blipFill>
         <p:spPr>
           <a:xfrm>
-            <a:off x="22942104" y="16428279"/>
+            <a:off x="22942104" y="16843569"/>
             <a:ext cx="2015406" cy="3572777"/>
           </a:xfrm>
           <a:prstGeom prst="roundRect">
@@ -4800,7 +4294,7 @@
         </p:nvSpPr>
         <p:spPr>
           <a:xfrm>
-            <a:off x="22929382" y="16423112"/>
+            <a:off x="22929382" y="16838402"/>
             <a:ext cx="2052900" cy="3640125"/>
           </a:xfrm>
           <a:prstGeom prst="roundRect">
@@ -4854,8 +4348,8 @@
         </p:nvSpPr>
         <p:spPr>
           <a:xfrm>
-            <a:off x="39356" y="20736911"/>
-            <a:ext cx="30240288" cy="830997"/>
+            <a:off x="65115" y="20787295"/>
+            <a:ext cx="30240288" cy="461665"/>
           </a:xfrm>
           <a:prstGeom prst="rect">
             <a:avLst/>
@@ -4869,443 +4363,347 @@
           <a:p>
             <a:pPr algn="ctr"/>
             <a:r>
-              <a:rPr lang="en-US" sz="2400" dirty="0">
+              <a:rPr lang="en-GB" sz="2400" dirty="0">
                 <a:solidFill>
                   <a:schemeClr val="bg1"/>
                 </a:solidFill>
               </a:rPr>
-              <a:t>This poster summarizes a second-year project undertaken in June 2018 ; By Aadil Khan, Caroline Bouat, Chris Bishop and Paul Dubois</a:t>
-            </a:r>
-          </a:p>
-          <a:p>
-            <a:pPr algn="ctr"/>
-            <a:endParaRPr lang="en-US" sz="2400" dirty="0">
-              <a:solidFill>
-                <a:schemeClr val="bg1"/>
-              </a:solidFill>
-            </a:endParaRPr>
+              <a:t>This poster summarises a second-year project undertaken in June 2018.  Reference: M. do </a:t>
+            </a:r>
+            <a:r>
+              <a:rPr lang="en-GB" sz="2400" dirty="0" err="1">
+                <a:solidFill>
+                  <a:schemeClr val="bg1"/>
+                </a:solidFill>
+              </a:rPr>
+              <a:t>Carmo</a:t>
+            </a:r>
+            <a:r>
+              <a:rPr lang="en-GB" sz="2400" dirty="0">
+                <a:solidFill>
+                  <a:schemeClr val="bg1"/>
+                </a:solidFill>
+              </a:rPr>
+              <a:t>, Differential Geometry of Curves and Surfaces</a:t>
+            </a:r>
           </a:p>
         </p:txBody>
       </p:sp>
-      <p:grpSp>
-        <p:nvGrpSpPr>
-          <p:cNvPr id="53" name="Groupe 52">
-            <a:extLst>
-              <a:ext uri="{FF2B5EF4-FFF2-40B4-BE49-F238E27FC236}">
-                <a16:creationId xmlns:a16="http://schemas.microsoft.com/office/drawing/2014/main" id="{5885B5D4-1503-4E30-A7AB-F1C3D3C52ED1}"/>
-              </a:ext>
-            </a:extLst>
-          </p:cNvPr>
-          <p:cNvGrpSpPr/>
-          <p:nvPr/>
-        </p:nvGrpSpPr>
-        <p:grpSpPr>
-          <a:xfrm>
-            <a:off x="24997313" y="3697974"/>
-            <a:ext cx="5354041" cy="1412210"/>
-            <a:chOff x="24997313" y="3408414"/>
-            <a:chExt cx="5354041" cy="1412210"/>
-          </a:xfrm>
-        </p:grpSpPr>
-        <mc:AlternateContent xmlns:mc="http://schemas.openxmlformats.org/markup-compatibility/2006">
-          <mc:Choice xmlns:a14="http://schemas.microsoft.com/office/drawing/2010/main" Requires="a14">
-            <p:sp>
-              <p:nvSpPr>
-                <p:cNvPr id="3" name="ZoneTexte 2">
-                  <a:extLst>
-                    <a:ext uri="{FF2B5EF4-FFF2-40B4-BE49-F238E27FC236}">
-                      <a16:creationId xmlns:a16="http://schemas.microsoft.com/office/drawing/2014/main" id="{D30DD2F3-6877-4C71-8DDA-C4147CB3EFA4}"/>
-                    </a:ext>
-                  </a:extLst>
-                </p:cNvPr>
-                <p:cNvSpPr txBox="1"/>
-                <p:nvPr/>
-              </p:nvSpPr>
-              <p:spPr>
-                <a:xfrm>
-                  <a:off x="24997313" y="3408414"/>
-                  <a:ext cx="3978577" cy="646331"/>
-                </a:xfrm>
-                <a:prstGeom prst="rect">
-                  <a:avLst/>
-                </a:prstGeom>
-                <a:noFill/>
-              </p:spPr>
-              <p:txBody>
-                <a:bodyPr wrap="square" rtlCol="0">
-                  <a:spAutoFit/>
-                </a:bodyPr>
-                <a:lstStyle/>
-                <a:p>
-                  <a14:m>
-                    <m:oMathPara xmlns:m="http://schemas.openxmlformats.org/officeDocument/2006/math">
-                      <m:oMathParaPr>
-                        <m:jc m:val="centerGroup"/>
-                      </m:oMathParaPr>
-                      <m:oMath xmlns:m="http://schemas.openxmlformats.org/officeDocument/2006/math">
-                        <m:r>
-                          <a:rPr lang="fr-FR" sz="3600" b="0" i="1" smtClean="0">
-                            <a:solidFill>
-                              <a:schemeClr val="tx1">
-                                <a:lumMod val="95000"/>
-                                <a:lumOff val="5000"/>
-                              </a:schemeClr>
-                            </a:solidFill>
-                            <a:latin typeface="Cambria Math" panose="02040503050406030204" pitchFamily="18" charset="0"/>
-                          </a:rPr>
-                          <m:t>𝑆</m:t>
-                        </m:r>
-                        <m:r>
-                          <a:rPr lang="fr-FR" sz="3600" b="0" i="1" smtClean="0">
-                            <a:solidFill>
-                              <a:schemeClr val="tx1">
-                                <a:lumMod val="95000"/>
-                                <a:lumOff val="5000"/>
-                              </a:schemeClr>
-                            </a:solidFill>
-                            <a:latin typeface="Cambria Math" panose="02040503050406030204" pitchFamily="18" charset="0"/>
-                          </a:rPr>
-                          <m:t>=</m:t>
-                        </m:r>
-                        <m:d>
-                          <m:dPr>
-                            <m:begChr m:val="{"/>
-                            <m:endChr m:val="|"/>
-                            <m:ctrlPr>
-                              <a:rPr lang="fr-FR" sz="3600" b="0" i="1" smtClean="0">
-                                <a:solidFill>
-                                  <a:schemeClr val="tx1">
-                                    <a:lumMod val="95000"/>
-                                    <a:lumOff val="5000"/>
-                                  </a:schemeClr>
-                                </a:solidFill>
-                                <a:latin typeface="Cambria Math" panose="02040503050406030204" pitchFamily="18" charset="0"/>
-                              </a:rPr>
-                            </m:ctrlPr>
-                          </m:dPr>
-                          <m:e>
-                            <m:d>
-                              <m:dPr>
-                                <m:ctrlPr>
-                                  <a:rPr lang="fr-FR" sz="3600" b="0" i="1" smtClean="0">
-                                    <a:solidFill>
-                                      <a:schemeClr val="tx1">
-                                        <a:lumMod val="95000"/>
-                                        <a:lumOff val="5000"/>
-                                      </a:schemeClr>
-                                    </a:solidFill>
-                                    <a:latin typeface="Cambria Math" panose="02040503050406030204" pitchFamily="18" charset="0"/>
-                                  </a:rPr>
-                                </m:ctrlPr>
-                              </m:dPr>
-                              <m:e>
-                                <m:r>
-                                  <a:rPr lang="fr-FR" sz="3600" b="0" i="1" smtClean="0">
-                                    <a:solidFill>
-                                      <a:schemeClr val="tx1">
-                                        <a:lumMod val="95000"/>
-                                        <a:lumOff val="5000"/>
-                                      </a:schemeClr>
-                                    </a:solidFill>
-                                    <a:latin typeface="Cambria Math" panose="02040503050406030204" pitchFamily="18" charset="0"/>
-                                  </a:rPr>
-                                  <m:t>𝜌</m:t>
-                                </m:r>
-                                <m:r>
-                                  <a:rPr lang="fr-FR" sz="3600" b="0" i="1" smtClean="0">
-                                    <a:solidFill>
-                                      <a:schemeClr val="tx1">
-                                        <a:lumMod val="95000"/>
-                                        <a:lumOff val="5000"/>
-                                      </a:schemeClr>
-                                    </a:solidFill>
-                                    <a:latin typeface="Cambria Math" panose="02040503050406030204" pitchFamily="18" charset="0"/>
-                                  </a:rPr>
-                                  <m:t>, </m:t>
-                                </m:r>
-                                <m:r>
-                                  <a:rPr lang="fr-FR" sz="3600" b="0" i="1" smtClean="0">
-                                    <a:solidFill>
-                                      <a:schemeClr val="tx1">
-                                        <a:lumMod val="95000"/>
-                                        <a:lumOff val="5000"/>
-                                      </a:schemeClr>
-                                    </a:solidFill>
-                                    <a:latin typeface="Cambria Math" panose="02040503050406030204" pitchFamily="18" charset="0"/>
-                                  </a:rPr>
-                                  <m:t>𝜃</m:t>
-                                </m:r>
-                              </m:e>
-                            </m:d>
-                            <m:r>
-                              <a:rPr lang="fr-FR" sz="3600" b="0" i="1" smtClean="0">
-                                <a:solidFill>
-                                  <a:schemeClr val="tx1">
-                                    <a:lumMod val="95000"/>
-                                    <a:lumOff val="5000"/>
-                                  </a:schemeClr>
-                                </a:solidFill>
-                                <a:latin typeface="Cambria Math" panose="02040503050406030204" pitchFamily="18" charset="0"/>
-                              </a:rPr>
-                              <m:t> </m:t>
-                            </m:r>
-                          </m:e>
-                        </m:d>
-                        <m:r>
-                          <a:rPr lang="fr-FR" sz="3600" b="0" i="1" smtClean="0">
-                            <a:solidFill>
-                              <a:schemeClr val="tx1">
-                                <a:lumMod val="95000"/>
-                                <a:lumOff val="5000"/>
-                              </a:schemeClr>
-                            </a:solidFill>
-                            <a:latin typeface="Cambria Math" panose="02040503050406030204" pitchFamily="18" charset="0"/>
-                          </a:rPr>
-                          <m:t> </m:t>
-                        </m:r>
-                        <m:r>
-                          <a:rPr lang="fr-FR" sz="3600" b="0" i="1" smtClean="0">
-                            <a:solidFill>
-                              <a:schemeClr val="tx1">
-                                <a:lumMod val="95000"/>
-                                <a:lumOff val="5000"/>
-                              </a:schemeClr>
-                            </a:solidFill>
-                            <a:latin typeface="Cambria Math" panose="02040503050406030204" pitchFamily="18" charset="0"/>
-                          </a:rPr>
-                          <m:t>𝜌</m:t>
-                        </m:r>
-                        <m:r>
-                          <a:rPr lang="fr-FR" sz="3600" b="0" i="1" smtClean="0">
-                            <a:solidFill>
-                              <a:schemeClr val="tx1">
-                                <a:lumMod val="95000"/>
-                                <a:lumOff val="5000"/>
-                              </a:schemeClr>
-                            </a:solidFill>
-                            <a:latin typeface="Cambria Math" panose="02040503050406030204" pitchFamily="18" charset="0"/>
-                          </a:rPr>
-                          <m:t>≤</m:t>
-                        </m:r>
-                        <m:r>
-                          <a:rPr lang="fr-FR" sz="3600" b="0" i="1" smtClean="0">
-                            <a:solidFill>
-                              <a:schemeClr val="tx1">
-                                <a:lumMod val="95000"/>
-                                <a:lumOff val="5000"/>
-                              </a:schemeClr>
-                            </a:solidFill>
-                            <a:latin typeface="Cambria Math" panose="02040503050406030204" pitchFamily="18" charset="0"/>
-                          </a:rPr>
-                          <m:t>𝑟</m:t>
-                        </m:r>
-                      </m:oMath>
-                    </m:oMathPara>
-                  </a14:m>
-                  <a:endParaRPr lang="fr-FR" sz="3600" dirty="0">
-                    <a:solidFill>
-                      <a:schemeClr val="tx1">
-                        <a:lumMod val="95000"/>
-                        <a:lumOff val="5000"/>
-                      </a:schemeClr>
-                    </a:solidFill>
-                  </a:endParaRPr>
-                </a:p>
-              </p:txBody>
-            </p:sp>
-          </mc:Choice>
-          <mc:Fallback>
-            <p:sp>
-              <p:nvSpPr>
-                <p:cNvPr id="3" name="ZoneTexte 2">
-                  <a:extLst>
-                    <a:ext uri="{FF2B5EF4-FFF2-40B4-BE49-F238E27FC236}">
-                      <a16:creationId xmlns:a16="http://schemas.microsoft.com/office/drawing/2014/main" id="{D30DD2F3-6877-4C71-8DDA-C4147CB3EFA4}"/>
-                    </a:ext>
-                  </a:extLst>
-                </p:cNvPr>
-                <p:cNvSpPr txBox="1">
-                  <a:spLocks noRot="1" noChangeAspect="1" noMove="1" noResize="1" noEditPoints="1" noAdjustHandles="1" noChangeArrowheads="1" noChangeShapeType="1" noTextEdit="1"/>
-                </p:cNvSpPr>
-                <p:nvPr/>
-              </p:nvSpPr>
-              <p:spPr>
-                <a:xfrm>
-                  <a:off x="24997313" y="3408414"/>
-                  <a:ext cx="3978577" cy="646331"/>
-                </a:xfrm>
-                <a:prstGeom prst="rect">
-                  <a:avLst/>
-                </a:prstGeom>
-                <a:blipFill>
-                  <a:blip r:embed="rId9"/>
-                  <a:stretch>
-                    <a:fillRect/>
-                  </a:stretch>
-                </a:blipFill>
-              </p:spPr>
-              <p:txBody>
-                <a:bodyPr/>
-                <a:lstStyle/>
-                <a:p>
-                  <a:r>
-                    <a:rPr lang="fr-FR">
-                      <a:noFill/>
-                    </a:rPr>
-                    <a:t> </a:t>
-                  </a:r>
-                </a:p>
-              </p:txBody>
-            </p:sp>
-          </mc:Fallback>
-        </mc:AlternateContent>
-        <mc:AlternateContent xmlns:mc="http://schemas.openxmlformats.org/markup-compatibility/2006">
-          <mc:Choice xmlns:a14="http://schemas.microsoft.com/office/drawing/2010/main" Requires="a14">
-            <p:sp>
-              <p:nvSpPr>
-                <p:cNvPr id="4" name="ZoneTexte 3">
-                  <a:extLst>
-                    <a:ext uri="{FF2B5EF4-FFF2-40B4-BE49-F238E27FC236}">
-                      <a16:creationId xmlns:a16="http://schemas.microsoft.com/office/drawing/2014/main" id="{CC5D10A6-AFB1-42CB-A483-56BC002BE4D8}"/>
-                    </a:ext>
-                  </a:extLst>
-                </p:cNvPr>
-                <p:cNvSpPr txBox="1"/>
-                <p:nvPr/>
-              </p:nvSpPr>
-              <p:spPr>
-                <a:xfrm>
-                  <a:off x="27271015" y="4174293"/>
-                  <a:ext cx="3080339" cy="646331"/>
-                </a:xfrm>
-                <a:prstGeom prst="rect">
-                  <a:avLst/>
-                </a:prstGeom>
-                <a:noFill/>
-              </p:spPr>
-              <p:txBody>
-                <a:bodyPr wrap="square" rtlCol="0">
-                  <a:spAutoFit/>
-                </a:bodyPr>
-                <a:lstStyle/>
-                <a:p>
-                  <a14:m>
-                    <m:oMathPara xmlns:m="http://schemas.openxmlformats.org/officeDocument/2006/math">
-                      <m:oMathParaPr>
-                        <m:jc m:val="centerGroup"/>
-                      </m:oMathParaPr>
-                      <m:oMath xmlns:m="http://schemas.openxmlformats.org/officeDocument/2006/math">
-                        <m:r>
-                          <a:rPr lang="fr-FR" sz="3600" i="1" smtClean="0">
-                            <a:solidFill>
-                              <a:schemeClr val="tx1">
-                                <a:lumMod val="95000"/>
-                                <a:lumOff val="5000"/>
-                              </a:schemeClr>
-                            </a:solidFill>
-                            <a:latin typeface="Cambria Math" panose="02040503050406030204" pitchFamily="18" charset="0"/>
-                          </a:rPr>
-                          <m:t>𝜃</m:t>
-                        </m:r>
-                        <m:r>
-                          <a:rPr lang="fr-FR" sz="3600" i="1" smtClean="0">
-                            <a:solidFill>
-                              <a:schemeClr val="tx1">
-                                <a:lumMod val="95000"/>
-                                <a:lumOff val="5000"/>
-                              </a:schemeClr>
-                            </a:solidFill>
-                            <a:latin typeface="Cambria Math" panose="02040503050406030204" pitchFamily="18" charset="0"/>
-                          </a:rPr>
-                          <m:t>∈(0, 2</m:t>
-                        </m:r>
-                        <m:r>
-                          <a:rPr lang="fr-FR" sz="3600" i="1" smtClean="0">
-                            <a:solidFill>
-                              <a:schemeClr val="tx1">
-                                <a:lumMod val="95000"/>
-                                <a:lumOff val="5000"/>
-                              </a:schemeClr>
-                            </a:solidFill>
-                            <a:latin typeface="Cambria Math" panose="02040503050406030204" pitchFamily="18" charset="0"/>
-                          </a:rPr>
-                          <m:t>𝜋</m:t>
-                        </m:r>
-                        <m:r>
-                          <a:rPr lang="fr-FR" sz="3600" i="1" smtClean="0">
-                            <a:solidFill>
-                              <a:schemeClr val="tx1">
-                                <a:lumMod val="95000"/>
-                                <a:lumOff val="5000"/>
-                              </a:schemeClr>
-                            </a:solidFill>
-                            <a:latin typeface="Cambria Math" panose="02040503050406030204" pitchFamily="18" charset="0"/>
-                          </a:rPr>
-                          <m:t>)}</m:t>
-                        </m:r>
-                      </m:oMath>
-                    </m:oMathPara>
-                  </a14:m>
-                  <a:endParaRPr lang="fr-FR" sz="3600" dirty="0">
-                    <a:solidFill>
-                      <a:schemeClr val="tx1">
-                        <a:lumMod val="95000"/>
-                        <a:lumOff val="5000"/>
-                      </a:schemeClr>
-                    </a:solidFill>
-                  </a:endParaRPr>
-                </a:p>
-              </p:txBody>
-            </p:sp>
-          </mc:Choice>
-          <mc:Fallback>
-            <p:sp>
-              <p:nvSpPr>
-                <p:cNvPr id="4" name="ZoneTexte 3">
-                  <a:extLst>
-                    <a:ext uri="{FF2B5EF4-FFF2-40B4-BE49-F238E27FC236}">
-                      <a16:creationId xmlns:a16="http://schemas.microsoft.com/office/drawing/2014/main" id="{CC5D10A6-AFB1-42CB-A483-56BC002BE4D8}"/>
-                    </a:ext>
-                  </a:extLst>
-                </p:cNvPr>
-                <p:cNvSpPr txBox="1">
-                  <a:spLocks noRot="1" noChangeAspect="1" noMove="1" noResize="1" noEditPoints="1" noAdjustHandles="1" noChangeArrowheads="1" noChangeShapeType="1" noTextEdit="1"/>
-                </p:cNvSpPr>
-                <p:nvPr/>
-              </p:nvSpPr>
-              <p:spPr>
-                <a:xfrm>
-                  <a:off x="27271015" y="4174293"/>
-                  <a:ext cx="3080339" cy="646331"/>
-                </a:xfrm>
-                <a:prstGeom prst="rect">
-                  <a:avLst/>
-                </a:prstGeom>
-                <a:blipFill>
-                  <a:blip r:embed="rId10"/>
-                  <a:stretch>
-                    <a:fillRect/>
-                  </a:stretch>
-                </a:blipFill>
-              </p:spPr>
-              <p:txBody>
-                <a:bodyPr/>
-                <a:lstStyle/>
-                <a:p>
-                  <a:r>
-                    <a:rPr lang="fr-FR">
-                      <a:noFill/>
-                    </a:rPr>
-                    <a:t> </a:t>
-                  </a:r>
-                </a:p>
-              </p:txBody>
-            </p:sp>
-          </mc:Fallback>
-        </mc:AlternateContent>
-      </p:grpSp>
-      <mc:AlternateContent xmlns:mc="http://schemas.openxmlformats.org/markup-compatibility/2006">
-        <mc:Choice xmlns:a14="http://schemas.microsoft.com/office/drawing/2010/main" Requires="a14">
+      <mc:AlternateContent xmlns:mc="http://schemas.openxmlformats.org/markup-compatibility/2006" xmlns:a14="http://schemas.microsoft.com/office/drawing/2010/main">
+        <mc:Choice Requires="a14">
+          <p:sp>
+            <p:nvSpPr>
+              <p:cNvPr id="3" name="ZoneTexte 2">
+                <a:extLst>
+                  <a:ext uri="{FF2B5EF4-FFF2-40B4-BE49-F238E27FC236}">
+                    <a16:creationId xmlns:a16="http://schemas.microsoft.com/office/drawing/2014/main" id="{D30DD2F3-6877-4C71-8DDA-C4147CB3EFA4}"/>
+                  </a:ext>
+                </a:extLst>
+              </p:cNvPr>
+              <p:cNvSpPr txBox="1"/>
+              <p:nvPr/>
+            </p:nvSpPr>
+            <p:spPr>
+              <a:xfrm>
+                <a:off x="25761256" y="4337455"/>
+                <a:ext cx="4378915" cy="1187569"/>
+              </a:xfrm>
+              <a:prstGeom prst="rect">
+                <a:avLst/>
+              </a:prstGeom>
+              <a:noFill/>
+            </p:spPr>
+            <p:txBody>
+              <a:bodyPr wrap="square" rtlCol="0">
+                <a:spAutoFit/>
+              </a:bodyPr>
+              <a:lstStyle/>
+              <a:p>
+                <a:pPr/>
+                <a14:m>
+                  <m:oMathPara xmlns:m="http://schemas.openxmlformats.org/officeDocument/2006/math">
+                    <m:oMathParaPr>
+                      <m:jc m:val="centerGroup"/>
+                    </m:oMathParaPr>
+                    <m:oMath xmlns:m="http://schemas.openxmlformats.org/officeDocument/2006/math">
+                      <m:r>
+                        <a:rPr lang="fr-FR" sz="3600" b="0" i="1" smtClean="0">
+                          <a:solidFill>
+                            <a:schemeClr val="tx1">
+                              <a:lumMod val="95000"/>
+                              <a:lumOff val="5000"/>
+                            </a:schemeClr>
+                          </a:solidFill>
+                          <a:latin typeface="Cambria Math" panose="02040503050406030204" pitchFamily="18" charset="0"/>
+                        </a:rPr>
+                        <m:t>𝑆</m:t>
+                      </m:r>
+                      <m:r>
+                        <a:rPr lang="fr-FR" sz="3600" b="0" i="1" smtClean="0">
+                          <a:solidFill>
+                            <a:schemeClr val="tx1">
+                              <a:lumMod val="95000"/>
+                              <a:lumOff val="5000"/>
+                            </a:schemeClr>
+                          </a:solidFill>
+                          <a:latin typeface="Cambria Math" panose="02040503050406030204" pitchFamily="18" charset="0"/>
+                        </a:rPr>
+                        <m:t>=</m:t>
+                      </m:r>
+                      <m:d>
+                        <m:dPr>
+                          <m:begChr m:val="{"/>
+                          <m:endChr m:val="|"/>
+                          <m:ctrlPr>
+                            <a:rPr lang="fr-FR" sz="3600" b="0" i="1" smtClean="0">
+                              <a:solidFill>
+                                <a:schemeClr val="tx1">
+                                  <a:lumMod val="95000"/>
+                                  <a:lumOff val="5000"/>
+                                </a:schemeClr>
+                              </a:solidFill>
+                              <a:latin typeface="Cambria Math" panose="02040503050406030204" pitchFamily="18" charset="0"/>
+                            </a:rPr>
+                          </m:ctrlPr>
+                        </m:dPr>
+                        <m:e>
+                          <m:d>
+                            <m:dPr>
+                              <m:ctrlPr>
+                                <a:rPr lang="fr-FR" sz="3600" b="0" i="1" smtClean="0">
+                                  <a:solidFill>
+                                    <a:schemeClr val="tx1">
+                                      <a:lumMod val="95000"/>
+                                      <a:lumOff val="5000"/>
+                                    </a:schemeClr>
+                                  </a:solidFill>
+                                  <a:latin typeface="Cambria Math" panose="02040503050406030204" pitchFamily="18" charset="0"/>
+                                </a:rPr>
+                              </m:ctrlPr>
+                            </m:dPr>
+                            <m:e>
+                              <m:r>
+                                <a:rPr lang="fr-FR" sz="3600" b="0" i="1" smtClean="0">
+                                  <a:solidFill>
+                                    <a:schemeClr val="tx1">
+                                      <a:lumMod val="95000"/>
+                                      <a:lumOff val="5000"/>
+                                    </a:schemeClr>
+                                  </a:solidFill>
+                                  <a:latin typeface="Cambria Math" panose="02040503050406030204" pitchFamily="18" charset="0"/>
+                                </a:rPr>
+                                <m:t>𝜌</m:t>
+                              </m:r>
+                              <m:r>
+                                <a:rPr lang="fr-FR" sz="3600" b="0" i="1" smtClean="0">
+                                  <a:solidFill>
+                                    <a:schemeClr val="tx1">
+                                      <a:lumMod val="95000"/>
+                                      <a:lumOff val="5000"/>
+                                    </a:schemeClr>
+                                  </a:solidFill>
+                                  <a:latin typeface="Cambria Math" panose="02040503050406030204" pitchFamily="18" charset="0"/>
+                                </a:rPr>
+                                <m:t>, </m:t>
+                              </m:r>
+                              <m:r>
+                                <a:rPr lang="fr-FR" sz="3600" b="0" i="1" smtClean="0">
+                                  <a:solidFill>
+                                    <a:schemeClr val="tx1">
+                                      <a:lumMod val="95000"/>
+                                      <a:lumOff val="5000"/>
+                                    </a:schemeClr>
+                                  </a:solidFill>
+                                  <a:latin typeface="Cambria Math" panose="02040503050406030204" pitchFamily="18" charset="0"/>
+                                </a:rPr>
+                                <m:t>𝜃</m:t>
+                              </m:r>
+                            </m:e>
+                          </m:d>
+                          <m:r>
+                            <a:rPr lang="fr-FR" sz="3600" b="0" i="1" smtClean="0">
+                              <a:solidFill>
+                                <a:schemeClr val="tx1">
+                                  <a:lumMod val="95000"/>
+                                  <a:lumOff val="5000"/>
+                                </a:schemeClr>
+                              </a:solidFill>
+                              <a:latin typeface="Cambria Math" panose="02040503050406030204" pitchFamily="18" charset="0"/>
+                            </a:rPr>
+                            <m:t> </m:t>
+                          </m:r>
+                        </m:e>
+                      </m:d>
+                      <m:r>
+                        <a:rPr lang="fr-FR" sz="3600" b="0" i="1" smtClean="0">
+                          <a:solidFill>
+                            <a:schemeClr val="tx1">
+                              <a:lumMod val="95000"/>
+                              <a:lumOff val="5000"/>
+                            </a:schemeClr>
+                          </a:solidFill>
+                          <a:latin typeface="Cambria Math" panose="02040503050406030204" pitchFamily="18" charset="0"/>
+                        </a:rPr>
+                        <m:t> </m:t>
+                      </m:r>
+                      <m:r>
+                        <a:rPr lang="fr-FR" sz="3600" b="0" i="1" smtClean="0">
+                          <a:solidFill>
+                            <a:schemeClr val="tx1">
+                              <a:lumMod val="95000"/>
+                              <a:lumOff val="5000"/>
+                            </a:schemeClr>
+                          </a:solidFill>
+                          <a:latin typeface="Cambria Math" panose="02040503050406030204" pitchFamily="18" charset="0"/>
+                        </a:rPr>
+                        <m:t>𝜌</m:t>
+                      </m:r>
+                      <m:r>
+                        <a:rPr lang="fr-FR" sz="3600" b="0" i="1" smtClean="0">
+                          <a:solidFill>
+                            <a:schemeClr val="tx1">
+                              <a:lumMod val="95000"/>
+                              <a:lumOff val="5000"/>
+                            </a:schemeClr>
+                          </a:solidFill>
+                          <a:latin typeface="Cambria Math" panose="02040503050406030204" pitchFamily="18" charset="0"/>
+                        </a:rPr>
+                        <m:t>≤</m:t>
+                      </m:r>
+                      <m:r>
+                        <a:rPr lang="fr-FR" sz="3600" b="0" i="1" smtClean="0">
+                          <a:solidFill>
+                            <a:schemeClr val="tx1">
+                              <a:lumMod val="95000"/>
+                              <a:lumOff val="5000"/>
+                            </a:schemeClr>
+                          </a:solidFill>
+                          <a:latin typeface="Cambria Math" panose="02040503050406030204" pitchFamily="18" charset="0"/>
+                        </a:rPr>
+                        <m:t>𝑟</m:t>
+                      </m:r>
+                      <m:r>
+                        <a:rPr lang="fr-FR" sz="3600" b="0" i="1" smtClean="0">
+                          <a:solidFill>
+                            <a:schemeClr val="tx1">
+                              <a:lumMod val="95000"/>
+                              <a:lumOff val="5000"/>
+                            </a:schemeClr>
+                          </a:solidFill>
+                          <a:latin typeface="Cambria Math" panose="02040503050406030204" pitchFamily="18" charset="0"/>
+                        </a:rPr>
+                        <m:t>,                    </m:t>
+                      </m:r>
+                      <m:r>
+                        <a:rPr lang="fr-FR" sz="3600" i="1">
+                          <a:solidFill>
+                            <a:schemeClr val="tx1">
+                              <a:lumMod val="95000"/>
+                              <a:lumOff val="5000"/>
+                            </a:schemeClr>
+                          </a:solidFill>
+                          <a:latin typeface="Cambria Math" panose="02040503050406030204" pitchFamily="18" charset="0"/>
+                        </a:rPr>
+                        <m:t>𝜃</m:t>
+                      </m:r>
+                      <m:r>
+                        <a:rPr lang="fr-FR" sz="3600" i="1">
+                          <a:solidFill>
+                            <a:schemeClr val="tx1">
+                              <a:lumMod val="95000"/>
+                              <a:lumOff val="5000"/>
+                            </a:schemeClr>
+                          </a:solidFill>
+                          <a:latin typeface="Cambria Math" panose="02040503050406030204" pitchFamily="18" charset="0"/>
+                        </a:rPr>
+                        <m:t>∈(0, 2</m:t>
+                      </m:r>
+                      <m:r>
+                        <a:rPr lang="fr-FR" sz="3600" i="1">
+                          <a:solidFill>
+                            <a:schemeClr val="tx1">
+                              <a:lumMod val="95000"/>
+                              <a:lumOff val="5000"/>
+                            </a:schemeClr>
+                          </a:solidFill>
+                          <a:latin typeface="Cambria Math" panose="02040503050406030204" pitchFamily="18" charset="0"/>
+                        </a:rPr>
+                        <m:t>𝜋</m:t>
+                      </m:r>
+                      <m:r>
+                        <a:rPr lang="fr-FR" sz="3600" i="1">
+                          <a:solidFill>
+                            <a:schemeClr val="tx1">
+                              <a:lumMod val="95000"/>
+                              <a:lumOff val="5000"/>
+                            </a:schemeClr>
+                          </a:solidFill>
+                          <a:latin typeface="Cambria Math" panose="02040503050406030204" pitchFamily="18" charset="0"/>
+                        </a:rPr>
+                        <m:t>)}</m:t>
+                      </m:r>
+                    </m:oMath>
+                  </m:oMathPara>
+                </a14:m>
+                <a:endParaRPr lang="fr-FR" sz="3600" dirty="0">
+                  <a:solidFill>
+                    <a:schemeClr val="tx1">
+                      <a:lumMod val="95000"/>
+                      <a:lumOff val="5000"/>
+                    </a:schemeClr>
+                  </a:solidFill>
+                </a:endParaRPr>
+              </a:p>
+            </p:txBody>
+          </p:sp>
+        </mc:Choice>
+        <mc:Fallback xmlns="">
+          <p:sp>
+            <p:nvSpPr>
+              <p:cNvPr id="3" name="ZoneTexte 2">
+                <a:extLst>
+                  <a:ext uri="{FF2B5EF4-FFF2-40B4-BE49-F238E27FC236}">
+                    <a16:creationId xmlns:a16="http://schemas.microsoft.com/office/drawing/2014/main" id="{D30DD2F3-6877-4C71-8DDA-C4147CB3EFA4}"/>
+                  </a:ext>
+                </a:extLst>
+              </p:cNvPr>
+              <p:cNvSpPr txBox="1">
+                <a:spLocks noRot="1" noChangeAspect="1" noMove="1" noResize="1" noEditPoints="1" noAdjustHandles="1" noChangeArrowheads="1" noChangeShapeType="1" noTextEdit="1"/>
+              </p:cNvSpPr>
+              <p:nvPr/>
+            </p:nvSpPr>
+            <p:spPr>
+              <a:xfrm>
+                <a:off x="25761256" y="4337455"/>
+                <a:ext cx="4378915" cy="1187569"/>
+              </a:xfrm>
+              <a:prstGeom prst="rect">
+                <a:avLst/>
+              </a:prstGeom>
+              <a:blipFill>
+                <a:blip r:embed="rId8"/>
+                <a:stretch>
+                  <a:fillRect/>
+                </a:stretch>
+              </a:blipFill>
+            </p:spPr>
+            <p:txBody>
+              <a:bodyPr/>
+              <a:lstStyle/>
+              <a:p>
+                <a:r>
+                  <a:rPr lang="fr-FR">
+                    <a:noFill/>
+                  </a:rPr>
+                  <a:t> </a:t>
+                </a:r>
+              </a:p>
+            </p:txBody>
+          </p:sp>
+        </mc:Fallback>
+      </mc:AlternateContent>
+      <mc:AlternateContent xmlns:mc="http://schemas.openxmlformats.org/markup-compatibility/2006" xmlns:a14="http://schemas.microsoft.com/office/drawing/2010/main">
+        <mc:Choice Requires="a14">
           <p:sp>
             <p:nvSpPr>
               <p:cNvPr id="45" name="ZoneTexte 44">
@@ -5320,7 +4718,7 @@
             </p:nvSpPr>
             <p:spPr>
               <a:xfrm>
-                <a:off x="20271180" y="9064191"/>
+                <a:off x="20271180" y="9740538"/>
                 <a:ext cx="9669000" cy="1854995"/>
               </a:xfrm>
               <a:prstGeom prst="rect">
@@ -5334,6 +4732,7 @@
               </a:bodyPr>
               <a:lstStyle/>
               <a:p>
+                <a:pPr/>
                 <a14:m>
                   <m:oMathPara xmlns:m="http://schemas.openxmlformats.org/officeDocument/2006/math">
                     <m:oMathParaPr>
@@ -5379,7 +4778,7 @@
                             <a:rPr lang="en-US" sz="4000" i="1">
                               <a:latin typeface="Cambria Math" panose="02040503050406030204" pitchFamily="18" charset="0"/>
                             </a:rPr>
-                            <m:t>, </m:t>
+                            <m:t> </m:t>
                           </m:r>
                           <m:r>
                             <a:rPr lang="en-US" sz="4000" i="1">
@@ -5527,7 +4926,7 @@
                         <a:rPr lang="fr-FR" sz="4000" b="0" i="1" smtClean="0">
                           <a:latin typeface="Cambria Math" panose="02040503050406030204" pitchFamily="18" charset="0"/>
                         </a:rPr>
-                        <m:t>∗2=2∗</m:t>
+                        <m:t>.2=2</m:t>
                       </m:r>
                     </m:oMath>
                   </m:oMathPara>
@@ -5539,7 +4938,7 @@
             </p:txBody>
           </p:sp>
         </mc:Choice>
-        <mc:Fallback>
+        <mc:Fallback xmlns="">
           <p:sp>
             <p:nvSpPr>
               <p:cNvPr id="45" name="ZoneTexte 44">
@@ -5556,14 +4955,14 @@
             </p:nvSpPr>
             <p:spPr>
               <a:xfrm>
-                <a:off x="20271180" y="9064191"/>
+                <a:off x="20271180" y="9740538"/>
                 <a:ext cx="9669000" cy="1854995"/>
               </a:xfrm>
               <a:prstGeom prst="rect">
                 <a:avLst/>
               </a:prstGeom>
               <a:blipFill>
-                <a:blip r:embed="rId11"/>
+                <a:blip r:embed="rId9"/>
                 <a:stretch>
                   <a:fillRect/>
                 </a:stretch>
@@ -5584,8 +4983,8 @@
           </p:sp>
         </mc:Fallback>
       </mc:AlternateContent>
-      <mc:AlternateContent xmlns:mc="http://schemas.openxmlformats.org/markup-compatibility/2006">
-        <mc:Choice xmlns:a14="http://schemas.microsoft.com/office/drawing/2010/main" Requires="a14">
+      <mc:AlternateContent xmlns:mc="http://schemas.openxmlformats.org/markup-compatibility/2006" xmlns:a14="http://schemas.microsoft.com/office/drawing/2010/main">
+        <mc:Choice Requires="a14">
           <p:sp>
             <p:nvSpPr>
               <p:cNvPr id="5" name="ZoneTexte 4">
@@ -5600,8 +4999,8 @@
             </p:nvSpPr>
             <p:spPr>
               <a:xfrm>
-                <a:off x="23189501" y="11157744"/>
-                <a:ext cx="2335896" cy="1107996"/>
+                <a:off x="23160855" y="11648713"/>
+                <a:ext cx="1773242" cy="830997"/>
               </a:xfrm>
               <a:prstGeom prst="rect">
                 <a:avLst/>
@@ -5615,49 +5014,49 @@
               <a:lstStyle/>
               <a:p>
                 <a:r>
-                  <a:rPr lang="en-US" sz="6600" b="1" dirty="0">
+                  <a:rPr lang="en-US" sz="4800" b="1" dirty="0">
                     <a:latin typeface="Brush Script MT" panose="03060802040406070304" pitchFamily="66" charset="0"/>
                   </a:rPr>
                   <a:t>l</a:t>
                 </a:r>
                 <a:r>
-                  <a:rPr lang="en-US" sz="5400" b="1" dirty="0">
+                  <a:rPr lang="en-US" sz="4000" b="1" dirty="0">
                     <a:latin typeface="Brush Script MT" panose="03060802040406070304" pitchFamily="66" charset="0"/>
                   </a:rPr>
                   <a:t> </a:t>
                 </a:r>
                 <a:r>
-                  <a:rPr lang="en-US" sz="5400" b="1" dirty="0"/>
+                  <a:rPr lang="en-US" sz="4000" b="1" dirty="0"/>
                   <a:t>= </a:t>
                 </a:r>
                 <a14:m>
                   <m:oMath xmlns:m="http://schemas.openxmlformats.org/officeDocument/2006/math">
                     <m:r>
-                      <a:rPr lang="fr-FR" sz="5400" b="1" i="1" smtClean="0">
+                      <a:rPr lang="fr-FR" sz="4000" b="1" i="1" smtClean="0">
                         <a:latin typeface="Cambria Math" panose="02040503050406030204" pitchFamily="18" charset="0"/>
                       </a:rPr>
                       <m:t>𝟐</m:t>
                     </m:r>
                     <m:r>
-                      <a:rPr lang="fr-FR" sz="5400" b="1" i="1" smtClean="0">
+                      <a:rPr lang="fr-FR" sz="4000" b="1" i="1" smtClean="0">
                         <a:latin typeface="Cambria Math" panose="02040503050406030204" pitchFamily="18" charset="0"/>
                       </a:rPr>
                       <m:t>𝝅</m:t>
                     </m:r>
                     <m:r>
-                      <a:rPr lang="fr-FR" sz="5400" b="1" i="1" smtClean="0">
+                      <a:rPr lang="fr-FR" sz="4000" b="1" i="1" smtClean="0">
                         <a:latin typeface="Cambria Math" panose="02040503050406030204" pitchFamily="18" charset="0"/>
                       </a:rPr>
                       <m:t>𝒓</m:t>
                     </m:r>
                   </m:oMath>
                 </a14:m>
-                <a:endParaRPr lang="fr-FR" sz="5400" b="1" dirty="0"/>
+                <a:endParaRPr lang="fr-FR" sz="4000" b="1" dirty="0"/>
               </a:p>
             </p:txBody>
           </p:sp>
         </mc:Choice>
-        <mc:Fallback>
+        <mc:Fallback xmlns="">
           <p:sp>
             <p:nvSpPr>
               <p:cNvPr id="5" name="ZoneTexte 4">
@@ -5674,16 +5073,16 @@
             </p:nvSpPr>
             <p:spPr>
               <a:xfrm>
-                <a:off x="23189501" y="11157744"/>
-                <a:ext cx="2335896" cy="1107996"/>
+                <a:off x="23160855" y="11648713"/>
+                <a:ext cx="1773242" cy="830997"/>
               </a:xfrm>
               <a:prstGeom prst="rect">
                 <a:avLst/>
               </a:prstGeom>
               <a:blipFill>
-                <a:blip r:embed="rId12"/>
+                <a:blip r:embed="rId10"/>
                 <a:stretch>
-                  <a:fillRect l="-17755" t="-18681" b="-41209"/>
+                  <a:fillRect l="-15464" t="-16912" b="-38235"/>
                 </a:stretch>
               </a:blipFill>
             </p:spPr>
@@ -5716,8 +5115,8 @@
         </p:nvSpPr>
         <p:spPr>
           <a:xfrm>
-            <a:off x="20380421" y="11392323"/>
-            <a:ext cx="1656223" cy="707886"/>
+            <a:off x="20359997" y="11851305"/>
+            <a:ext cx="2294731" cy="523220"/>
           </a:xfrm>
           <a:prstGeom prst="rect">
             <a:avLst/>
@@ -5731,11 +5130,11 @@
           <a:lstStyle/>
           <a:p>
             <a:r>
-              <a:rPr lang="en-US" sz="4000" dirty="0"/>
-              <a:t>Finally</a:t>
-            </a:r>
-            <a:r>
-              <a:rPr lang="fr-FR" sz="4000" dirty="0"/>
+              <a:rPr lang="en-US" sz="2800" dirty="0"/>
+              <a:t>Finally, obtain</a:t>
+            </a:r>
+            <a:r>
+              <a:rPr lang="fr-FR" sz="2800" dirty="0"/>
               <a:t>:</a:t>
             </a:r>
           </a:p>
@@ -5755,8 +5154,8 @@
         </p:nvGrpSpPr>
         <p:grpSpPr>
           <a:xfrm>
-            <a:off x="21744551" y="3153276"/>
-            <a:ext cx="5529182" cy="7163611"/>
+            <a:off x="22045083" y="3623942"/>
+            <a:ext cx="5717111" cy="7320450"/>
             <a:chOff x="21744551" y="2680836"/>
             <a:chExt cx="5529182" cy="7163611"/>
           </a:xfrm>
@@ -5834,7 +5233,7 @@
             </a:xfrm>
             <a:prstGeom prst="arc">
               <a:avLst>
-                <a:gd name="adj1" fmla="val 1701164"/>
+                <a:gd name="adj1" fmla="val 1361255"/>
                 <a:gd name="adj2" fmla="val 4287973"/>
               </a:avLst>
             </a:prstGeom>
@@ -5882,8 +5281,8 @@
         </p:nvSpPr>
         <p:spPr>
           <a:xfrm>
-            <a:off x="26558241" y="5709920"/>
-            <a:ext cx="3286760" cy="1754326"/>
+            <a:off x="26558241" y="6279328"/>
+            <a:ext cx="3286760" cy="1384995"/>
           </a:xfrm>
           <a:prstGeom prst="rect">
             <a:avLst/>
@@ -5897,7 +5296,7 @@
           <a:lstStyle/>
           <a:p>
             <a:r>
-              <a:rPr lang="en-US" sz="3600" dirty="0"/>
+              <a:rPr lang="en-US" sz="2800" dirty="0"/>
               <a:t>2 intersections, so count twice in the integral</a:t>
             </a:r>
           </a:p>
@@ -5905,10 +5304,10 @@
       </p:sp>
       <p:grpSp>
         <p:nvGrpSpPr>
-          <p:cNvPr id="69" name="Groupe 68">
+          <p:cNvPr id="241" name="Groupe 240">
             <a:extLst>
               <a:ext uri="{FF2B5EF4-FFF2-40B4-BE49-F238E27FC236}">
-                <a16:creationId xmlns:a16="http://schemas.microsoft.com/office/drawing/2014/main" id="{AD8F8700-2E25-4E17-8670-29DAD5F203D9}"/>
+                <a16:creationId xmlns:a16="http://schemas.microsoft.com/office/drawing/2014/main" id="{79629788-B612-4119-8C23-1FDA6E8320AA}"/>
               </a:ext>
             </a:extLst>
           </p:cNvPr>
@@ -5917,10 +5316,10 @@
         </p:nvGrpSpPr>
         <p:grpSpPr>
           <a:xfrm>
-            <a:off x="20273999" y="3672700"/>
-            <a:ext cx="5394958" cy="5304803"/>
-            <a:chOff x="20273999" y="3200260"/>
-            <a:chExt cx="5394958" cy="5304803"/>
+            <a:off x="20273999" y="4324003"/>
+            <a:ext cx="5394958" cy="5051338"/>
+            <a:chOff x="20273999" y="4019203"/>
+            <a:chExt cx="5394958" cy="5051338"/>
           </a:xfrm>
         </p:grpSpPr>
         <p:cxnSp>
@@ -5938,9 +5337,9 @@
             <p:nvPr/>
           </p:nvCxnSpPr>
           <p:spPr>
-            <a:xfrm flipV="1">
-              <a:off x="22542546" y="3200260"/>
-              <a:ext cx="0" cy="5304803"/>
+            <a:xfrm flipH="1" flipV="1">
+              <a:off x="22542545" y="4019203"/>
+              <a:ext cx="1" cy="4911437"/>
             </a:xfrm>
             <a:prstGeom prst="straightConnector1">
               <a:avLst/>
@@ -5984,7 +5383,7 @@
           </p:nvCxnSpPr>
           <p:spPr>
             <a:xfrm>
-              <a:off x="20273999" y="6186621"/>
+              <a:off x="20273999" y="6857181"/>
               <a:ext cx="5394958" cy="0"/>
             </a:xfrm>
             <a:prstGeom prst="straightConnector1">
@@ -6027,7 +5426,7 @@
           </p:nvSpPr>
           <p:spPr>
             <a:xfrm>
-              <a:off x="21071063" y="4711253"/>
+              <a:off x="21071063" y="5381813"/>
               <a:ext cx="2942964" cy="2950736"/>
             </a:xfrm>
             <a:prstGeom prst="ellipse">
@@ -6081,7 +5480,7 @@
           </p:nvCxnSpPr>
           <p:spPr>
             <a:xfrm>
-              <a:off x="22111332" y="3609964"/>
+              <a:off x="22111332" y="4280524"/>
               <a:ext cx="3349176" cy="3432486"/>
             </a:xfrm>
             <a:prstGeom prst="line">
@@ -6125,7 +5524,7 @@
           </p:nvCxnSpPr>
           <p:spPr>
             <a:xfrm flipV="1">
-              <a:off x="22542549" y="5143380"/>
+              <a:off x="22542549" y="5813940"/>
               <a:ext cx="1040495" cy="1043248"/>
             </a:xfrm>
             <a:prstGeom prst="line">
@@ -6164,7 +5563,7 @@
           </p:nvCxnSpPr>
           <p:spPr>
             <a:xfrm>
-              <a:off x="21492570" y="4109078"/>
+              <a:off x="21492570" y="4779638"/>
               <a:ext cx="3349176" cy="3432486"/>
             </a:xfrm>
             <a:prstGeom prst="line">
@@ -6207,7 +5606,7 @@
           </p:nvCxnSpPr>
           <p:spPr>
             <a:xfrm flipV="1">
-              <a:off x="21108087" y="7862897"/>
+              <a:off x="21108087" y="8533457"/>
               <a:ext cx="1434458" cy="13646"/>
             </a:xfrm>
             <a:prstGeom prst="line">
@@ -6252,7 +5651,7 @@
           </p:nvCxnSpPr>
           <p:spPr>
             <a:xfrm>
-              <a:off x="21997132" y="3708413"/>
+              <a:off x="21997132" y="4378973"/>
               <a:ext cx="3349176" cy="3432486"/>
             </a:xfrm>
             <a:prstGeom prst="line">
@@ -6293,7 +5692,7 @@
           </p:nvSpPr>
           <p:spPr>
             <a:xfrm>
-              <a:off x="21662568" y="7753650"/>
+              <a:off x="21662568" y="8424210"/>
               <a:ext cx="344966" cy="646331"/>
             </a:xfrm>
             <a:prstGeom prst="rect">
@@ -6326,137 +5725,6 @@
       </p:grpSp>
       <p:grpSp>
         <p:nvGrpSpPr>
-          <p:cNvPr id="51" name="Groupe 50">
-            <a:extLst>
-              <a:ext uri="{FF2B5EF4-FFF2-40B4-BE49-F238E27FC236}">
-                <a16:creationId xmlns:a16="http://schemas.microsoft.com/office/drawing/2014/main" id="{F83F6057-F205-4485-B018-BF38E78C0CDF}"/>
-              </a:ext>
-            </a:extLst>
-          </p:cNvPr>
-          <p:cNvGrpSpPr/>
-          <p:nvPr/>
-        </p:nvGrpSpPr>
-        <p:grpSpPr>
-          <a:xfrm>
-            <a:off x="23359998" y="5879272"/>
-            <a:ext cx="5530195" cy="6585552"/>
-            <a:chOff x="23359998" y="5406832"/>
-            <a:chExt cx="5530195" cy="6585552"/>
-          </a:xfrm>
-        </p:grpSpPr>
-        <p:sp>
-          <p:nvSpPr>
-            <p:cNvPr id="57" name="Ellipse 56">
-              <a:extLst>
-                <a:ext uri="{FF2B5EF4-FFF2-40B4-BE49-F238E27FC236}">
-                  <a16:creationId xmlns:a16="http://schemas.microsoft.com/office/drawing/2014/main" id="{F3B7BA79-F28C-40BD-9B39-EBEAEFB70654}"/>
-                </a:ext>
-              </a:extLst>
-            </p:cNvPr>
-            <p:cNvSpPr/>
-            <p:nvPr/>
-          </p:nvSpPr>
-          <p:spPr>
-            <a:xfrm>
-              <a:off x="23885188" y="6561212"/>
-              <a:ext cx="139692" cy="139692"/>
-            </a:xfrm>
-            <a:prstGeom prst="ellipse">
-              <a:avLst/>
-            </a:prstGeom>
-            <a:solidFill>
-              <a:srgbClr val="FF0000"/>
-            </a:solidFill>
-            <a:ln>
-              <a:solidFill>
-                <a:srgbClr val="C00000"/>
-              </a:solidFill>
-            </a:ln>
-          </p:spPr>
-          <p:style>
-            <a:lnRef idx="2">
-              <a:schemeClr val="accent1">
-                <a:shade val="50000"/>
-              </a:schemeClr>
-            </a:lnRef>
-            <a:fillRef idx="1">
-              <a:schemeClr val="accent1"/>
-            </a:fillRef>
-            <a:effectRef idx="0">
-              <a:schemeClr val="accent1"/>
-            </a:effectRef>
-            <a:fontRef idx="minor">
-              <a:schemeClr val="lt1"/>
-            </a:fontRef>
-          </p:style>
-          <p:txBody>
-            <a:bodyPr rtlCol="0" anchor="ctr"/>
-            <a:lstStyle/>
-            <a:p>
-              <a:pPr algn="ctr"/>
-              <a:endParaRPr lang="fr-FR" dirty="0"/>
-            </a:p>
-          </p:txBody>
-        </p:sp>
-        <p:sp>
-          <p:nvSpPr>
-            <p:cNvPr id="58" name="Arc 57">
-              <a:extLst>
-                <a:ext uri="{FF2B5EF4-FFF2-40B4-BE49-F238E27FC236}">
-                  <a16:creationId xmlns:a16="http://schemas.microsoft.com/office/drawing/2014/main" id="{50E4F0B5-9877-4E58-9F47-CED6461A7B55}"/>
-                </a:ext>
-              </a:extLst>
-            </p:cNvPr>
-            <p:cNvSpPr/>
-            <p:nvPr/>
-          </p:nvSpPr>
-          <p:spPr>
-            <a:xfrm>
-              <a:off x="23359998" y="5406832"/>
-              <a:ext cx="5530195" cy="6585552"/>
-            </a:xfrm>
-            <a:prstGeom prst="arc">
-              <a:avLst>
-                <a:gd name="adj1" fmla="val 13528329"/>
-                <a:gd name="adj2" fmla="val 16537952"/>
-              </a:avLst>
-            </a:prstGeom>
-            <a:ln w="57150" cap="flat" cmpd="sng" algn="ctr">
-              <a:solidFill>
-                <a:srgbClr val="C00000"/>
-              </a:solidFill>
-              <a:prstDash val="solid"/>
-              <a:round/>
-              <a:headEnd type="arrow" w="med" len="med"/>
-              <a:tailEnd type="none" w="med" len="med"/>
-            </a:ln>
-          </p:spPr>
-          <p:style>
-            <a:lnRef idx="0">
-              <a:scrgbClr r="0" g="0" b="0"/>
-            </a:lnRef>
-            <a:fillRef idx="0">
-              <a:scrgbClr r="0" g="0" b="0"/>
-            </a:fillRef>
-            <a:effectRef idx="0">
-              <a:scrgbClr r="0" g="0" b="0"/>
-            </a:effectRef>
-            <a:fontRef idx="minor">
-              <a:schemeClr val="tx1"/>
-            </a:fontRef>
-          </p:style>
-          <p:txBody>
-            <a:bodyPr rtlCol="0" anchor="ctr"/>
-            <a:lstStyle/>
-            <a:p>
-              <a:pPr algn="ctr"/>
-              <a:endParaRPr lang="fr-FR" dirty="0"/>
-            </a:p>
-          </p:txBody>
-        </p:sp>
-      </p:grpSp>
-      <p:grpSp>
-        <p:nvGrpSpPr>
           <p:cNvPr id="50" name="Groupe 49">
             <a:extLst>
               <a:ext uri="{FF2B5EF4-FFF2-40B4-BE49-F238E27FC236}">
@@ -6469,7 +5737,7 @@
         </p:nvGrpSpPr>
         <p:grpSpPr>
           <a:xfrm>
-            <a:off x="21045690" y="4983179"/>
+            <a:off x="21045690" y="5486099"/>
             <a:ext cx="5649072" cy="2269094"/>
             <a:chOff x="21045690" y="4510739"/>
             <a:chExt cx="5649072" cy="2269094"/>
@@ -6600,8 +5868,8 @@
         </p:nvSpPr>
         <p:spPr>
           <a:xfrm>
-            <a:off x="20271180" y="12755096"/>
-            <a:ext cx="9718893" cy="3046988"/>
+            <a:off x="20255704" y="13301702"/>
+            <a:ext cx="9718893" cy="3108543"/>
           </a:xfrm>
           <a:prstGeom prst="rect">
             <a:avLst/>
@@ -6616,7 +5884,7 @@
           <a:p>
             <a:pPr algn="just"/>
             <a:r>
-              <a:rPr lang="en-US" sz="3200" u="sng" dirty="0">
+              <a:rPr lang="en-US" sz="2800" dirty="0">
                 <a:solidFill>
                   <a:schemeClr val="tx1">
                     <a:lumMod val="95000"/>
@@ -6624,10 +5892,13 @@
                   </a:schemeClr>
                 </a:solidFill>
               </a:rPr>
-              <a:t>Note:</a:t>
-            </a:r>
-            <a:r>
-              <a:rPr lang="en-US" sz="3200" dirty="0">
+              <a:t>This is not that useful for the case of a circle, as we already know the length (although, we can use it to derive the formula).</a:t>
+            </a:r>
+          </a:p>
+          <a:p>
+            <a:pPr algn="just"/>
+            <a:r>
+              <a:rPr lang="en-US" sz="2800" dirty="0">
                 <a:solidFill>
                   <a:schemeClr val="tx1">
                     <a:lumMod val="95000"/>
@@ -6635,13 +5906,13 @@
                   </a:schemeClr>
                 </a:solidFill>
               </a:rPr>
-              <a:t> This is not that useful for the case of a circle, but remember that you may use the formula on any curve in a plane, which make it very powerful.</a:t>
+              <a:t>Nevertheless, remember that you may use the formula on any regular curve in a plane, which makes it very powerful.</a:t>
             </a:r>
           </a:p>
           <a:p>
             <a:pPr algn="just"/>
             <a:r>
-              <a:rPr lang="en-US" sz="3200" dirty="0">
+              <a:rPr lang="en-US" sz="2800" dirty="0">
                 <a:solidFill>
                   <a:schemeClr val="tx1">
                     <a:lumMod val="95000"/>
@@ -6654,8 +5925,8 @@
           </a:p>
         </p:txBody>
       </p:sp>
-      <mc:AlternateContent xmlns:mc="http://schemas.openxmlformats.org/markup-compatibility/2006">
-        <mc:Choice xmlns:a14="http://schemas.microsoft.com/office/drawing/2010/main" Requires="a14">
+      <mc:AlternateContent xmlns:mc="http://schemas.openxmlformats.org/markup-compatibility/2006" xmlns:a14="http://schemas.microsoft.com/office/drawing/2010/main">
+        <mc:Choice Requires="a14">
           <p:sp>
             <p:nvSpPr>
               <p:cNvPr id="75" name="ZoneTexte 74">
@@ -6670,7 +5941,7 @@
             </p:nvSpPr>
             <p:spPr>
               <a:xfrm>
-                <a:off x="29612405" y="9549607"/>
+                <a:off x="29084858" y="10240491"/>
                 <a:ext cx="465191" cy="830997"/>
               </a:xfrm>
               <a:prstGeom prst="rect">
@@ -6684,6 +5955,7 @@
               </a:bodyPr>
               <a:lstStyle/>
               <a:p>
+                <a:pPr/>
                 <a14:m>
                   <m:oMathPara xmlns:m="http://schemas.openxmlformats.org/officeDocument/2006/math">
                     <m:oMathParaPr>
@@ -6707,7 +5979,7 @@
             </p:txBody>
           </p:sp>
         </mc:Choice>
-        <mc:Fallback>
+        <mc:Fallback xmlns="">
           <p:sp>
             <p:nvSpPr>
               <p:cNvPr id="75" name="ZoneTexte 74">
@@ -6724,8 +5996,3208 @@
             </p:nvSpPr>
             <p:spPr>
               <a:xfrm>
-                <a:off x="29612405" y="9549607"/>
+                <a:off x="29084858" y="10240491"/>
                 <a:ext cx="465191" cy="830997"/>
+              </a:xfrm>
+              <a:prstGeom prst="rect">
+                <a:avLst/>
+              </a:prstGeom>
+              <a:blipFill>
+                <a:blip r:embed="rId11"/>
+                <a:stretch>
+                  <a:fillRect/>
+                </a:stretch>
+              </a:blipFill>
+            </p:spPr>
+            <p:txBody>
+              <a:bodyPr/>
+              <a:lstStyle/>
+              <a:p>
+                <a:r>
+                  <a:rPr lang="fr-FR">
+                    <a:noFill/>
+                  </a:rPr>
+                  <a:t> </a:t>
+                </a:r>
+              </a:p>
+            </p:txBody>
+          </p:sp>
+        </mc:Fallback>
+      </mc:AlternateContent>
+      <p:sp>
+        <p:nvSpPr>
+          <p:cNvPr id="2" name="ZoneTexte 1">
+            <a:extLst>
+              <a:ext uri="{FF2B5EF4-FFF2-40B4-BE49-F238E27FC236}">
+                <a16:creationId xmlns:a16="http://schemas.microsoft.com/office/drawing/2014/main" id="{D8322C86-E383-4A20-8A69-714FA5372FAC}"/>
+              </a:ext>
+            </a:extLst>
+          </p:cNvPr>
+          <p:cNvSpPr txBox="1"/>
+          <p:nvPr/>
+        </p:nvSpPr>
+        <p:spPr>
+          <a:xfrm>
+            <a:off x="0" y="6014128"/>
+            <a:ext cx="9749527" cy="923330"/>
+          </a:xfrm>
+          <a:prstGeom prst="rect">
+            <a:avLst/>
+          </a:prstGeom>
+          <a:noFill/>
+        </p:spPr>
+        <p:txBody>
+          <a:bodyPr wrap="square" rtlCol="0">
+            <a:spAutoFit/>
+          </a:bodyPr>
+          <a:lstStyle/>
+          <a:p>
+            <a:r>
+              <a:rPr lang="en-US" sz="5400" b="1" dirty="0"/>
+              <a:t>Representation of straight lines:</a:t>
+            </a:r>
+            <a:endParaRPr lang="en-US" sz="16600" dirty="0">
+              <a:effectLst/>
+            </a:endParaRPr>
+          </a:p>
+        </p:txBody>
+      </p:sp>
+      <p:sp>
+        <p:nvSpPr>
+          <p:cNvPr id="22" name="ZoneTexte 21">
+            <a:extLst>
+              <a:ext uri="{FF2B5EF4-FFF2-40B4-BE49-F238E27FC236}">
+                <a16:creationId xmlns:a16="http://schemas.microsoft.com/office/drawing/2014/main" id="{67BBC7BB-B53A-4D4B-B801-B9646DAD0870}"/>
+              </a:ext>
+            </a:extLst>
+          </p:cNvPr>
+          <p:cNvSpPr txBox="1"/>
+          <p:nvPr/>
+        </p:nvSpPr>
+        <p:spPr>
+          <a:xfrm>
+            <a:off x="4262171" y="7240733"/>
+            <a:ext cx="5351080" cy="1815882"/>
+          </a:xfrm>
+          <a:prstGeom prst="rect">
+            <a:avLst/>
+          </a:prstGeom>
+          <a:noFill/>
+        </p:spPr>
+        <p:txBody>
+          <a:bodyPr wrap="none" rtlCol="0">
+            <a:spAutoFit/>
+          </a:bodyPr>
+          <a:lstStyle/>
+          <a:p>
+            <a:r>
+              <a:rPr lang="en-US" sz="2800" dirty="0"/>
+              <a:t>To </a:t>
+            </a:r>
+            <a:r>
+              <a:rPr lang="en-US" sz="2800" dirty="0" err="1"/>
+              <a:t>characterise</a:t>
+            </a:r>
+            <a:r>
+              <a:rPr lang="en-US" sz="2800" dirty="0"/>
+              <a:t> a line, use:</a:t>
+            </a:r>
+          </a:p>
+          <a:p>
+            <a:pPr marL="457200" indent="-457200">
+              <a:buFontTx/>
+              <a:buChar char="-"/>
+            </a:pPr>
+            <a:r>
+              <a:rPr lang="en-US" sz="2800" dirty="0">
+                <a:solidFill>
+                  <a:srgbClr val="FFC000"/>
+                </a:solidFill>
+              </a:rPr>
+              <a:t>Its</a:t>
+            </a:r>
+            <a:r>
+              <a:rPr lang="en-US" sz="2800" b="1" dirty="0">
+                <a:solidFill>
+                  <a:srgbClr val="FFC000"/>
+                </a:solidFill>
+              </a:rPr>
+              <a:t> distance </a:t>
+            </a:r>
+            <a:r>
+              <a:rPr lang="en-US" sz="2800" dirty="0">
+                <a:solidFill>
+                  <a:srgbClr val="FFC000"/>
+                </a:solidFill>
+              </a:rPr>
+              <a:t>to</a:t>
+            </a:r>
+            <a:r>
+              <a:rPr lang="en-US" sz="2800" b="1" dirty="0">
+                <a:solidFill>
+                  <a:srgbClr val="FFC000"/>
+                </a:solidFill>
+              </a:rPr>
+              <a:t> origin </a:t>
+            </a:r>
+            <a:r>
+              <a:rPr lang="en-US" sz="2800" dirty="0">
+                <a:solidFill>
+                  <a:srgbClr val="FFC000"/>
+                </a:solidFill>
+              </a:rPr>
+              <a:t>(</a:t>
+            </a:r>
+            <a:r>
+              <a:rPr lang="el-GR" sz="2800" b="1" dirty="0">
+                <a:solidFill>
+                  <a:srgbClr val="FFC000"/>
+                </a:solidFill>
+              </a:rPr>
+              <a:t>ρ</a:t>
+            </a:r>
+            <a:r>
+              <a:rPr lang="en-US" sz="2800" dirty="0">
+                <a:solidFill>
+                  <a:srgbClr val="FFC000"/>
+                </a:solidFill>
+              </a:rPr>
+              <a:t>)</a:t>
+            </a:r>
+          </a:p>
+          <a:p>
+            <a:pPr marL="457200" indent="-457200">
+              <a:buFontTx/>
+              <a:buChar char="-"/>
+            </a:pPr>
+            <a:r>
+              <a:rPr lang="en-US" sz="2800" dirty="0">
+                <a:solidFill>
+                  <a:srgbClr val="7030A0"/>
+                </a:solidFill>
+              </a:rPr>
+              <a:t>Its</a:t>
+            </a:r>
+            <a:r>
+              <a:rPr lang="en-US" sz="2800" b="1" dirty="0">
+                <a:solidFill>
+                  <a:srgbClr val="7030A0"/>
+                </a:solidFill>
+              </a:rPr>
+              <a:t> angle </a:t>
+            </a:r>
+            <a:r>
+              <a:rPr lang="en-US" sz="2800" dirty="0">
+                <a:solidFill>
+                  <a:srgbClr val="7030A0"/>
+                </a:solidFill>
+              </a:rPr>
+              <a:t>with the </a:t>
+            </a:r>
+            <a:r>
+              <a:rPr lang="en-US" sz="2800" b="1" dirty="0">
+                <a:solidFill>
+                  <a:srgbClr val="7030A0"/>
+                </a:solidFill>
+              </a:rPr>
+              <a:t>horizontal </a:t>
+            </a:r>
+            <a:r>
+              <a:rPr lang="en-US" sz="2800" dirty="0">
+                <a:solidFill>
+                  <a:srgbClr val="7030A0"/>
+                </a:solidFill>
+              </a:rPr>
+              <a:t>(</a:t>
+            </a:r>
+            <a:r>
+              <a:rPr lang="el-GR" sz="2800" b="1" dirty="0">
+                <a:solidFill>
+                  <a:srgbClr val="7030A0"/>
+                </a:solidFill>
+              </a:rPr>
+              <a:t>θ</a:t>
+            </a:r>
+            <a:r>
+              <a:rPr lang="en-US" sz="2800" dirty="0">
+                <a:solidFill>
+                  <a:srgbClr val="7030A0"/>
+                </a:solidFill>
+              </a:rPr>
+              <a:t>)</a:t>
+            </a:r>
+          </a:p>
+          <a:p>
+            <a:r>
+              <a:rPr lang="en-US" sz="2800" dirty="0"/>
+              <a:t>	This gives coordinates (</a:t>
+            </a:r>
+            <a:r>
+              <a:rPr lang="en-US" sz="2800" b="1" dirty="0"/>
+              <a:t>ρ</a:t>
+            </a:r>
+            <a:r>
+              <a:rPr lang="en-US" sz="2800" dirty="0"/>
+              <a:t>, </a:t>
+            </a:r>
+            <a:r>
+              <a:rPr lang="en-US" sz="2800" b="1" dirty="0"/>
+              <a:t>θ</a:t>
+            </a:r>
+            <a:r>
+              <a:rPr lang="en-US" sz="2800" dirty="0"/>
+              <a:t>)</a:t>
+            </a:r>
+          </a:p>
+        </p:txBody>
+      </p:sp>
+      <p:sp>
+        <p:nvSpPr>
+          <p:cNvPr id="24" name="ZoneTexte 23">
+            <a:extLst>
+              <a:ext uri="{FF2B5EF4-FFF2-40B4-BE49-F238E27FC236}">
+                <a16:creationId xmlns:a16="http://schemas.microsoft.com/office/drawing/2014/main" id="{257EF1D7-C6B8-4696-9DF7-D6FCB56A048D}"/>
+              </a:ext>
+            </a:extLst>
+          </p:cNvPr>
+          <p:cNvSpPr txBox="1"/>
+          <p:nvPr/>
+        </p:nvSpPr>
+        <p:spPr>
+          <a:xfrm>
+            <a:off x="-7737" y="10815867"/>
+            <a:ext cx="5814484" cy="523220"/>
+          </a:xfrm>
+          <a:prstGeom prst="rect">
+            <a:avLst/>
+          </a:prstGeom>
+          <a:noFill/>
+        </p:spPr>
+        <p:txBody>
+          <a:bodyPr wrap="square" rtlCol="0">
+            <a:spAutoFit/>
+          </a:bodyPr>
+          <a:lstStyle/>
+          <a:p>
+            <a:r>
+              <a:rPr lang="en-US" sz="2800" dirty="0"/>
+              <a:t>Now plot (</a:t>
+            </a:r>
+            <a:r>
+              <a:rPr lang="en-US" sz="2800" b="1" dirty="0"/>
+              <a:t>ρ</a:t>
+            </a:r>
+            <a:r>
+              <a:rPr lang="en-US" sz="2800" dirty="0"/>
+              <a:t>, </a:t>
+            </a:r>
+            <a:r>
+              <a:rPr lang="en-US" sz="2800" b="1" dirty="0"/>
+              <a:t>θ</a:t>
+            </a:r>
+            <a:r>
+              <a:rPr lang="en-US" sz="2800" dirty="0"/>
+              <a:t>) in another plane.</a:t>
+            </a:r>
+            <a:endParaRPr lang="fr-FR" sz="2000" b="0" dirty="0">
+              <a:solidFill>
+                <a:srgbClr val="0070C0"/>
+              </a:solidFill>
+            </a:endParaRPr>
+          </a:p>
+        </p:txBody>
+      </p:sp>
+      <p:grpSp>
+        <p:nvGrpSpPr>
+          <p:cNvPr id="242" name="Groupe 241">
+            <a:extLst>
+              <a:ext uri="{FF2B5EF4-FFF2-40B4-BE49-F238E27FC236}">
+                <a16:creationId xmlns:a16="http://schemas.microsoft.com/office/drawing/2014/main" id="{3FBFC321-C20F-42F8-A4C1-71422A6D637B}"/>
+              </a:ext>
+            </a:extLst>
+          </p:cNvPr>
+          <p:cNvGrpSpPr/>
+          <p:nvPr/>
+        </p:nvGrpSpPr>
+        <p:grpSpPr>
+          <a:xfrm>
+            <a:off x="275349" y="6962085"/>
+            <a:ext cx="3927984" cy="3828751"/>
+            <a:chOff x="275349" y="5900275"/>
+            <a:chExt cx="3927984" cy="3828751"/>
+          </a:xfrm>
+        </p:grpSpPr>
+        <p:sp>
+          <p:nvSpPr>
+            <p:cNvPr id="21" name="Arc 20">
+              <a:extLst>
+                <a:ext uri="{FF2B5EF4-FFF2-40B4-BE49-F238E27FC236}">
+                  <a16:creationId xmlns:a16="http://schemas.microsoft.com/office/drawing/2014/main" id="{3DD2BD43-B94E-4BB5-B1A3-8DCECC7DF909}"/>
+                </a:ext>
+              </a:extLst>
+            </p:cNvPr>
+            <p:cNvSpPr/>
+            <p:nvPr/>
+          </p:nvSpPr>
+          <p:spPr>
+            <a:xfrm>
+              <a:off x="2782559" y="8557464"/>
+              <a:ext cx="659130" cy="659130"/>
+            </a:xfrm>
+            <a:prstGeom prst="arc">
+              <a:avLst>
+                <a:gd name="adj1" fmla="val 13535435"/>
+                <a:gd name="adj2" fmla="val 0"/>
+              </a:avLst>
+            </a:prstGeom>
+            <a:ln w="76200">
+              <a:solidFill>
+                <a:srgbClr val="7030A0"/>
+              </a:solidFill>
+            </a:ln>
+          </p:spPr>
+          <p:style>
+            <a:lnRef idx="1">
+              <a:schemeClr val="accent1"/>
+            </a:lnRef>
+            <a:fillRef idx="0">
+              <a:schemeClr val="accent1"/>
+            </a:fillRef>
+            <a:effectRef idx="0">
+              <a:schemeClr val="accent1"/>
+            </a:effectRef>
+            <a:fontRef idx="minor">
+              <a:schemeClr val="tx1"/>
+            </a:fontRef>
+          </p:style>
+          <p:txBody>
+            <a:bodyPr rtlCol="0" anchor="ctr"/>
+            <a:lstStyle/>
+            <a:p>
+              <a:pPr algn="ctr"/>
+              <a:endParaRPr lang="fr-FR" dirty="0"/>
+            </a:p>
+          </p:txBody>
+        </p:sp>
+        <p:cxnSp>
+          <p:nvCxnSpPr>
+            <p:cNvPr id="67" name="Connecteur droit 66">
+              <a:extLst>
+                <a:ext uri="{FF2B5EF4-FFF2-40B4-BE49-F238E27FC236}">
+                  <a16:creationId xmlns:a16="http://schemas.microsoft.com/office/drawing/2014/main" id="{78BE4FA5-DC2B-42B6-9A49-923F3142A655}"/>
+                </a:ext>
+              </a:extLst>
+            </p:cNvPr>
+            <p:cNvCxnSpPr>
+              <a:cxnSpLocks/>
+            </p:cNvCxnSpPr>
+            <p:nvPr/>
+          </p:nvCxnSpPr>
+          <p:spPr>
+            <a:xfrm flipV="1">
+              <a:off x="1102296" y="7843394"/>
+              <a:ext cx="1015124" cy="1029328"/>
+            </a:xfrm>
+            <a:prstGeom prst="line">
+              <a:avLst/>
+            </a:prstGeom>
+            <a:ln w="76200">
+              <a:solidFill>
+                <a:srgbClr val="FFC000"/>
+              </a:solidFill>
+            </a:ln>
+          </p:spPr>
+          <p:style>
+            <a:lnRef idx="1">
+              <a:schemeClr val="accent1"/>
+            </a:lnRef>
+            <a:fillRef idx="0">
+              <a:schemeClr val="accent1"/>
+            </a:fillRef>
+            <a:effectRef idx="0">
+              <a:schemeClr val="accent1"/>
+            </a:effectRef>
+            <a:fontRef idx="minor">
+              <a:schemeClr val="tx1"/>
+            </a:fontRef>
+          </p:style>
+        </p:cxnSp>
+        <p:cxnSp>
+          <p:nvCxnSpPr>
+            <p:cNvPr id="64" name="Connecteur droit avec flèche 63">
+              <a:extLst>
+                <a:ext uri="{FF2B5EF4-FFF2-40B4-BE49-F238E27FC236}">
+                  <a16:creationId xmlns:a16="http://schemas.microsoft.com/office/drawing/2014/main" id="{3A53A3EB-8D1B-4642-B46F-92A923C9B4A9}"/>
+                </a:ext>
+              </a:extLst>
+            </p:cNvPr>
+            <p:cNvCxnSpPr>
+              <a:cxnSpLocks/>
+            </p:cNvCxnSpPr>
+            <p:nvPr/>
+          </p:nvCxnSpPr>
+          <p:spPr>
+            <a:xfrm flipV="1">
+              <a:off x="1076922" y="5900275"/>
+              <a:ext cx="0" cy="3828751"/>
+            </a:xfrm>
+            <a:prstGeom prst="straightConnector1">
+              <a:avLst/>
+            </a:prstGeom>
+            <a:ln w="28575">
+              <a:solidFill>
+                <a:schemeClr val="tx1"/>
+              </a:solidFill>
+              <a:headEnd type="none" w="med" len="med"/>
+              <a:tailEnd type="arrow" w="med" len="med"/>
+            </a:ln>
+          </p:spPr>
+          <p:style>
+            <a:lnRef idx="1">
+              <a:schemeClr val="accent1"/>
+            </a:lnRef>
+            <a:fillRef idx="0">
+              <a:schemeClr val="accent1"/>
+            </a:fillRef>
+            <a:effectRef idx="0">
+              <a:schemeClr val="accent1"/>
+            </a:effectRef>
+            <a:fontRef idx="minor">
+              <a:schemeClr val="tx1"/>
+            </a:fontRef>
+          </p:style>
+        </p:cxnSp>
+        <p:cxnSp>
+          <p:nvCxnSpPr>
+            <p:cNvPr id="65" name="Connecteur droit avec flèche 64">
+              <a:extLst>
+                <a:ext uri="{FF2B5EF4-FFF2-40B4-BE49-F238E27FC236}">
+                  <a16:creationId xmlns:a16="http://schemas.microsoft.com/office/drawing/2014/main" id="{CCFEAA3D-3D17-45C9-9328-8CEC71C7BFE7}"/>
+                </a:ext>
+              </a:extLst>
+            </p:cNvPr>
+            <p:cNvCxnSpPr>
+              <a:cxnSpLocks/>
+            </p:cNvCxnSpPr>
+            <p:nvPr/>
+          </p:nvCxnSpPr>
+          <p:spPr>
+            <a:xfrm>
+              <a:off x="275349" y="8886635"/>
+              <a:ext cx="3927984" cy="0"/>
+            </a:xfrm>
+            <a:prstGeom prst="straightConnector1">
+              <a:avLst/>
+            </a:prstGeom>
+            <a:ln w="28575">
+              <a:solidFill>
+                <a:schemeClr val="tx1"/>
+              </a:solidFill>
+              <a:headEnd type="none" w="med" len="med"/>
+              <a:tailEnd type="arrow" w="med" len="med"/>
+            </a:ln>
+          </p:spPr>
+          <p:style>
+            <a:lnRef idx="1">
+              <a:schemeClr val="accent1"/>
+            </a:lnRef>
+            <a:fillRef idx="0">
+              <a:schemeClr val="accent1"/>
+            </a:fillRef>
+            <a:effectRef idx="0">
+              <a:schemeClr val="accent1"/>
+            </a:effectRef>
+            <a:fontRef idx="minor">
+              <a:schemeClr val="tx1"/>
+            </a:fontRef>
+          </p:style>
+        </p:cxnSp>
+        <p:cxnSp>
+          <p:nvCxnSpPr>
+            <p:cNvPr id="66" name="Connecteur droit 65">
+              <a:extLst>
+                <a:ext uri="{FF2B5EF4-FFF2-40B4-BE49-F238E27FC236}">
+                  <a16:creationId xmlns:a16="http://schemas.microsoft.com/office/drawing/2014/main" id="{EFD1FF41-BE9D-4710-B476-B77C2C27D38A}"/>
+                </a:ext>
+              </a:extLst>
+            </p:cNvPr>
+            <p:cNvCxnSpPr>
+              <a:cxnSpLocks/>
+            </p:cNvCxnSpPr>
+            <p:nvPr/>
+          </p:nvCxnSpPr>
+          <p:spPr>
+            <a:xfrm>
+              <a:off x="591820" y="6352407"/>
+              <a:ext cx="3228340" cy="3278170"/>
+            </a:xfrm>
+            <a:prstGeom prst="line">
+              <a:avLst/>
+            </a:prstGeom>
+            <a:ln w="76200">
+              <a:solidFill>
+                <a:srgbClr val="C00000"/>
+              </a:solidFill>
+            </a:ln>
+          </p:spPr>
+          <p:style>
+            <a:lnRef idx="1">
+              <a:schemeClr val="accent1"/>
+            </a:lnRef>
+            <a:fillRef idx="0">
+              <a:schemeClr val="accent1"/>
+            </a:fillRef>
+            <a:effectRef idx="0">
+              <a:schemeClr val="accent1"/>
+            </a:effectRef>
+            <a:fontRef idx="minor">
+              <a:schemeClr val="tx1"/>
+            </a:fontRef>
+          </p:style>
+        </p:cxnSp>
+        <p:sp>
+          <p:nvSpPr>
+            <p:cNvPr id="70" name="ZoneTexte 69">
+              <a:extLst>
+                <a:ext uri="{FF2B5EF4-FFF2-40B4-BE49-F238E27FC236}">
+                  <a16:creationId xmlns:a16="http://schemas.microsoft.com/office/drawing/2014/main" id="{0E42151F-B9BE-415B-8E23-66A90DAAC3AC}"/>
+                </a:ext>
+              </a:extLst>
+            </p:cNvPr>
+            <p:cNvSpPr txBox="1"/>
+            <p:nvPr/>
+          </p:nvSpPr>
+          <p:spPr>
+            <a:xfrm>
+              <a:off x="3175475" y="8117584"/>
+              <a:ext cx="380232" cy="523220"/>
+            </a:xfrm>
+            <a:prstGeom prst="rect">
+              <a:avLst/>
+            </a:prstGeom>
+            <a:noFill/>
+          </p:spPr>
+          <p:txBody>
+            <a:bodyPr wrap="none" rtlCol="0">
+              <a:spAutoFit/>
+            </a:bodyPr>
+            <a:lstStyle/>
+            <a:p>
+              <a:r>
+                <a:rPr lang="el-GR" sz="2800" b="1" dirty="0">
+                  <a:solidFill>
+                    <a:srgbClr val="7030A0"/>
+                  </a:solidFill>
+                </a:rPr>
+                <a:t>θ</a:t>
+              </a:r>
+              <a:endParaRPr lang="fr-FR" b="1" dirty="0">
+                <a:solidFill>
+                  <a:srgbClr val="7030A0"/>
+                </a:solidFill>
+              </a:endParaRPr>
+            </a:p>
+          </p:txBody>
+        </p:sp>
+        <p:sp>
+          <p:nvSpPr>
+            <p:cNvPr id="80" name="ZoneTexte 79">
+              <a:extLst>
+                <a:ext uri="{FF2B5EF4-FFF2-40B4-BE49-F238E27FC236}">
+                  <a16:creationId xmlns:a16="http://schemas.microsoft.com/office/drawing/2014/main" id="{6CE466C8-A93E-4AF2-BF15-24E706D0B71B}"/>
+                </a:ext>
+              </a:extLst>
+            </p:cNvPr>
+            <p:cNvSpPr txBox="1"/>
+            <p:nvPr/>
+          </p:nvSpPr>
+          <p:spPr>
+            <a:xfrm>
+              <a:off x="1310718" y="7889654"/>
+              <a:ext cx="375424" cy="523220"/>
+            </a:xfrm>
+            <a:prstGeom prst="rect">
+              <a:avLst/>
+            </a:prstGeom>
+            <a:noFill/>
+          </p:spPr>
+          <p:txBody>
+            <a:bodyPr wrap="none" rtlCol="0">
+              <a:spAutoFit/>
+            </a:bodyPr>
+            <a:lstStyle/>
+            <a:p>
+              <a:r>
+                <a:rPr lang="el-GR" sz="2800" b="1" dirty="0">
+                  <a:solidFill>
+                    <a:srgbClr val="FFC000"/>
+                  </a:solidFill>
+                </a:rPr>
+                <a:t>ρ</a:t>
+              </a:r>
+              <a:endParaRPr lang="fr-FR" b="1" dirty="0">
+                <a:solidFill>
+                  <a:srgbClr val="FFC000"/>
+                </a:solidFill>
+              </a:endParaRPr>
+            </a:p>
+          </p:txBody>
+        </p:sp>
+      </p:grpSp>
+      <p:sp>
+        <p:nvSpPr>
+          <p:cNvPr id="81" name="ZoneTexte 80">
+            <a:extLst>
+              <a:ext uri="{FF2B5EF4-FFF2-40B4-BE49-F238E27FC236}">
+                <a16:creationId xmlns:a16="http://schemas.microsoft.com/office/drawing/2014/main" id="{4618FD2F-2353-4537-A097-99476A0D1D93}"/>
+              </a:ext>
+            </a:extLst>
+          </p:cNvPr>
+          <p:cNvSpPr txBox="1"/>
+          <p:nvPr/>
+        </p:nvSpPr>
+        <p:spPr>
+          <a:xfrm>
+            <a:off x="-17285" y="11343256"/>
+            <a:ext cx="6237798" cy="523220"/>
+          </a:xfrm>
+          <a:prstGeom prst="rect">
+            <a:avLst/>
+          </a:prstGeom>
+          <a:noFill/>
+        </p:spPr>
+        <p:txBody>
+          <a:bodyPr wrap="none" rtlCol="0">
+            <a:spAutoFit/>
+          </a:bodyPr>
+          <a:lstStyle/>
+          <a:p>
+            <a:r>
+              <a:rPr lang="en-US" sz="2800" dirty="0">
+                <a:solidFill>
+                  <a:schemeClr val="tx1">
+                    <a:lumMod val="75000"/>
+                    <a:lumOff val="25000"/>
+                  </a:schemeClr>
+                </a:solidFill>
+              </a:rPr>
+              <a:t>This is the new representation of the line.</a:t>
+            </a:r>
+          </a:p>
+        </p:txBody>
+      </p:sp>
+      <mc:AlternateContent xmlns:mc="http://schemas.openxmlformats.org/markup-compatibility/2006" xmlns:a14="http://schemas.microsoft.com/office/drawing/2010/main">
+        <mc:Choice Requires="a14">
+          <p:sp>
+            <p:nvSpPr>
+              <p:cNvPr id="82" name="ZoneTexte 81">
+                <a:extLst>
+                  <a:ext uri="{FF2B5EF4-FFF2-40B4-BE49-F238E27FC236}">
+                    <a16:creationId xmlns:a16="http://schemas.microsoft.com/office/drawing/2014/main" id="{09CD60F4-CD7A-4687-8690-21B291D18DE4}"/>
+                  </a:ext>
+                </a:extLst>
+              </p:cNvPr>
+              <p:cNvSpPr txBox="1"/>
+              <p:nvPr/>
+            </p:nvSpPr>
+            <p:spPr>
+              <a:xfrm>
+                <a:off x="31316" y="12455388"/>
+                <a:ext cx="6156524" cy="1384995"/>
+              </a:xfrm>
+              <a:prstGeom prst="rect">
+                <a:avLst/>
+              </a:prstGeom>
+              <a:noFill/>
+            </p:spPr>
+            <p:txBody>
+              <a:bodyPr wrap="square" rtlCol="0">
+                <a:spAutoFit/>
+              </a:bodyPr>
+              <a:lstStyle/>
+              <a:p>
+                <a:pPr algn="just"/>
+                <a:r>
+                  <a:rPr lang="en-US" sz="2800" dirty="0">
+                    <a:solidFill>
+                      <a:srgbClr val="0070C0"/>
+                    </a:solidFill>
+                  </a:rPr>
+                  <a:t>Note that all the lines are represented by a point in the blue region as </a:t>
+                </a:r>
+                <a14:m>
+                  <m:oMath xmlns:m="http://schemas.openxmlformats.org/officeDocument/2006/math">
+                    <m:r>
+                      <a:rPr lang="fr-FR" sz="2800" i="1">
+                        <a:solidFill>
+                          <a:srgbClr val="0070C0"/>
+                        </a:solidFill>
+                        <a:latin typeface="Cambria Math" panose="02040503050406030204" pitchFamily="18" charset="0"/>
+                      </a:rPr>
+                      <m:t>0&lt;</m:t>
+                    </m:r>
+                    <m:r>
+                      <a:rPr lang="fr-FR" sz="2800" i="1">
+                        <a:solidFill>
+                          <a:srgbClr val="0070C0"/>
+                        </a:solidFill>
+                        <a:latin typeface="Cambria Math" panose="02040503050406030204" pitchFamily="18" charset="0"/>
+                      </a:rPr>
+                      <m:t>𝜃</m:t>
+                    </m:r>
+                    <m:r>
+                      <a:rPr lang="fr-FR" sz="2800" i="1">
+                        <a:solidFill>
+                          <a:srgbClr val="0070C0"/>
+                        </a:solidFill>
+                        <a:latin typeface="Cambria Math" panose="02040503050406030204" pitchFamily="18" charset="0"/>
+                      </a:rPr>
+                      <m:t>&lt;2</m:t>
+                    </m:r>
+                    <m:r>
+                      <a:rPr lang="fr-FR" sz="2800" i="1">
+                        <a:solidFill>
+                          <a:srgbClr val="0070C0"/>
+                        </a:solidFill>
+                        <a:latin typeface="Cambria Math" panose="02040503050406030204" pitchFamily="18" charset="0"/>
+                      </a:rPr>
+                      <m:t>𝜋</m:t>
+                    </m:r>
+                  </m:oMath>
+                </a14:m>
+                <a:r>
+                  <a:rPr lang="en-US" sz="2800" dirty="0">
+                    <a:solidFill>
+                      <a:srgbClr val="0070C0"/>
+                    </a:solidFill>
+                  </a:rPr>
+                  <a:t> and </a:t>
+                </a:r>
+                <a14:m>
+                  <m:oMath xmlns:m="http://schemas.openxmlformats.org/officeDocument/2006/math">
+                    <m:r>
+                      <a:rPr lang="fr-FR" sz="2800" i="1">
+                        <a:solidFill>
+                          <a:srgbClr val="0070C0"/>
+                        </a:solidFill>
+                        <a:latin typeface="Cambria Math" panose="02040503050406030204" pitchFamily="18" charset="0"/>
+                      </a:rPr>
+                      <m:t>0&lt;</m:t>
+                    </m:r>
+                    <m:r>
+                      <m:rPr>
+                        <m:sty m:val="p"/>
+                      </m:rPr>
+                      <a:rPr lang="fr-FR" sz="2800" i="1">
+                        <a:solidFill>
+                          <a:srgbClr val="0070C0"/>
+                        </a:solidFill>
+                        <a:latin typeface="Cambria Math" panose="02040503050406030204" pitchFamily="18" charset="0"/>
+                      </a:rPr>
+                      <m:t>ρ</m:t>
+                    </m:r>
+                  </m:oMath>
+                </a14:m>
+                <a:endParaRPr lang="fr-FR" sz="2800" dirty="0">
+                  <a:solidFill>
+                    <a:srgbClr val="0070C0"/>
+                  </a:solidFill>
+                </a:endParaRPr>
+              </a:p>
+            </p:txBody>
+          </p:sp>
+        </mc:Choice>
+        <mc:Fallback xmlns="">
+          <p:sp>
+            <p:nvSpPr>
+              <p:cNvPr id="82" name="ZoneTexte 81">
+                <a:extLst>
+                  <a:ext uri="{FF2B5EF4-FFF2-40B4-BE49-F238E27FC236}">
+                    <a16:creationId xmlns:a16="http://schemas.microsoft.com/office/drawing/2014/main" id="{09CD60F4-CD7A-4687-8690-21B291D18DE4}"/>
+                  </a:ext>
+                </a:extLst>
+              </p:cNvPr>
+              <p:cNvSpPr txBox="1">
+                <a:spLocks noRot="1" noChangeAspect="1" noMove="1" noResize="1" noEditPoints="1" noAdjustHandles="1" noChangeArrowheads="1" noChangeShapeType="1" noTextEdit="1"/>
+              </p:cNvSpPr>
+              <p:nvPr/>
+            </p:nvSpPr>
+            <p:spPr>
+              <a:xfrm>
+                <a:off x="31316" y="12455388"/>
+                <a:ext cx="6156524" cy="1384995"/>
+              </a:xfrm>
+              <a:prstGeom prst="rect">
+                <a:avLst/>
+              </a:prstGeom>
+              <a:blipFill>
+                <a:blip r:embed="rId12"/>
+                <a:stretch>
+                  <a:fillRect l="-1980" t="-3965" r="-2079" b="-11894"/>
+                </a:stretch>
+              </a:blipFill>
+            </p:spPr>
+            <p:txBody>
+              <a:bodyPr/>
+              <a:lstStyle/>
+              <a:p>
+                <a:r>
+                  <a:rPr lang="fr-FR">
+                    <a:noFill/>
+                  </a:rPr>
+                  <a:t> </a:t>
+                </a:r>
+              </a:p>
+            </p:txBody>
+          </p:sp>
+        </mc:Fallback>
+      </mc:AlternateContent>
+      <p:sp>
+        <p:nvSpPr>
+          <p:cNvPr id="86" name="ZoneTexte 85">
+            <a:extLst>
+              <a:ext uri="{FF2B5EF4-FFF2-40B4-BE49-F238E27FC236}">
+                <a16:creationId xmlns:a16="http://schemas.microsoft.com/office/drawing/2014/main" id="{809E4D67-56E2-4B27-97CE-2ECA74136433}"/>
+              </a:ext>
+            </a:extLst>
+          </p:cNvPr>
+          <p:cNvSpPr txBox="1"/>
+          <p:nvPr/>
+        </p:nvSpPr>
+        <p:spPr>
+          <a:xfrm>
+            <a:off x="1805625" y="17416786"/>
+            <a:ext cx="7741262" cy="1384995"/>
+          </a:xfrm>
+          <a:prstGeom prst="rect">
+            <a:avLst/>
+          </a:prstGeom>
+          <a:noFill/>
+        </p:spPr>
+        <p:txBody>
+          <a:bodyPr wrap="square" rtlCol="0">
+            <a:spAutoFit/>
+          </a:bodyPr>
+          <a:lstStyle/>
+          <a:p>
+            <a:r>
+              <a:rPr lang="en-US" sz="2800" dirty="0"/>
+              <a:t>Where </a:t>
+            </a:r>
+            <a:r>
+              <a:rPr lang="en-US" sz="2800" b="1" dirty="0"/>
+              <a:t>S</a:t>
+            </a:r>
+            <a:r>
+              <a:rPr lang="en-US" sz="2800" dirty="0"/>
+              <a:t> is the </a:t>
+            </a:r>
+            <a:r>
+              <a:rPr lang="en-US" sz="2800" b="1" dirty="0"/>
+              <a:t>set </a:t>
+            </a:r>
+            <a:r>
+              <a:rPr lang="en-US" sz="2800" dirty="0"/>
+              <a:t>of</a:t>
+            </a:r>
+            <a:r>
+              <a:rPr lang="en-US" sz="2800" b="1" dirty="0"/>
+              <a:t> lines </a:t>
+            </a:r>
+            <a:r>
+              <a:rPr lang="en-US" sz="2800" dirty="0"/>
+              <a:t>that </a:t>
+            </a:r>
+            <a:r>
+              <a:rPr lang="en-US" sz="2800" b="1" dirty="0"/>
+              <a:t>intersect</a:t>
+            </a:r>
+            <a:r>
+              <a:rPr lang="en-US" sz="2800" dirty="0"/>
+              <a:t> the </a:t>
+            </a:r>
+            <a:r>
+              <a:rPr lang="en-US" sz="2800" b="1" dirty="0"/>
+              <a:t>curve</a:t>
+            </a:r>
+          </a:p>
+          <a:p>
+            <a:r>
+              <a:rPr lang="en-US" sz="2800" dirty="0"/>
+              <a:t>→ Count with multiplicity </a:t>
+            </a:r>
+          </a:p>
+          <a:p>
+            <a:r>
+              <a:rPr lang="en-US" sz="2800" i="1" dirty="0"/>
+              <a:t>(i.e. if a line intersects twice, put it in the set S twice)</a:t>
+            </a:r>
+          </a:p>
+        </p:txBody>
+      </p:sp>
+      <p:sp>
+        <p:nvSpPr>
+          <p:cNvPr id="87" name="ZoneTexte 86">
+            <a:extLst>
+              <a:ext uri="{FF2B5EF4-FFF2-40B4-BE49-F238E27FC236}">
+                <a16:creationId xmlns:a16="http://schemas.microsoft.com/office/drawing/2014/main" id="{B9949F80-6EFA-4451-ABFA-82FBC94E9E44}"/>
+              </a:ext>
+            </a:extLst>
+          </p:cNvPr>
+          <p:cNvSpPr txBox="1"/>
+          <p:nvPr/>
+        </p:nvSpPr>
+        <p:spPr>
+          <a:xfrm>
+            <a:off x="164180" y="14868192"/>
+            <a:ext cx="4252383" cy="584775"/>
+          </a:xfrm>
+          <a:prstGeom prst="rect">
+            <a:avLst/>
+          </a:prstGeom>
+          <a:noFill/>
+        </p:spPr>
+        <p:txBody>
+          <a:bodyPr wrap="none" rtlCol="0">
+            <a:spAutoFit/>
+          </a:bodyPr>
+          <a:lstStyle/>
+          <a:p>
+            <a:r>
+              <a:rPr lang="en-US" sz="3200" dirty="0"/>
+              <a:t>For any curve in a plane:</a:t>
+            </a:r>
+          </a:p>
+        </p:txBody>
+      </p:sp>
+      <p:cxnSp>
+        <p:nvCxnSpPr>
+          <p:cNvPr id="113" name="Connecteur droit avec flèche 112">
+            <a:extLst>
+              <a:ext uri="{FF2B5EF4-FFF2-40B4-BE49-F238E27FC236}">
+                <a16:creationId xmlns:a16="http://schemas.microsoft.com/office/drawing/2014/main" id="{70CC2282-9000-4303-B4AC-40EECFEDE0F1}"/>
+              </a:ext>
+            </a:extLst>
+          </p:cNvPr>
+          <p:cNvCxnSpPr>
+            <a:cxnSpLocks/>
+          </p:cNvCxnSpPr>
+          <p:nvPr/>
+        </p:nvCxnSpPr>
+        <p:spPr>
+          <a:xfrm flipH="1" flipV="1">
+            <a:off x="2562972" y="16533523"/>
+            <a:ext cx="370591" cy="855523"/>
+          </a:xfrm>
+          <a:prstGeom prst="straightConnector1">
+            <a:avLst/>
+          </a:prstGeom>
+          <a:ln w="50800">
+            <a:solidFill>
+              <a:schemeClr val="tx1"/>
+            </a:solidFill>
+            <a:tailEnd type="triangle"/>
+          </a:ln>
+        </p:spPr>
+        <p:style>
+          <a:lnRef idx="1">
+            <a:schemeClr val="accent1"/>
+          </a:lnRef>
+          <a:fillRef idx="0">
+            <a:schemeClr val="accent1"/>
+          </a:fillRef>
+          <a:effectRef idx="0">
+            <a:schemeClr val="accent1"/>
+          </a:effectRef>
+          <a:fontRef idx="minor">
+            <a:schemeClr val="tx1"/>
+          </a:fontRef>
+        </p:style>
+      </p:cxnSp>
+      <p:grpSp>
+        <p:nvGrpSpPr>
+          <p:cNvPr id="254" name="Groupe 253">
+            <a:extLst>
+              <a:ext uri="{FF2B5EF4-FFF2-40B4-BE49-F238E27FC236}">
+                <a16:creationId xmlns:a16="http://schemas.microsoft.com/office/drawing/2014/main" id="{DF6F259B-183F-4535-A889-2B04B8D38F06}"/>
+              </a:ext>
+            </a:extLst>
+          </p:cNvPr>
+          <p:cNvGrpSpPr/>
+          <p:nvPr/>
+        </p:nvGrpSpPr>
+        <p:grpSpPr>
+          <a:xfrm>
+            <a:off x="5798579" y="10045657"/>
+            <a:ext cx="4033439" cy="2850840"/>
+            <a:chOff x="5798579" y="8983847"/>
+            <a:chExt cx="4033439" cy="2850840"/>
+          </a:xfrm>
+        </p:grpSpPr>
+        <p:cxnSp>
+          <p:nvCxnSpPr>
+            <p:cNvPr id="35" name="Connecteur droit 34">
+              <a:extLst>
+                <a:ext uri="{FF2B5EF4-FFF2-40B4-BE49-F238E27FC236}">
+                  <a16:creationId xmlns:a16="http://schemas.microsoft.com/office/drawing/2014/main" id="{22FC587B-8A8C-47A0-97EB-363263443961}"/>
+                </a:ext>
+              </a:extLst>
+            </p:cNvPr>
+            <p:cNvCxnSpPr/>
+            <p:nvPr/>
+          </p:nvCxnSpPr>
+          <p:spPr>
+            <a:xfrm>
+              <a:off x="6554431" y="9556871"/>
+              <a:ext cx="3242984" cy="0"/>
+            </a:xfrm>
+            <a:prstGeom prst="line">
+              <a:avLst/>
+            </a:prstGeom>
+            <a:ln w="38100">
+              <a:gradFill>
+                <a:gsLst>
+                  <a:gs pos="0">
+                    <a:srgbClr val="0070C0"/>
+                  </a:gs>
+                  <a:gs pos="83000">
+                    <a:srgbClr val="0070C0">
+                      <a:alpha val="80000"/>
+                      <a:lumMod val="85000"/>
+                      <a:lumOff val="15000"/>
+                    </a:srgbClr>
+                  </a:gs>
+                  <a:gs pos="100000">
+                    <a:srgbClr val="0070C0">
+                      <a:alpha val="0"/>
+                    </a:srgbClr>
+                  </a:gs>
+                </a:gsLst>
+                <a:lin ang="0" scaled="0"/>
+              </a:gradFill>
+            </a:ln>
+          </p:spPr>
+          <p:style>
+            <a:lnRef idx="1">
+              <a:schemeClr val="accent1"/>
+            </a:lnRef>
+            <a:fillRef idx="0">
+              <a:schemeClr val="accent1"/>
+            </a:fillRef>
+            <a:effectRef idx="0">
+              <a:schemeClr val="accent1"/>
+            </a:effectRef>
+            <a:fontRef idx="minor">
+              <a:schemeClr val="tx1"/>
+            </a:fontRef>
+          </p:style>
+        </p:cxnSp>
+        <p:sp>
+          <p:nvSpPr>
+            <p:cNvPr id="29" name="Rectangle 28">
+              <a:extLst>
+                <a:ext uri="{FF2B5EF4-FFF2-40B4-BE49-F238E27FC236}">
+                  <a16:creationId xmlns:a16="http://schemas.microsoft.com/office/drawing/2014/main" id="{E7AFB94D-4F00-4466-BA9B-6F75D71AFE9B}"/>
+                </a:ext>
+              </a:extLst>
+            </p:cNvPr>
+            <p:cNvSpPr/>
+            <p:nvPr/>
+          </p:nvSpPr>
+          <p:spPr>
+            <a:xfrm>
+              <a:off x="6554431" y="9556871"/>
+              <a:ext cx="3277587" cy="1511619"/>
+            </a:xfrm>
+            <a:prstGeom prst="rect">
+              <a:avLst/>
+            </a:prstGeom>
+            <a:gradFill flip="none" rotWithShape="1">
+              <a:gsLst>
+                <a:gs pos="100000">
+                  <a:srgbClr val="1B7FC7">
+                    <a:alpha val="0"/>
+                  </a:srgbClr>
+                </a:gs>
+                <a:gs pos="79000">
+                  <a:srgbClr val="358ECD">
+                    <a:alpha val="16078"/>
+                  </a:srgbClr>
+                </a:gs>
+                <a:gs pos="0">
+                  <a:srgbClr val="0070C0">
+                    <a:alpha val="36078"/>
+                  </a:srgbClr>
+                </a:gs>
+              </a:gsLst>
+              <a:lin ang="0" scaled="1"/>
+              <a:tileRect/>
+            </a:gradFill>
+            <a:ln>
+              <a:noFill/>
+            </a:ln>
+          </p:spPr>
+          <p:style>
+            <a:lnRef idx="2">
+              <a:schemeClr val="accent1">
+                <a:shade val="50000"/>
+              </a:schemeClr>
+            </a:lnRef>
+            <a:fillRef idx="1">
+              <a:schemeClr val="accent1"/>
+            </a:fillRef>
+            <a:effectRef idx="0">
+              <a:schemeClr val="accent1"/>
+            </a:effectRef>
+            <a:fontRef idx="minor">
+              <a:schemeClr val="lt1"/>
+            </a:fontRef>
+          </p:style>
+          <p:txBody>
+            <a:bodyPr rtlCol="0" anchor="ctr"/>
+            <a:lstStyle/>
+            <a:p>
+              <a:pPr algn="ctr"/>
+              <a:endParaRPr lang="fr-FR" dirty="0"/>
+            </a:p>
+          </p:txBody>
+        </p:sp>
+        <p:sp>
+          <p:nvSpPr>
+            <p:cNvPr id="100" name="ZoneTexte 99">
+              <a:extLst>
+                <a:ext uri="{FF2B5EF4-FFF2-40B4-BE49-F238E27FC236}">
+                  <a16:creationId xmlns:a16="http://schemas.microsoft.com/office/drawing/2014/main" id="{1D316B67-C30B-44FF-A367-6A04642F6D56}"/>
+                </a:ext>
+              </a:extLst>
+            </p:cNvPr>
+            <p:cNvSpPr txBox="1"/>
+            <p:nvPr/>
+          </p:nvSpPr>
+          <p:spPr>
+            <a:xfrm>
+              <a:off x="7599791" y="10314537"/>
+              <a:ext cx="352982" cy="461665"/>
+            </a:xfrm>
+            <a:prstGeom prst="rect">
+              <a:avLst/>
+            </a:prstGeom>
+            <a:noFill/>
+          </p:spPr>
+          <p:txBody>
+            <a:bodyPr wrap="none" rtlCol="0">
+              <a:spAutoFit/>
+            </a:bodyPr>
+            <a:lstStyle/>
+            <a:p>
+              <a:r>
+                <a:rPr lang="el-GR" sz="2400" b="1" dirty="0">
+                  <a:solidFill>
+                    <a:srgbClr val="7030A0"/>
+                  </a:solidFill>
+                </a:rPr>
+                <a:t>θ</a:t>
+              </a:r>
+              <a:endParaRPr lang="fr-FR" b="1" dirty="0">
+                <a:solidFill>
+                  <a:srgbClr val="7030A0"/>
+                </a:solidFill>
+              </a:endParaRPr>
+            </a:p>
+          </p:txBody>
+        </p:sp>
+        <p:sp>
+          <p:nvSpPr>
+            <p:cNvPr id="102" name="ZoneTexte 101">
+              <a:extLst>
+                <a:ext uri="{FF2B5EF4-FFF2-40B4-BE49-F238E27FC236}">
+                  <a16:creationId xmlns:a16="http://schemas.microsoft.com/office/drawing/2014/main" id="{05CCA762-BD73-48BA-B723-2307CE50998D}"/>
+                </a:ext>
+              </a:extLst>
+            </p:cNvPr>
+            <p:cNvSpPr txBox="1"/>
+            <p:nvPr/>
+          </p:nvSpPr>
+          <p:spPr>
+            <a:xfrm>
+              <a:off x="6838137" y="9829420"/>
+              <a:ext cx="348172" cy="461665"/>
+            </a:xfrm>
+            <a:prstGeom prst="rect">
+              <a:avLst/>
+            </a:prstGeom>
+            <a:noFill/>
+            <a:effectLst>
+              <a:glow rad="63500">
+                <a:schemeClr val="accent4">
+                  <a:satMod val="175000"/>
+                  <a:alpha val="40000"/>
+                </a:schemeClr>
+              </a:glow>
+            </a:effectLst>
+          </p:spPr>
+          <p:txBody>
+            <a:bodyPr wrap="none" rtlCol="0">
+              <a:spAutoFit/>
+            </a:bodyPr>
+            <a:lstStyle/>
+            <a:p>
+              <a:r>
+                <a:rPr lang="el-GR" sz="2400" b="1" dirty="0">
+                  <a:solidFill>
+                    <a:srgbClr val="FFC000"/>
+                  </a:solidFill>
+                </a:rPr>
+                <a:t>ρ</a:t>
+              </a:r>
+              <a:endParaRPr lang="fr-FR" b="1" dirty="0">
+                <a:solidFill>
+                  <a:srgbClr val="FFC000"/>
+                </a:solidFill>
+              </a:endParaRPr>
+            </a:p>
+          </p:txBody>
+        </p:sp>
+        <p:cxnSp>
+          <p:nvCxnSpPr>
+            <p:cNvPr id="78" name="Connecteur droit avec flèche 77">
+              <a:extLst>
+                <a:ext uri="{FF2B5EF4-FFF2-40B4-BE49-F238E27FC236}">
+                  <a16:creationId xmlns:a16="http://schemas.microsoft.com/office/drawing/2014/main" id="{973141D3-8764-445C-BF35-15B54C972CE5}"/>
+                </a:ext>
+              </a:extLst>
+            </p:cNvPr>
+            <p:cNvCxnSpPr>
+              <a:cxnSpLocks/>
+            </p:cNvCxnSpPr>
+            <p:nvPr/>
+          </p:nvCxnSpPr>
+          <p:spPr>
+            <a:xfrm flipH="1" flipV="1">
+              <a:off x="6554431" y="8983847"/>
+              <a:ext cx="1" cy="2850840"/>
+            </a:xfrm>
+            <a:prstGeom prst="straightConnector1">
+              <a:avLst/>
+            </a:prstGeom>
+            <a:ln w="28575">
+              <a:solidFill>
+                <a:schemeClr val="tx1"/>
+              </a:solidFill>
+              <a:headEnd type="none" w="med" len="med"/>
+              <a:tailEnd type="arrow" w="med" len="med"/>
+            </a:ln>
+          </p:spPr>
+          <p:style>
+            <a:lnRef idx="1">
+              <a:schemeClr val="accent1"/>
+            </a:lnRef>
+            <a:fillRef idx="0">
+              <a:schemeClr val="accent1"/>
+            </a:fillRef>
+            <a:effectRef idx="0">
+              <a:schemeClr val="accent1"/>
+            </a:effectRef>
+            <a:fontRef idx="minor">
+              <a:schemeClr val="tx1"/>
+            </a:fontRef>
+          </p:style>
+        </p:cxnSp>
+        <p:cxnSp>
+          <p:nvCxnSpPr>
+            <p:cNvPr id="79" name="Connecteur droit avec flèche 78">
+              <a:extLst>
+                <a:ext uri="{FF2B5EF4-FFF2-40B4-BE49-F238E27FC236}">
+                  <a16:creationId xmlns:a16="http://schemas.microsoft.com/office/drawing/2014/main" id="{6DB99ECD-614E-4502-89F5-B547664AD607}"/>
+                </a:ext>
+              </a:extLst>
+            </p:cNvPr>
+            <p:cNvCxnSpPr>
+              <a:cxnSpLocks/>
+            </p:cNvCxnSpPr>
+            <p:nvPr/>
+          </p:nvCxnSpPr>
+          <p:spPr>
+            <a:xfrm>
+              <a:off x="5798579" y="11068495"/>
+              <a:ext cx="3927984" cy="0"/>
+            </a:xfrm>
+            <a:prstGeom prst="straightConnector1">
+              <a:avLst/>
+            </a:prstGeom>
+            <a:ln w="28575">
+              <a:solidFill>
+                <a:schemeClr val="tx1"/>
+              </a:solidFill>
+              <a:headEnd type="none" w="med" len="med"/>
+              <a:tailEnd type="arrow" w="med" len="med"/>
+            </a:ln>
+          </p:spPr>
+          <p:style>
+            <a:lnRef idx="1">
+              <a:schemeClr val="accent1"/>
+            </a:lnRef>
+            <a:fillRef idx="0">
+              <a:schemeClr val="accent1"/>
+            </a:fillRef>
+            <a:effectRef idx="0">
+              <a:schemeClr val="accent1"/>
+            </a:effectRef>
+            <a:fontRef idx="minor">
+              <a:schemeClr val="tx1"/>
+            </a:fontRef>
+          </p:style>
+        </p:cxnSp>
+        <p:sp>
+          <p:nvSpPr>
+            <p:cNvPr id="36" name="Ellipse 35">
+              <a:extLst>
+                <a:ext uri="{FF2B5EF4-FFF2-40B4-BE49-F238E27FC236}">
+                  <a16:creationId xmlns:a16="http://schemas.microsoft.com/office/drawing/2014/main" id="{BCFEEFE2-B971-46A1-8E94-17D4D072E344}"/>
+                </a:ext>
+              </a:extLst>
+            </p:cNvPr>
+            <p:cNvSpPr/>
+            <p:nvPr/>
+          </p:nvSpPr>
+          <p:spPr>
+            <a:xfrm>
+              <a:off x="7524790" y="9867342"/>
+              <a:ext cx="151568" cy="151568"/>
+            </a:xfrm>
+            <a:prstGeom prst="ellipse">
+              <a:avLst/>
+            </a:prstGeom>
+            <a:solidFill>
+              <a:srgbClr val="C00000"/>
+            </a:solidFill>
+            <a:ln w="28575">
+              <a:solidFill>
+                <a:srgbClr val="C00000"/>
+              </a:solidFill>
+            </a:ln>
+          </p:spPr>
+          <p:style>
+            <a:lnRef idx="2">
+              <a:schemeClr val="accent1">
+                <a:shade val="50000"/>
+              </a:schemeClr>
+            </a:lnRef>
+            <a:fillRef idx="1">
+              <a:schemeClr val="accent1"/>
+            </a:fillRef>
+            <a:effectRef idx="0">
+              <a:schemeClr val="accent1"/>
+            </a:effectRef>
+            <a:fontRef idx="minor">
+              <a:schemeClr val="lt1"/>
+            </a:fontRef>
+          </p:style>
+          <p:txBody>
+            <a:bodyPr rtlCol="0" anchor="ctr"/>
+            <a:lstStyle/>
+            <a:p>
+              <a:pPr algn="ctr"/>
+              <a:endParaRPr lang="fr-FR"/>
+            </a:p>
+          </p:txBody>
+        </p:sp>
+        <p:cxnSp>
+          <p:nvCxnSpPr>
+            <p:cNvPr id="93" name="Connecteur droit avec flèche 92">
+              <a:extLst>
+                <a:ext uri="{FF2B5EF4-FFF2-40B4-BE49-F238E27FC236}">
+                  <a16:creationId xmlns:a16="http://schemas.microsoft.com/office/drawing/2014/main" id="{3D90ADA6-E29D-4356-968E-8888CC99887C}"/>
+                </a:ext>
+              </a:extLst>
+            </p:cNvPr>
+            <p:cNvCxnSpPr>
+              <a:cxnSpLocks/>
+            </p:cNvCxnSpPr>
+            <p:nvPr/>
+          </p:nvCxnSpPr>
+          <p:spPr>
+            <a:xfrm flipH="1">
+              <a:off x="6564630" y="9943127"/>
+              <a:ext cx="944881" cy="0"/>
+            </a:xfrm>
+            <a:prstGeom prst="straightConnector1">
+              <a:avLst/>
+            </a:prstGeom>
+            <a:ln w="50800">
+              <a:solidFill>
+                <a:srgbClr val="FFC000"/>
+              </a:solidFill>
+              <a:headEnd type="triangle"/>
+              <a:tailEnd type="triangle"/>
+            </a:ln>
+            <a:effectLst>
+              <a:glow rad="38100">
+                <a:schemeClr val="accent4">
+                  <a:satMod val="175000"/>
+                  <a:alpha val="50000"/>
+                </a:schemeClr>
+              </a:glow>
+            </a:effectLst>
+          </p:spPr>
+          <p:style>
+            <a:lnRef idx="1">
+              <a:schemeClr val="accent1"/>
+            </a:lnRef>
+            <a:fillRef idx="0">
+              <a:schemeClr val="accent1"/>
+            </a:fillRef>
+            <a:effectRef idx="0">
+              <a:schemeClr val="accent1"/>
+            </a:effectRef>
+            <a:fontRef idx="minor">
+              <a:schemeClr val="tx1"/>
+            </a:fontRef>
+          </p:style>
+        </p:cxnSp>
+        <p:cxnSp>
+          <p:nvCxnSpPr>
+            <p:cNvPr id="40" name="Connecteur droit avec flèche 39">
+              <a:extLst>
+                <a:ext uri="{FF2B5EF4-FFF2-40B4-BE49-F238E27FC236}">
+                  <a16:creationId xmlns:a16="http://schemas.microsoft.com/office/drawing/2014/main" id="{9E5D5102-5E17-48FB-A494-17F2AFF6A9C2}"/>
+                </a:ext>
+              </a:extLst>
+            </p:cNvPr>
+            <p:cNvCxnSpPr>
+              <a:cxnSpLocks/>
+            </p:cNvCxnSpPr>
+            <p:nvPr/>
+          </p:nvCxnSpPr>
+          <p:spPr>
+            <a:xfrm>
+              <a:off x="7599359" y="10031509"/>
+              <a:ext cx="432" cy="1023073"/>
+            </a:xfrm>
+            <a:prstGeom prst="straightConnector1">
+              <a:avLst/>
+            </a:prstGeom>
+            <a:ln w="50800">
+              <a:solidFill>
+                <a:srgbClr val="7030A0"/>
+              </a:solidFill>
+              <a:headEnd type="triangle"/>
+              <a:tailEnd type="triangle"/>
+            </a:ln>
+            <a:effectLst>
+              <a:glow rad="38100">
+                <a:srgbClr val="7030A0">
+                  <a:alpha val="50000"/>
+                </a:srgbClr>
+              </a:glow>
+            </a:effectLst>
+          </p:spPr>
+          <p:style>
+            <a:lnRef idx="1">
+              <a:schemeClr val="accent1"/>
+            </a:lnRef>
+            <a:fillRef idx="0">
+              <a:schemeClr val="accent1"/>
+            </a:fillRef>
+            <a:effectRef idx="0">
+              <a:schemeClr val="accent1"/>
+            </a:effectRef>
+            <a:fontRef idx="minor">
+              <a:schemeClr val="tx1"/>
+            </a:fontRef>
+          </p:style>
+        </p:cxnSp>
+      </p:grpSp>
+      <p:sp>
+        <p:nvSpPr>
+          <p:cNvPr id="108" name="ZoneTexte 107">
+            <a:extLst>
+              <a:ext uri="{FF2B5EF4-FFF2-40B4-BE49-F238E27FC236}">
+                <a16:creationId xmlns:a16="http://schemas.microsoft.com/office/drawing/2014/main" id="{A088DB1D-AB49-4AE8-925E-F9FDC491F27D}"/>
+              </a:ext>
+            </a:extLst>
+          </p:cNvPr>
+          <p:cNvSpPr txBox="1"/>
+          <p:nvPr/>
+        </p:nvSpPr>
+        <p:spPr>
+          <a:xfrm>
+            <a:off x="39357" y="18847792"/>
+            <a:ext cx="9925396" cy="1815882"/>
+          </a:xfrm>
+          <a:prstGeom prst="rect">
+            <a:avLst/>
+          </a:prstGeom>
+          <a:noFill/>
+        </p:spPr>
+        <p:txBody>
+          <a:bodyPr wrap="square" rtlCol="0">
+            <a:spAutoFit/>
+          </a:bodyPr>
+          <a:lstStyle/>
+          <a:p>
+            <a:pPr algn="just"/>
+            <a:r>
+              <a:rPr lang="en-US" sz="2800" u="sng" dirty="0">
+                <a:solidFill>
+                  <a:schemeClr val="tx1">
+                    <a:lumMod val="75000"/>
+                    <a:lumOff val="25000"/>
+                  </a:schemeClr>
+                </a:solidFill>
+              </a:rPr>
+              <a:t>Note:</a:t>
+            </a:r>
+            <a:r>
+              <a:rPr lang="en-US" sz="2800" dirty="0">
+                <a:solidFill>
+                  <a:schemeClr val="tx1">
+                    <a:lumMod val="75000"/>
+                    <a:lumOff val="25000"/>
+                  </a:schemeClr>
+                </a:solidFill>
+              </a:rPr>
+              <a:t> As we represent the lines by points in a plane, the set S of lines that intersect the curve becomes a set of points, thus a region in a plane. We can then integrate in two dimensions over this region of the plane.</a:t>
+            </a:r>
+          </a:p>
+        </p:txBody>
+      </p:sp>
+      <p:grpSp>
+        <p:nvGrpSpPr>
+          <p:cNvPr id="9" name="Groupe 8">
+            <a:extLst>
+              <a:ext uri="{FF2B5EF4-FFF2-40B4-BE49-F238E27FC236}">
+                <a16:creationId xmlns:a16="http://schemas.microsoft.com/office/drawing/2014/main" id="{610CEC8C-36A9-4D77-AF31-671FB3706C33}"/>
+              </a:ext>
+            </a:extLst>
+          </p:cNvPr>
+          <p:cNvGrpSpPr/>
+          <p:nvPr/>
+        </p:nvGrpSpPr>
+        <p:grpSpPr>
+          <a:xfrm>
+            <a:off x="12497214" y="4456874"/>
+            <a:ext cx="2160000" cy="1944000"/>
+            <a:chOff x="12838665" y="3361784"/>
+            <a:chExt cx="2160000" cy="1944000"/>
+          </a:xfrm>
+        </p:grpSpPr>
+        <p:cxnSp>
+          <p:nvCxnSpPr>
+            <p:cNvPr id="164" name="Connecteur droit 163">
+              <a:extLst>
+                <a:ext uri="{FF2B5EF4-FFF2-40B4-BE49-F238E27FC236}">
+                  <a16:creationId xmlns:a16="http://schemas.microsoft.com/office/drawing/2014/main" id="{17A30AAE-6760-4133-9770-5FC9F9C593DB}"/>
+                </a:ext>
+              </a:extLst>
+            </p:cNvPr>
+            <p:cNvCxnSpPr>
+              <a:cxnSpLocks/>
+            </p:cNvCxnSpPr>
+            <p:nvPr/>
+          </p:nvCxnSpPr>
+          <p:spPr>
+            <a:xfrm rot="18000000" flipH="1">
+              <a:off x="13135063" y="4521640"/>
+              <a:ext cx="1080000" cy="0"/>
+            </a:xfrm>
+            <a:prstGeom prst="line">
+              <a:avLst/>
+            </a:prstGeom>
+            <a:ln w="76200" cap="rnd">
+              <a:solidFill>
+                <a:srgbClr val="00B0F0"/>
+              </a:solidFill>
+            </a:ln>
+          </p:spPr>
+          <p:style>
+            <a:lnRef idx="1">
+              <a:schemeClr val="accent1"/>
+            </a:lnRef>
+            <a:fillRef idx="0">
+              <a:schemeClr val="accent1"/>
+            </a:fillRef>
+            <a:effectRef idx="0">
+              <a:schemeClr val="accent1"/>
+            </a:effectRef>
+            <a:fontRef idx="minor">
+              <a:schemeClr val="tx1"/>
+            </a:fontRef>
+          </p:style>
+        </p:cxnSp>
+        <p:cxnSp>
+          <p:nvCxnSpPr>
+            <p:cNvPr id="159" name="Connecteur droit avec flèche 158">
+              <a:extLst>
+                <a:ext uri="{FF2B5EF4-FFF2-40B4-BE49-F238E27FC236}">
+                  <a16:creationId xmlns:a16="http://schemas.microsoft.com/office/drawing/2014/main" id="{B5D0BC33-7DD3-4AA8-BE08-FDD73CD62C0B}"/>
+                </a:ext>
+              </a:extLst>
+            </p:cNvPr>
+            <p:cNvCxnSpPr>
+              <a:cxnSpLocks/>
+            </p:cNvCxnSpPr>
+            <p:nvPr/>
+          </p:nvCxnSpPr>
+          <p:spPr>
+            <a:xfrm flipH="1" flipV="1">
+              <a:off x="13374602" y="3361784"/>
+              <a:ext cx="0" cy="1944000"/>
+            </a:xfrm>
+            <a:prstGeom prst="straightConnector1">
+              <a:avLst/>
+            </a:prstGeom>
+            <a:ln w="28575">
+              <a:solidFill>
+                <a:schemeClr val="tx1"/>
+              </a:solidFill>
+              <a:headEnd type="none" w="med" len="med"/>
+              <a:tailEnd type="arrow" w="med" len="med"/>
+            </a:ln>
+          </p:spPr>
+          <p:style>
+            <a:lnRef idx="1">
+              <a:schemeClr val="accent1"/>
+            </a:lnRef>
+            <a:fillRef idx="0">
+              <a:schemeClr val="accent1"/>
+            </a:fillRef>
+            <a:effectRef idx="0">
+              <a:schemeClr val="accent1"/>
+            </a:effectRef>
+            <a:fontRef idx="minor">
+              <a:schemeClr val="tx1"/>
+            </a:fontRef>
+          </p:style>
+        </p:cxnSp>
+        <p:cxnSp>
+          <p:nvCxnSpPr>
+            <p:cNvPr id="160" name="Connecteur droit avec flèche 159">
+              <a:extLst>
+                <a:ext uri="{FF2B5EF4-FFF2-40B4-BE49-F238E27FC236}">
+                  <a16:creationId xmlns:a16="http://schemas.microsoft.com/office/drawing/2014/main" id="{9826E9FB-0426-4CFC-AECA-DD2C6503DABF}"/>
+                </a:ext>
+              </a:extLst>
+            </p:cNvPr>
+            <p:cNvCxnSpPr>
+              <a:cxnSpLocks/>
+            </p:cNvCxnSpPr>
+            <p:nvPr/>
+          </p:nvCxnSpPr>
+          <p:spPr>
+            <a:xfrm>
+              <a:off x="12838665" y="5019552"/>
+              <a:ext cx="2160000" cy="0"/>
+            </a:xfrm>
+            <a:prstGeom prst="straightConnector1">
+              <a:avLst/>
+            </a:prstGeom>
+            <a:ln w="28575">
+              <a:solidFill>
+                <a:schemeClr val="tx1"/>
+              </a:solidFill>
+              <a:headEnd type="none" w="med" len="med"/>
+              <a:tailEnd type="arrow" w="med" len="med"/>
+            </a:ln>
+          </p:spPr>
+          <p:style>
+            <a:lnRef idx="1">
+              <a:schemeClr val="accent1"/>
+            </a:lnRef>
+            <a:fillRef idx="0">
+              <a:schemeClr val="accent1"/>
+            </a:fillRef>
+            <a:effectRef idx="0">
+              <a:schemeClr val="accent1"/>
+            </a:effectRef>
+            <a:fontRef idx="minor">
+              <a:schemeClr val="tx1"/>
+            </a:fontRef>
+          </p:style>
+        </p:cxnSp>
+      </p:grpSp>
+      <p:grpSp>
+        <p:nvGrpSpPr>
+          <p:cNvPr id="8" name="Groupe 7">
+            <a:extLst>
+              <a:ext uri="{FF2B5EF4-FFF2-40B4-BE49-F238E27FC236}">
+                <a16:creationId xmlns:a16="http://schemas.microsoft.com/office/drawing/2014/main" id="{EF5B7DB7-8208-4EF0-8ACA-0E9B1DA3A2D3}"/>
+              </a:ext>
+            </a:extLst>
+          </p:cNvPr>
+          <p:cNvGrpSpPr/>
+          <p:nvPr/>
+        </p:nvGrpSpPr>
+        <p:grpSpPr>
+          <a:xfrm>
+            <a:off x="10249676" y="4410510"/>
+            <a:ext cx="2160000" cy="1980000"/>
+            <a:chOff x="10382784" y="3315420"/>
+            <a:chExt cx="2160000" cy="1980000"/>
+          </a:xfrm>
+        </p:grpSpPr>
+        <p:cxnSp>
+          <p:nvCxnSpPr>
+            <p:cNvPr id="133" name="Connecteur droit avec flèche 132">
+              <a:extLst>
+                <a:ext uri="{FF2B5EF4-FFF2-40B4-BE49-F238E27FC236}">
+                  <a16:creationId xmlns:a16="http://schemas.microsoft.com/office/drawing/2014/main" id="{87D54ACF-05D1-44FB-8740-BD5FB60C78BA}"/>
+                </a:ext>
+              </a:extLst>
+            </p:cNvPr>
+            <p:cNvCxnSpPr>
+              <a:cxnSpLocks/>
+            </p:cNvCxnSpPr>
+            <p:nvPr/>
+          </p:nvCxnSpPr>
+          <p:spPr>
+            <a:xfrm flipH="1" flipV="1">
+              <a:off x="10918720" y="3315420"/>
+              <a:ext cx="0" cy="1980000"/>
+            </a:xfrm>
+            <a:prstGeom prst="straightConnector1">
+              <a:avLst/>
+            </a:prstGeom>
+            <a:ln w="28575">
+              <a:solidFill>
+                <a:schemeClr val="tx1"/>
+              </a:solidFill>
+              <a:headEnd type="none" w="med" len="med"/>
+              <a:tailEnd type="arrow" w="med" len="med"/>
+            </a:ln>
+          </p:spPr>
+          <p:style>
+            <a:lnRef idx="1">
+              <a:schemeClr val="accent1"/>
+            </a:lnRef>
+            <a:fillRef idx="0">
+              <a:schemeClr val="accent1"/>
+            </a:fillRef>
+            <a:effectRef idx="0">
+              <a:schemeClr val="accent1"/>
+            </a:effectRef>
+            <a:fontRef idx="minor">
+              <a:schemeClr val="tx1"/>
+            </a:fontRef>
+          </p:style>
+        </p:cxnSp>
+        <p:cxnSp>
+          <p:nvCxnSpPr>
+            <p:cNvPr id="134" name="Connecteur droit avec flèche 133">
+              <a:extLst>
+                <a:ext uri="{FF2B5EF4-FFF2-40B4-BE49-F238E27FC236}">
+                  <a16:creationId xmlns:a16="http://schemas.microsoft.com/office/drawing/2014/main" id="{5D455325-5BDD-46A5-B3B0-EB49783BE74D}"/>
+                </a:ext>
+              </a:extLst>
+            </p:cNvPr>
+            <p:cNvCxnSpPr>
+              <a:cxnSpLocks/>
+            </p:cNvCxnSpPr>
+            <p:nvPr/>
+          </p:nvCxnSpPr>
+          <p:spPr>
+            <a:xfrm>
+              <a:off x="10382784" y="5019972"/>
+              <a:ext cx="2160000" cy="0"/>
+            </a:xfrm>
+            <a:prstGeom prst="straightConnector1">
+              <a:avLst/>
+            </a:prstGeom>
+            <a:ln w="28575">
+              <a:solidFill>
+                <a:schemeClr val="tx1"/>
+              </a:solidFill>
+              <a:headEnd type="none" w="med" len="med"/>
+              <a:tailEnd type="arrow" w="med" len="med"/>
+            </a:ln>
+          </p:spPr>
+          <p:style>
+            <a:lnRef idx="1">
+              <a:schemeClr val="accent1"/>
+            </a:lnRef>
+            <a:fillRef idx="0">
+              <a:schemeClr val="accent1"/>
+            </a:fillRef>
+            <a:effectRef idx="0">
+              <a:schemeClr val="accent1"/>
+            </a:effectRef>
+            <a:fontRef idx="minor">
+              <a:schemeClr val="tx1"/>
+            </a:fontRef>
+          </p:style>
+        </p:cxnSp>
+        <p:cxnSp>
+          <p:nvCxnSpPr>
+            <p:cNvPr id="165" name="Connecteur droit 164">
+              <a:extLst>
+                <a:ext uri="{FF2B5EF4-FFF2-40B4-BE49-F238E27FC236}">
+                  <a16:creationId xmlns:a16="http://schemas.microsoft.com/office/drawing/2014/main" id="{ED11E77A-A6AB-4A16-B56A-B2D6326E14B0}"/>
+                </a:ext>
+              </a:extLst>
+            </p:cNvPr>
+            <p:cNvCxnSpPr>
+              <a:cxnSpLocks/>
+            </p:cNvCxnSpPr>
+            <p:nvPr/>
+          </p:nvCxnSpPr>
+          <p:spPr>
+            <a:xfrm rot="18000000" flipH="1">
+              <a:off x="11183196" y="3965807"/>
+              <a:ext cx="1080000" cy="0"/>
+            </a:xfrm>
+            <a:prstGeom prst="line">
+              <a:avLst/>
+            </a:prstGeom>
+            <a:ln w="76200" cap="rnd">
+              <a:solidFill>
+                <a:srgbClr val="00B0F0"/>
+              </a:solidFill>
+            </a:ln>
+          </p:spPr>
+          <p:style>
+            <a:lnRef idx="1">
+              <a:schemeClr val="accent1"/>
+            </a:lnRef>
+            <a:fillRef idx="0">
+              <a:schemeClr val="accent1"/>
+            </a:fillRef>
+            <a:effectRef idx="0">
+              <a:schemeClr val="accent1"/>
+            </a:effectRef>
+            <a:fontRef idx="minor">
+              <a:schemeClr val="tx1"/>
+            </a:fontRef>
+          </p:style>
+        </p:cxnSp>
+      </p:grpSp>
+      <p:sp>
+        <p:nvSpPr>
+          <p:cNvPr id="185" name="Arc 184">
+            <a:extLst>
+              <a:ext uri="{FF2B5EF4-FFF2-40B4-BE49-F238E27FC236}">
+                <a16:creationId xmlns:a16="http://schemas.microsoft.com/office/drawing/2014/main" id="{90E118CC-50EF-468D-9BD9-DE7D02D23A11}"/>
+              </a:ext>
+            </a:extLst>
+          </p:cNvPr>
+          <p:cNvSpPr/>
+          <p:nvPr/>
+        </p:nvSpPr>
+        <p:spPr>
+          <a:xfrm>
+            <a:off x="10601625" y="4652111"/>
+            <a:ext cx="3107157" cy="1964030"/>
+          </a:xfrm>
+          <a:prstGeom prst="arc">
+            <a:avLst>
+              <a:gd name="adj1" fmla="val 1342205"/>
+              <a:gd name="adj2" fmla="val 9470120"/>
+            </a:avLst>
+          </a:prstGeom>
+          <a:noFill/>
+          <a:ln w="34925">
+            <a:solidFill>
+              <a:srgbClr val="92D050"/>
+            </a:solidFill>
+            <a:headEnd type="arrow" w="med" len="med"/>
+            <a:tailEnd type="none" w="med" len="med"/>
+          </a:ln>
+        </p:spPr>
+        <p:style>
+          <a:lnRef idx="1">
+            <a:schemeClr val="accent1"/>
+          </a:lnRef>
+          <a:fillRef idx="0">
+            <a:schemeClr val="accent1"/>
+          </a:fillRef>
+          <a:effectRef idx="0">
+            <a:schemeClr val="accent1"/>
+          </a:effectRef>
+          <a:fontRef idx="minor">
+            <a:schemeClr val="tx1"/>
+          </a:fontRef>
+        </p:style>
+        <p:txBody>
+          <a:bodyPr rtlCol="0" anchor="ctr"/>
+          <a:lstStyle/>
+          <a:p>
+            <a:pPr algn="ctr"/>
+            <a:endParaRPr lang="fr-FR"/>
+          </a:p>
+        </p:txBody>
+      </p:sp>
+      <p:sp>
+        <p:nvSpPr>
+          <p:cNvPr id="186" name="Arc 185">
+            <a:extLst>
+              <a:ext uri="{FF2B5EF4-FFF2-40B4-BE49-F238E27FC236}">
+                <a16:creationId xmlns:a16="http://schemas.microsoft.com/office/drawing/2014/main" id="{1F0CE3B0-304D-47CE-A88A-D76D56343C22}"/>
+              </a:ext>
+            </a:extLst>
+          </p:cNvPr>
+          <p:cNvSpPr/>
+          <p:nvPr/>
+        </p:nvSpPr>
+        <p:spPr>
+          <a:xfrm>
+            <a:off x="13420033" y="5039584"/>
+            <a:ext cx="3107159" cy="1601459"/>
+          </a:xfrm>
+          <a:prstGeom prst="arc">
+            <a:avLst>
+              <a:gd name="adj1" fmla="val 898244"/>
+              <a:gd name="adj2" fmla="val 9952367"/>
+            </a:avLst>
+          </a:prstGeom>
+          <a:noFill/>
+          <a:ln w="34925">
+            <a:solidFill>
+              <a:srgbClr val="92D050"/>
+            </a:solidFill>
+            <a:headEnd type="arrow" w="med" len="med"/>
+            <a:tailEnd type="none" w="med" len="med"/>
+          </a:ln>
+        </p:spPr>
+        <p:style>
+          <a:lnRef idx="1">
+            <a:schemeClr val="accent1"/>
+          </a:lnRef>
+          <a:fillRef idx="0">
+            <a:schemeClr val="accent1"/>
+          </a:fillRef>
+          <a:effectRef idx="0">
+            <a:schemeClr val="accent1"/>
+          </a:effectRef>
+          <a:fontRef idx="minor">
+            <a:schemeClr val="tx1"/>
+          </a:fontRef>
+        </p:style>
+        <p:txBody>
+          <a:bodyPr rtlCol="0" anchor="ctr"/>
+          <a:lstStyle/>
+          <a:p>
+            <a:pPr algn="ctr"/>
+            <a:endParaRPr lang="fr-FR"/>
+          </a:p>
+        </p:txBody>
+      </p:sp>
+      <p:sp>
+        <p:nvSpPr>
+          <p:cNvPr id="188" name="Accolade fermante 187">
+            <a:extLst>
+              <a:ext uri="{FF2B5EF4-FFF2-40B4-BE49-F238E27FC236}">
+                <a16:creationId xmlns:a16="http://schemas.microsoft.com/office/drawing/2014/main" id="{65AE0033-2FA4-4ABF-8873-9C32637E07A1}"/>
+              </a:ext>
+            </a:extLst>
+          </p:cNvPr>
+          <p:cNvSpPr/>
+          <p:nvPr/>
+        </p:nvSpPr>
+        <p:spPr>
+          <a:xfrm rot="5400000">
+            <a:off x="13274657" y="3944916"/>
+            <a:ext cx="610790" cy="6439515"/>
+          </a:xfrm>
+          <a:prstGeom prst="rightBrace">
+            <a:avLst>
+              <a:gd name="adj1" fmla="val 44287"/>
+              <a:gd name="adj2" fmla="val 81784"/>
+            </a:avLst>
+          </a:prstGeom>
+          <a:ln w="44450">
+            <a:solidFill>
+              <a:srgbClr val="00B050"/>
+            </a:solidFill>
+          </a:ln>
+        </p:spPr>
+        <p:style>
+          <a:lnRef idx="1">
+            <a:schemeClr val="accent1"/>
+          </a:lnRef>
+          <a:fillRef idx="0">
+            <a:schemeClr val="accent1"/>
+          </a:fillRef>
+          <a:effectRef idx="0">
+            <a:schemeClr val="accent1"/>
+          </a:effectRef>
+          <a:fontRef idx="minor">
+            <a:schemeClr val="tx1"/>
+          </a:fontRef>
+        </p:style>
+        <p:txBody>
+          <a:bodyPr rtlCol="0" anchor="ctr"/>
+          <a:lstStyle/>
+          <a:p>
+            <a:pPr algn="ctr"/>
+            <a:endParaRPr lang="fr-FR"/>
+          </a:p>
+        </p:txBody>
+      </p:sp>
+      <p:sp>
+        <p:nvSpPr>
+          <p:cNvPr id="189" name="ZoneTexte 188">
+            <a:extLst>
+              <a:ext uri="{FF2B5EF4-FFF2-40B4-BE49-F238E27FC236}">
+                <a16:creationId xmlns:a16="http://schemas.microsoft.com/office/drawing/2014/main" id="{E4E6B193-72A2-47DB-9CA3-5DBD1E221D07}"/>
+              </a:ext>
+            </a:extLst>
+          </p:cNvPr>
+          <p:cNvSpPr txBox="1"/>
+          <p:nvPr/>
+        </p:nvSpPr>
+        <p:spPr>
+          <a:xfrm>
+            <a:off x="11344832" y="6542984"/>
+            <a:ext cx="1786771" cy="523220"/>
+          </a:xfrm>
+          <a:prstGeom prst="rect">
+            <a:avLst/>
+          </a:prstGeom>
+          <a:noFill/>
+        </p:spPr>
+        <p:txBody>
+          <a:bodyPr wrap="none" rtlCol="0">
+            <a:spAutoFit/>
+          </a:bodyPr>
+          <a:lstStyle/>
+          <a:p>
+            <a:r>
+              <a:rPr lang="en-US" sz="2800" dirty="0">
+                <a:solidFill>
+                  <a:srgbClr val="92D050"/>
+                </a:solidFill>
+              </a:rPr>
+              <a:t>Translation</a:t>
+            </a:r>
+          </a:p>
+        </p:txBody>
+      </p:sp>
+      <p:sp>
+        <p:nvSpPr>
+          <p:cNvPr id="190" name="ZoneTexte 189">
+            <a:extLst>
+              <a:ext uri="{FF2B5EF4-FFF2-40B4-BE49-F238E27FC236}">
+                <a16:creationId xmlns:a16="http://schemas.microsoft.com/office/drawing/2014/main" id="{72E7E7D5-ECCD-47F0-B873-DC70E586E27C}"/>
+              </a:ext>
+            </a:extLst>
+          </p:cNvPr>
+          <p:cNvSpPr txBox="1"/>
+          <p:nvPr/>
+        </p:nvSpPr>
+        <p:spPr>
+          <a:xfrm>
+            <a:off x="14405810" y="6543437"/>
+            <a:ext cx="1426353" cy="523220"/>
+          </a:xfrm>
+          <a:prstGeom prst="rect">
+            <a:avLst/>
+          </a:prstGeom>
+          <a:noFill/>
+        </p:spPr>
+        <p:txBody>
+          <a:bodyPr wrap="none" rtlCol="0">
+            <a:spAutoFit/>
+          </a:bodyPr>
+          <a:lstStyle/>
+          <a:p>
+            <a:r>
+              <a:rPr lang="en-US" sz="2800" dirty="0">
+                <a:solidFill>
+                  <a:srgbClr val="92D050"/>
+                </a:solidFill>
+              </a:rPr>
+              <a:t>Rotation</a:t>
+            </a:r>
+          </a:p>
+        </p:txBody>
+      </p:sp>
+      <p:sp>
+        <p:nvSpPr>
+          <p:cNvPr id="191" name="ZoneTexte 190">
+            <a:extLst>
+              <a:ext uri="{FF2B5EF4-FFF2-40B4-BE49-F238E27FC236}">
+                <a16:creationId xmlns:a16="http://schemas.microsoft.com/office/drawing/2014/main" id="{462970EE-9866-4212-8475-885556006AE4}"/>
+              </a:ext>
+            </a:extLst>
+          </p:cNvPr>
+          <p:cNvSpPr txBox="1"/>
+          <p:nvPr/>
+        </p:nvSpPr>
+        <p:spPr>
+          <a:xfrm>
+            <a:off x="10344991" y="7487797"/>
+            <a:ext cx="6340256" cy="954107"/>
+          </a:xfrm>
+          <a:prstGeom prst="rect">
+            <a:avLst/>
+          </a:prstGeom>
+          <a:solidFill>
+            <a:schemeClr val="bg1"/>
+          </a:solidFill>
+        </p:spPr>
+        <p:txBody>
+          <a:bodyPr wrap="square" rtlCol="0">
+            <a:spAutoFit/>
+          </a:bodyPr>
+          <a:lstStyle/>
+          <a:p>
+            <a:r>
+              <a:rPr lang="en-US" sz="2800" b="1" dirty="0">
+                <a:solidFill>
+                  <a:srgbClr val="00B050"/>
+                </a:solidFill>
+              </a:rPr>
+              <a:t>Rigid Motion</a:t>
+            </a:r>
+            <a:r>
+              <a:rPr lang="en-US" sz="2800" dirty="0">
+                <a:solidFill>
+                  <a:srgbClr val="00B050"/>
+                </a:solidFill>
+              </a:rPr>
+              <a:t>: Combination of a </a:t>
+            </a:r>
+            <a:r>
+              <a:rPr lang="en-US" sz="2800" b="1" dirty="0">
+                <a:solidFill>
+                  <a:srgbClr val="00B050"/>
+                </a:solidFill>
+              </a:rPr>
+              <a:t>translation </a:t>
+            </a:r>
+            <a:r>
+              <a:rPr lang="en-US" sz="2800" dirty="0">
+                <a:solidFill>
+                  <a:srgbClr val="00B050"/>
+                </a:solidFill>
+              </a:rPr>
+              <a:t>and a </a:t>
+            </a:r>
+            <a:r>
+              <a:rPr lang="en-US" sz="2800" b="1" dirty="0">
+                <a:solidFill>
+                  <a:srgbClr val="00B050"/>
+                </a:solidFill>
+              </a:rPr>
+              <a:t>rotation</a:t>
+            </a:r>
+          </a:p>
+        </p:txBody>
+      </p:sp>
+      <p:sp>
+        <p:nvSpPr>
+          <p:cNvPr id="203" name="Arc 202">
+            <a:extLst>
+              <a:ext uri="{FF2B5EF4-FFF2-40B4-BE49-F238E27FC236}">
+                <a16:creationId xmlns:a16="http://schemas.microsoft.com/office/drawing/2014/main" id="{48E0E4B0-FFE8-4315-B9DC-697A11D726DD}"/>
+              </a:ext>
+            </a:extLst>
+          </p:cNvPr>
+          <p:cNvSpPr/>
+          <p:nvPr/>
+        </p:nvSpPr>
+        <p:spPr>
+          <a:xfrm rot="5400000">
+            <a:off x="11802424" y="9395480"/>
+            <a:ext cx="1933940" cy="2520000"/>
+          </a:xfrm>
+          <a:prstGeom prst="arc">
+            <a:avLst>
+              <a:gd name="adj1" fmla="val 18101974"/>
+              <a:gd name="adj2" fmla="val 3579130"/>
+            </a:avLst>
+          </a:prstGeom>
+          <a:noFill/>
+          <a:ln w="34925">
+            <a:solidFill>
+              <a:srgbClr val="00B050"/>
+            </a:solidFill>
+            <a:headEnd type="triangle" w="med" len="med"/>
+            <a:tailEnd type="none" w="med" len="med"/>
+          </a:ln>
+        </p:spPr>
+        <p:style>
+          <a:lnRef idx="1">
+            <a:schemeClr val="accent1"/>
+          </a:lnRef>
+          <a:fillRef idx="0">
+            <a:schemeClr val="accent1"/>
+          </a:fillRef>
+          <a:effectRef idx="0">
+            <a:schemeClr val="accent1"/>
+          </a:effectRef>
+          <a:fontRef idx="minor">
+            <a:schemeClr val="tx1"/>
+          </a:fontRef>
+        </p:style>
+        <p:txBody>
+          <a:bodyPr rtlCol="0" anchor="ctr"/>
+          <a:lstStyle/>
+          <a:p>
+            <a:pPr algn="ctr"/>
+            <a:endParaRPr lang="fr-FR"/>
+          </a:p>
+        </p:txBody>
+      </p:sp>
+      <p:sp>
+        <p:nvSpPr>
+          <p:cNvPr id="205" name="ZoneTexte 204">
+            <a:extLst>
+              <a:ext uri="{FF2B5EF4-FFF2-40B4-BE49-F238E27FC236}">
+                <a16:creationId xmlns:a16="http://schemas.microsoft.com/office/drawing/2014/main" id="{F1112277-FB6B-4226-B1D6-5BD92F7149A9}"/>
+              </a:ext>
+            </a:extLst>
+          </p:cNvPr>
+          <p:cNvSpPr txBox="1"/>
+          <p:nvPr/>
+        </p:nvSpPr>
+        <p:spPr>
+          <a:xfrm>
+            <a:off x="10159769" y="3348000"/>
+            <a:ext cx="6585074" cy="923330"/>
+          </a:xfrm>
+          <a:prstGeom prst="rect">
+            <a:avLst/>
+          </a:prstGeom>
+          <a:noFill/>
+        </p:spPr>
+        <p:txBody>
+          <a:bodyPr wrap="square" rtlCol="0">
+            <a:spAutoFit/>
+          </a:bodyPr>
+          <a:lstStyle/>
+          <a:p>
+            <a:r>
+              <a:rPr lang="en-US" sz="5400" b="1" dirty="0"/>
+              <a:t>Rigid motions</a:t>
+            </a:r>
+          </a:p>
+        </p:txBody>
+      </p:sp>
+      <p:sp>
+        <p:nvSpPr>
+          <p:cNvPr id="207" name="ZoneTexte 206">
+            <a:extLst>
+              <a:ext uri="{FF2B5EF4-FFF2-40B4-BE49-F238E27FC236}">
+                <a16:creationId xmlns:a16="http://schemas.microsoft.com/office/drawing/2014/main" id="{4A5E8BA6-3349-4E10-838E-E34C893FBC9F}"/>
+              </a:ext>
+            </a:extLst>
+          </p:cNvPr>
+          <p:cNvSpPr txBox="1"/>
+          <p:nvPr/>
+        </p:nvSpPr>
+        <p:spPr>
+          <a:xfrm>
+            <a:off x="10135854" y="8314565"/>
+            <a:ext cx="6714453" cy="923330"/>
+          </a:xfrm>
+          <a:prstGeom prst="rect">
+            <a:avLst/>
+          </a:prstGeom>
+          <a:noFill/>
+        </p:spPr>
+        <p:txBody>
+          <a:bodyPr wrap="square" rtlCol="0">
+            <a:spAutoFit/>
+          </a:bodyPr>
+          <a:lstStyle/>
+          <a:p>
+            <a:r>
+              <a:rPr lang="en-US" sz="5400" b="1" dirty="0"/>
+              <a:t>Quick proof:</a:t>
+            </a:r>
+          </a:p>
+        </p:txBody>
+      </p:sp>
+      <p:sp>
+        <p:nvSpPr>
+          <p:cNvPr id="208" name="ZoneTexte 207">
+            <a:extLst>
+              <a:ext uri="{FF2B5EF4-FFF2-40B4-BE49-F238E27FC236}">
+                <a16:creationId xmlns:a16="http://schemas.microsoft.com/office/drawing/2014/main" id="{6F721156-8238-4C31-A816-D204B073CCFF}"/>
+              </a:ext>
+            </a:extLst>
+          </p:cNvPr>
+          <p:cNvSpPr txBox="1"/>
+          <p:nvPr/>
+        </p:nvSpPr>
+        <p:spPr>
+          <a:xfrm>
+            <a:off x="11884734" y="11603739"/>
+            <a:ext cx="2060179" cy="523220"/>
+          </a:xfrm>
+          <a:prstGeom prst="rect">
+            <a:avLst/>
+          </a:prstGeom>
+          <a:noFill/>
+        </p:spPr>
+        <p:txBody>
+          <a:bodyPr wrap="none" rtlCol="0">
+            <a:spAutoFit/>
+          </a:bodyPr>
+          <a:lstStyle/>
+          <a:p>
+            <a:r>
+              <a:rPr lang="en-US" sz="2800" dirty="0">
+                <a:solidFill>
+                  <a:srgbClr val="00B050"/>
+                </a:solidFill>
+              </a:rPr>
+              <a:t>Rigid Motion</a:t>
+            </a:r>
+          </a:p>
+        </p:txBody>
+      </p:sp>
+      <p:grpSp>
+        <p:nvGrpSpPr>
+          <p:cNvPr id="13" name="Groupe 12">
+            <a:extLst>
+              <a:ext uri="{FF2B5EF4-FFF2-40B4-BE49-F238E27FC236}">
+                <a16:creationId xmlns:a16="http://schemas.microsoft.com/office/drawing/2014/main" id="{01434ECC-5DDD-4561-8826-0178C0D5B07D}"/>
+              </a:ext>
+            </a:extLst>
+          </p:cNvPr>
+          <p:cNvGrpSpPr/>
+          <p:nvPr/>
+        </p:nvGrpSpPr>
+        <p:grpSpPr>
+          <a:xfrm>
+            <a:off x="14728551" y="4770840"/>
+            <a:ext cx="2160000" cy="1620000"/>
+            <a:chOff x="15382521" y="3675750"/>
+            <a:chExt cx="2160000" cy="1620000"/>
+          </a:xfrm>
+        </p:grpSpPr>
+        <p:cxnSp>
+          <p:nvCxnSpPr>
+            <p:cNvPr id="163" name="Connecteur droit avec flèche 162">
+              <a:extLst>
+                <a:ext uri="{FF2B5EF4-FFF2-40B4-BE49-F238E27FC236}">
+                  <a16:creationId xmlns:a16="http://schemas.microsoft.com/office/drawing/2014/main" id="{B4F36EAD-E5A2-4E84-998E-9C1F9F51DAC2}"/>
+                </a:ext>
+              </a:extLst>
+            </p:cNvPr>
+            <p:cNvCxnSpPr>
+              <a:cxnSpLocks/>
+            </p:cNvCxnSpPr>
+            <p:nvPr/>
+          </p:nvCxnSpPr>
+          <p:spPr>
+            <a:xfrm>
+              <a:off x="15382521" y="5019895"/>
+              <a:ext cx="2160000" cy="0"/>
+            </a:xfrm>
+            <a:prstGeom prst="straightConnector1">
+              <a:avLst/>
+            </a:prstGeom>
+            <a:ln w="28575">
+              <a:solidFill>
+                <a:schemeClr val="tx1"/>
+              </a:solidFill>
+              <a:headEnd type="none" w="med" len="med"/>
+              <a:tailEnd type="arrow" w="med" len="med"/>
+            </a:ln>
+          </p:spPr>
+          <p:style>
+            <a:lnRef idx="1">
+              <a:schemeClr val="accent1"/>
+            </a:lnRef>
+            <a:fillRef idx="0">
+              <a:schemeClr val="accent1"/>
+            </a:fillRef>
+            <a:effectRef idx="0">
+              <a:schemeClr val="accent1"/>
+            </a:effectRef>
+            <a:fontRef idx="minor">
+              <a:schemeClr val="tx1"/>
+            </a:fontRef>
+          </p:style>
+        </p:cxnSp>
+        <p:cxnSp>
+          <p:nvCxnSpPr>
+            <p:cNvPr id="162" name="Connecteur droit avec flèche 161">
+              <a:extLst>
+                <a:ext uri="{FF2B5EF4-FFF2-40B4-BE49-F238E27FC236}">
+                  <a16:creationId xmlns:a16="http://schemas.microsoft.com/office/drawing/2014/main" id="{BA5E0CE1-6C44-4E5B-AD5F-83A8DFC34F8A}"/>
+                </a:ext>
+              </a:extLst>
+            </p:cNvPr>
+            <p:cNvCxnSpPr>
+              <a:cxnSpLocks/>
+            </p:cNvCxnSpPr>
+            <p:nvPr/>
+          </p:nvCxnSpPr>
+          <p:spPr>
+            <a:xfrm flipH="1" flipV="1">
+              <a:off x="15920363" y="3675750"/>
+              <a:ext cx="0" cy="1620000"/>
+            </a:xfrm>
+            <a:prstGeom prst="straightConnector1">
+              <a:avLst/>
+            </a:prstGeom>
+            <a:ln w="28575">
+              <a:solidFill>
+                <a:schemeClr val="tx1"/>
+              </a:solidFill>
+              <a:headEnd type="none" w="med" len="med"/>
+              <a:tailEnd type="arrow" w="med" len="med"/>
+            </a:ln>
+          </p:spPr>
+          <p:style>
+            <a:lnRef idx="1">
+              <a:schemeClr val="accent1"/>
+            </a:lnRef>
+            <a:fillRef idx="0">
+              <a:schemeClr val="accent1"/>
+            </a:fillRef>
+            <a:effectRef idx="0">
+              <a:schemeClr val="accent1"/>
+            </a:effectRef>
+            <a:fontRef idx="minor">
+              <a:schemeClr val="tx1"/>
+            </a:fontRef>
+          </p:style>
+        </p:cxnSp>
+        <p:cxnSp>
+          <p:nvCxnSpPr>
+            <p:cNvPr id="161" name="Connecteur droit 160">
+              <a:extLst>
+                <a:ext uri="{FF2B5EF4-FFF2-40B4-BE49-F238E27FC236}">
+                  <a16:creationId xmlns:a16="http://schemas.microsoft.com/office/drawing/2014/main" id="{135CD2DA-A0C1-44A3-90AE-486D4A5E9B02}"/>
+                </a:ext>
+              </a:extLst>
+            </p:cNvPr>
+            <p:cNvCxnSpPr>
+              <a:cxnSpLocks/>
+            </p:cNvCxnSpPr>
+            <p:nvPr/>
+          </p:nvCxnSpPr>
+          <p:spPr>
+            <a:xfrm flipH="1">
+              <a:off x="15954139" y="5019895"/>
+              <a:ext cx="1080000" cy="0"/>
+            </a:xfrm>
+            <a:prstGeom prst="line">
+              <a:avLst/>
+            </a:prstGeom>
+            <a:ln w="76200" cap="rnd">
+              <a:solidFill>
+                <a:srgbClr val="00B0F0"/>
+              </a:solidFill>
+            </a:ln>
+          </p:spPr>
+          <p:style>
+            <a:lnRef idx="1">
+              <a:schemeClr val="accent1"/>
+            </a:lnRef>
+            <a:fillRef idx="0">
+              <a:schemeClr val="accent1"/>
+            </a:fillRef>
+            <a:effectRef idx="0">
+              <a:schemeClr val="accent1"/>
+            </a:effectRef>
+            <a:fontRef idx="minor">
+              <a:schemeClr val="tx1"/>
+            </a:fontRef>
+          </p:style>
+        </p:cxnSp>
+      </p:grpSp>
+      <p:sp>
+        <p:nvSpPr>
+          <p:cNvPr id="248" name="ZoneTexte 247">
+            <a:extLst>
+              <a:ext uri="{FF2B5EF4-FFF2-40B4-BE49-F238E27FC236}">
+                <a16:creationId xmlns:a16="http://schemas.microsoft.com/office/drawing/2014/main" id="{4AA5ED09-FC36-437A-89F1-828CDB3664FE}"/>
+              </a:ext>
+            </a:extLst>
+          </p:cNvPr>
+          <p:cNvSpPr txBox="1"/>
+          <p:nvPr/>
+        </p:nvSpPr>
+        <p:spPr>
+          <a:xfrm>
+            <a:off x="14934449" y="9392407"/>
+            <a:ext cx="4948430" cy="646331"/>
+          </a:xfrm>
+          <a:prstGeom prst="rect">
+            <a:avLst/>
+          </a:prstGeom>
+          <a:noFill/>
+        </p:spPr>
+        <p:txBody>
+          <a:bodyPr wrap="square" rtlCol="0">
+            <a:spAutoFit/>
+          </a:bodyPr>
+          <a:lstStyle/>
+          <a:p>
+            <a:pPr algn="just"/>
+            <a:r>
+              <a:rPr lang="en-US" sz="2800" dirty="0"/>
+              <a:t>Take any line curve with length </a:t>
+            </a:r>
+            <a:r>
+              <a:rPr lang="en-US" sz="3600" dirty="0">
+                <a:latin typeface="Brush Script MT" panose="03060802040406070304" pitchFamily="66" charset="0"/>
+              </a:rPr>
+              <a:t>l</a:t>
+            </a:r>
+          </a:p>
+        </p:txBody>
+      </p:sp>
+      <p:grpSp>
+        <p:nvGrpSpPr>
+          <p:cNvPr id="232" name="Groupe 231">
+            <a:extLst>
+              <a:ext uri="{FF2B5EF4-FFF2-40B4-BE49-F238E27FC236}">
+                <a16:creationId xmlns:a16="http://schemas.microsoft.com/office/drawing/2014/main" id="{A1D76969-B829-4510-9EF9-38A103190237}"/>
+              </a:ext>
+            </a:extLst>
+          </p:cNvPr>
+          <p:cNvGrpSpPr/>
+          <p:nvPr/>
+        </p:nvGrpSpPr>
+        <p:grpSpPr>
+          <a:xfrm>
+            <a:off x="10408409" y="9197182"/>
+            <a:ext cx="2160000" cy="2232000"/>
+            <a:chOff x="10408409" y="8314098"/>
+            <a:chExt cx="2160000" cy="2232000"/>
+          </a:xfrm>
+        </p:grpSpPr>
+        <p:cxnSp>
+          <p:nvCxnSpPr>
+            <p:cNvPr id="195" name="Connecteur droit avec flèche 194">
+              <a:extLst>
+                <a:ext uri="{FF2B5EF4-FFF2-40B4-BE49-F238E27FC236}">
+                  <a16:creationId xmlns:a16="http://schemas.microsoft.com/office/drawing/2014/main" id="{B2A0BEC6-7CFE-489B-9C04-CDE1AAAC54F6}"/>
+                </a:ext>
+              </a:extLst>
+            </p:cNvPr>
+            <p:cNvCxnSpPr>
+              <a:cxnSpLocks/>
+            </p:cNvCxnSpPr>
+            <p:nvPr/>
+          </p:nvCxnSpPr>
+          <p:spPr>
+            <a:xfrm flipH="1" flipV="1">
+              <a:off x="10944345" y="8314098"/>
+              <a:ext cx="0" cy="2232000"/>
+            </a:xfrm>
+            <a:prstGeom prst="straightConnector1">
+              <a:avLst/>
+            </a:prstGeom>
+            <a:ln w="28575">
+              <a:solidFill>
+                <a:schemeClr val="tx1"/>
+              </a:solidFill>
+              <a:headEnd type="none" w="med" len="med"/>
+              <a:tailEnd type="arrow" w="med" len="med"/>
+            </a:ln>
+          </p:spPr>
+          <p:style>
+            <a:lnRef idx="1">
+              <a:schemeClr val="accent1"/>
+            </a:lnRef>
+            <a:fillRef idx="0">
+              <a:schemeClr val="accent1"/>
+            </a:fillRef>
+            <a:effectRef idx="0">
+              <a:schemeClr val="accent1"/>
+            </a:effectRef>
+            <a:fontRef idx="minor">
+              <a:schemeClr val="tx1"/>
+            </a:fontRef>
+          </p:style>
+        </p:cxnSp>
+        <p:cxnSp>
+          <p:nvCxnSpPr>
+            <p:cNvPr id="196" name="Connecteur droit avec flèche 195">
+              <a:extLst>
+                <a:ext uri="{FF2B5EF4-FFF2-40B4-BE49-F238E27FC236}">
+                  <a16:creationId xmlns:a16="http://schemas.microsoft.com/office/drawing/2014/main" id="{511D6D5D-EB76-4521-8B56-009688B2523B}"/>
+                </a:ext>
+              </a:extLst>
+            </p:cNvPr>
+            <p:cNvCxnSpPr>
+              <a:cxnSpLocks/>
+            </p:cNvCxnSpPr>
+            <p:nvPr/>
+          </p:nvCxnSpPr>
+          <p:spPr>
+            <a:xfrm>
+              <a:off x="10408409" y="10209150"/>
+              <a:ext cx="2160000" cy="0"/>
+            </a:xfrm>
+            <a:prstGeom prst="straightConnector1">
+              <a:avLst/>
+            </a:prstGeom>
+            <a:ln w="28575">
+              <a:solidFill>
+                <a:schemeClr val="tx1"/>
+              </a:solidFill>
+              <a:headEnd type="none" w="med" len="med"/>
+              <a:tailEnd type="arrow" w="med" len="med"/>
+            </a:ln>
+          </p:spPr>
+          <p:style>
+            <a:lnRef idx="1">
+              <a:schemeClr val="accent1"/>
+            </a:lnRef>
+            <a:fillRef idx="0">
+              <a:schemeClr val="accent1"/>
+            </a:fillRef>
+            <a:effectRef idx="0">
+              <a:schemeClr val="accent1"/>
+            </a:effectRef>
+            <a:fontRef idx="minor">
+              <a:schemeClr val="tx1"/>
+            </a:fontRef>
+          </p:style>
+        </p:cxnSp>
+        <p:cxnSp>
+          <p:nvCxnSpPr>
+            <p:cNvPr id="202" name="Connecteur droit 201">
+              <a:extLst>
+                <a:ext uri="{FF2B5EF4-FFF2-40B4-BE49-F238E27FC236}">
+                  <a16:creationId xmlns:a16="http://schemas.microsoft.com/office/drawing/2014/main" id="{D3203CB2-32BD-4628-BCBE-1C512840151C}"/>
+                </a:ext>
+              </a:extLst>
+            </p:cNvPr>
+            <p:cNvCxnSpPr>
+              <a:cxnSpLocks/>
+            </p:cNvCxnSpPr>
+            <p:nvPr/>
+          </p:nvCxnSpPr>
+          <p:spPr>
+            <a:xfrm rot="18000000" flipH="1">
+              <a:off x="11322427" y="8895533"/>
+              <a:ext cx="1080000" cy="0"/>
+            </a:xfrm>
+            <a:prstGeom prst="line">
+              <a:avLst/>
+            </a:prstGeom>
+            <a:ln w="76200" cap="rnd">
+              <a:solidFill>
+                <a:srgbClr val="00B0F0"/>
+              </a:solidFill>
+            </a:ln>
+          </p:spPr>
+          <p:style>
+            <a:lnRef idx="1">
+              <a:schemeClr val="accent1"/>
+            </a:lnRef>
+            <a:fillRef idx="0">
+              <a:schemeClr val="accent1"/>
+            </a:fillRef>
+            <a:effectRef idx="0">
+              <a:schemeClr val="accent1"/>
+            </a:effectRef>
+            <a:fontRef idx="minor">
+              <a:schemeClr val="tx1"/>
+            </a:fontRef>
+          </p:style>
+        </p:cxnSp>
+        <p:sp>
+          <p:nvSpPr>
+            <p:cNvPr id="249" name="ZoneTexte 248">
+              <a:extLst>
+                <a:ext uri="{FF2B5EF4-FFF2-40B4-BE49-F238E27FC236}">
+                  <a16:creationId xmlns:a16="http://schemas.microsoft.com/office/drawing/2014/main" id="{2DE1B855-571D-4EA4-843B-7546C5561418}"/>
+                </a:ext>
+              </a:extLst>
+            </p:cNvPr>
+            <p:cNvSpPr txBox="1"/>
+            <p:nvPr/>
+          </p:nvSpPr>
+          <p:spPr>
+            <a:xfrm>
+              <a:off x="11894311" y="8781106"/>
+              <a:ext cx="266420" cy="523220"/>
+            </a:xfrm>
+            <a:prstGeom prst="rect">
+              <a:avLst/>
+            </a:prstGeom>
+            <a:noFill/>
+          </p:spPr>
+          <p:txBody>
+            <a:bodyPr wrap="none" rtlCol="0">
+              <a:spAutoFit/>
+            </a:bodyPr>
+            <a:lstStyle/>
+            <a:p>
+              <a:r>
+                <a:rPr lang="en-US" sz="2800" dirty="0">
+                  <a:solidFill>
+                    <a:srgbClr val="00B0F0"/>
+                  </a:solidFill>
+                  <a:latin typeface="Brush Script MT" panose="03060802040406070304" pitchFamily="66" charset="0"/>
+                </a:rPr>
+                <a:t>l</a:t>
+              </a:r>
+              <a:endParaRPr lang="fr-FR" sz="2800" dirty="0">
+                <a:solidFill>
+                  <a:srgbClr val="00B0F0"/>
+                </a:solidFill>
+              </a:endParaRPr>
+            </a:p>
+          </p:txBody>
+        </p:sp>
+      </p:grpSp>
+      <p:grpSp>
+        <p:nvGrpSpPr>
+          <p:cNvPr id="233" name="Groupe 232">
+            <a:extLst>
+              <a:ext uri="{FF2B5EF4-FFF2-40B4-BE49-F238E27FC236}">
+                <a16:creationId xmlns:a16="http://schemas.microsoft.com/office/drawing/2014/main" id="{062FBB0F-561B-486E-9D53-78291B376B6A}"/>
+              </a:ext>
+            </a:extLst>
+          </p:cNvPr>
+          <p:cNvGrpSpPr/>
+          <p:nvPr/>
+        </p:nvGrpSpPr>
+        <p:grpSpPr>
+          <a:xfrm>
+            <a:off x="12736249" y="9197179"/>
+            <a:ext cx="2160000" cy="2232000"/>
+            <a:chOff x="12736249" y="8314095"/>
+            <a:chExt cx="2160000" cy="2232000"/>
+          </a:xfrm>
+        </p:grpSpPr>
+        <p:cxnSp>
+          <p:nvCxnSpPr>
+            <p:cNvPr id="200" name="Connecteur droit avec flèche 199">
+              <a:extLst>
+                <a:ext uri="{FF2B5EF4-FFF2-40B4-BE49-F238E27FC236}">
+                  <a16:creationId xmlns:a16="http://schemas.microsoft.com/office/drawing/2014/main" id="{92D07462-7C71-43C4-8518-A6FB017C235C}"/>
+                </a:ext>
+              </a:extLst>
+            </p:cNvPr>
+            <p:cNvCxnSpPr>
+              <a:cxnSpLocks/>
+            </p:cNvCxnSpPr>
+            <p:nvPr/>
+          </p:nvCxnSpPr>
+          <p:spPr>
+            <a:xfrm>
+              <a:off x="12736249" y="10209513"/>
+              <a:ext cx="2160000" cy="0"/>
+            </a:xfrm>
+            <a:prstGeom prst="straightConnector1">
+              <a:avLst/>
+            </a:prstGeom>
+            <a:ln w="28575">
+              <a:solidFill>
+                <a:schemeClr val="tx1"/>
+              </a:solidFill>
+              <a:headEnd type="none" w="med" len="med"/>
+              <a:tailEnd type="arrow" w="med" len="med"/>
+            </a:ln>
+          </p:spPr>
+          <p:style>
+            <a:lnRef idx="1">
+              <a:schemeClr val="accent1"/>
+            </a:lnRef>
+            <a:fillRef idx="0">
+              <a:schemeClr val="accent1"/>
+            </a:fillRef>
+            <a:effectRef idx="0">
+              <a:schemeClr val="accent1"/>
+            </a:effectRef>
+            <a:fontRef idx="minor">
+              <a:schemeClr val="tx1"/>
+            </a:fontRef>
+          </p:style>
+        </p:cxnSp>
+        <p:cxnSp>
+          <p:nvCxnSpPr>
+            <p:cNvPr id="210" name="Connecteur droit avec flèche 209">
+              <a:extLst>
+                <a:ext uri="{FF2B5EF4-FFF2-40B4-BE49-F238E27FC236}">
+                  <a16:creationId xmlns:a16="http://schemas.microsoft.com/office/drawing/2014/main" id="{E73C715F-B7BE-44AC-8DD4-8DEF1BF16500}"/>
+                </a:ext>
+              </a:extLst>
+            </p:cNvPr>
+            <p:cNvCxnSpPr>
+              <a:cxnSpLocks/>
+            </p:cNvCxnSpPr>
+            <p:nvPr/>
+          </p:nvCxnSpPr>
+          <p:spPr>
+            <a:xfrm flipH="1" flipV="1">
+              <a:off x="13272569" y="8314095"/>
+              <a:ext cx="0" cy="2232000"/>
+            </a:xfrm>
+            <a:prstGeom prst="straightConnector1">
+              <a:avLst/>
+            </a:prstGeom>
+            <a:ln w="28575">
+              <a:solidFill>
+                <a:schemeClr val="tx1"/>
+              </a:solidFill>
+              <a:headEnd type="none" w="med" len="med"/>
+              <a:tailEnd type="arrow" w="med" len="med"/>
+            </a:ln>
+          </p:spPr>
+          <p:style>
+            <a:lnRef idx="1">
+              <a:schemeClr val="accent1"/>
+            </a:lnRef>
+            <a:fillRef idx="0">
+              <a:schemeClr val="accent1"/>
+            </a:fillRef>
+            <a:effectRef idx="0">
+              <a:schemeClr val="accent1"/>
+            </a:effectRef>
+            <a:fontRef idx="minor">
+              <a:schemeClr val="tx1"/>
+            </a:fontRef>
+          </p:style>
+        </p:cxnSp>
+        <p:cxnSp>
+          <p:nvCxnSpPr>
+            <p:cNvPr id="201" name="Connecteur droit 200">
+              <a:extLst>
+                <a:ext uri="{FF2B5EF4-FFF2-40B4-BE49-F238E27FC236}">
+                  <a16:creationId xmlns:a16="http://schemas.microsoft.com/office/drawing/2014/main" id="{35A3AE2D-0C8B-408C-8A17-565A686F596D}"/>
+                </a:ext>
+              </a:extLst>
+            </p:cNvPr>
+            <p:cNvCxnSpPr>
+              <a:cxnSpLocks/>
+            </p:cNvCxnSpPr>
+            <p:nvPr/>
+          </p:nvCxnSpPr>
+          <p:spPr>
+            <a:xfrm flipH="1">
+              <a:off x="13302148" y="10209513"/>
+              <a:ext cx="1018800" cy="0"/>
+            </a:xfrm>
+            <a:prstGeom prst="line">
+              <a:avLst/>
+            </a:prstGeom>
+            <a:ln w="76200" cap="rnd">
+              <a:solidFill>
+                <a:srgbClr val="00B0F0"/>
+              </a:solidFill>
+            </a:ln>
+          </p:spPr>
+          <p:style>
+            <a:lnRef idx="1">
+              <a:schemeClr val="accent1"/>
+            </a:lnRef>
+            <a:fillRef idx="0">
+              <a:schemeClr val="accent1"/>
+            </a:fillRef>
+            <a:effectRef idx="0">
+              <a:schemeClr val="accent1"/>
+            </a:effectRef>
+            <a:fontRef idx="minor">
+              <a:schemeClr val="tx1"/>
+            </a:fontRef>
+          </p:style>
+        </p:cxnSp>
+        <p:sp>
+          <p:nvSpPr>
+            <p:cNvPr id="250" name="ZoneTexte 249">
+              <a:extLst>
+                <a:ext uri="{FF2B5EF4-FFF2-40B4-BE49-F238E27FC236}">
+                  <a16:creationId xmlns:a16="http://schemas.microsoft.com/office/drawing/2014/main" id="{8AAA5219-A07C-4A72-83A0-8AAC40E9366D}"/>
+                </a:ext>
+              </a:extLst>
+            </p:cNvPr>
+            <p:cNvSpPr txBox="1"/>
+            <p:nvPr/>
+          </p:nvSpPr>
+          <p:spPr>
+            <a:xfrm>
+              <a:off x="13676805" y="9701282"/>
+              <a:ext cx="266420" cy="523220"/>
+            </a:xfrm>
+            <a:prstGeom prst="rect">
+              <a:avLst/>
+            </a:prstGeom>
+            <a:noFill/>
+          </p:spPr>
+          <p:txBody>
+            <a:bodyPr wrap="none" rtlCol="0">
+              <a:spAutoFit/>
+            </a:bodyPr>
+            <a:lstStyle/>
+            <a:p>
+              <a:r>
+                <a:rPr lang="en-US" sz="2800" dirty="0">
+                  <a:solidFill>
+                    <a:srgbClr val="00B0F0"/>
+                  </a:solidFill>
+                  <a:latin typeface="Brush Script MT" panose="03060802040406070304" pitchFamily="66" charset="0"/>
+                </a:rPr>
+                <a:t>l</a:t>
+              </a:r>
+              <a:endParaRPr lang="fr-FR" sz="2800" dirty="0">
+                <a:solidFill>
+                  <a:srgbClr val="00B0F0"/>
+                </a:solidFill>
+              </a:endParaRPr>
+            </a:p>
+          </p:txBody>
+        </p:sp>
+      </p:grpSp>
+      <mc:AlternateContent xmlns:mc="http://schemas.openxmlformats.org/markup-compatibility/2006" xmlns:a14="http://schemas.microsoft.com/office/drawing/2010/main">
+        <mc:Choice Requires="a14">
+          <p:sp>
+            <p:nvSpPr>
+              <p:cNvPr id="251" name="ZoneTexte 250">
+                <a:extLst>
+                  <a:ext uri="{FF2B5EF4-FFF2-40B4-BE49-F238E27FC236}">
+                    <a16:creationId xmlns:a16="http://schemas.microsoft.com/office/drawing/2014/main" id="{F640EC70-87EA-4668-AA20-094C8704E512}"/>
+                  </a:ext>
+                </a:extLst>
+              </p:cNvPr>
+              <p:cNvSpPr txBox="1"/>
+              <p:nvPr/>
+            </p:nvSpPr>
+            <p:spPr>
+              <a:xfrm>
+                <a:off x="14694214" y="13365203"/>
+                <a:ext cx="5164529" cy="954107"/>
+              </a:xfrm>
+              <a:prstGeom prst="rect">
+                <a:avLst/>
+              </a:prstGeom>
+              <a:noFill/>
+            </p:spPr>
+            <p:txBody>
+              <a:bodyPr wrap="square" rtlCol="0">
+                <a:spAutoFit/>
+              </a:bodyPr>
+              <a:lstStyle/>
+              <a:p>
+                <a:pPr/>
+                <a14:m>
+                  <m:oMathPara xmlns:m="http://schemas.openxmlformats.org/officeDocument/2006/math">
+                    <m:oMathParaPr>
+                      <m:jc m:val="centerGroup"/>
+                    </m:oMathParaPr>
+                    <m:oMath xmlns:m="http://schemas.openxmlformats.org/officeDocument/2006/math">
+                      <m:r>
+                        <a:rPr lang="fr-FR" sz="2800" b="0" i="1" smtClean="0">
+                          <a:latin typeface="Cambria Math" panose="02040503050406030204" pitchFamily="18" charset="0"/>
+                        </a:rPr>
+                        <m:t>𝑆</m:t>
+                      </m:r>
+                      <m:r>
+                        <a:rPr lang="fr-FR" sz="2800" b="0" i="1" smtClean="0">
+                          <a:latin typeface="Cambria Math" panose="02040503050406030204" pitchFamily="18" charset="0"/>
+                        </a:rPr>
+                        <m:t>=</m:t>
+                      </m:r>
+                      <m:d>
+                        <m:dPr>
+                          <m:begChr m:val="{"/>
+                          <m:endChr m:val="|"/>
+                          <m:ctrlPr>
+                            <a:rPr lang="fr-FR" sz="2800" b="0" i="1" smtClean="0">
+                              <a:latin typeface="Cambria Math" panose="02040503050406030204" pitchFamily="18" charset="0"/>
+                            </a:rPr>
+                          </m:ctrlPr>
+                        </m:dPr>
+                        <m:e>
+                          <m:d>
+                            <m:dPr>
+                              <m:ctrlPr>
+                                <a:rPr lang="fr-FR" sz="2800" b="0" i="1" smtClean="0">
+                                  <a:latin typeface="Cambria Math" panose="02040503050406030204" pitchFamily="18" charset="0"/>
+                                </a:rPr>
+                              </m:ctrlPr>
+                            </m:dPr>
+                            <m:e>
+                              <m:r>
+                                <a:rPr lang="fr-FR" sz="2800" b="0" i="1" smtClean="0">
+                                  <a:latin typeface="Cambria Math" panose="02040503050406030204" pitchFamily="18" charset="0"/>
+                                </a:rPr>
+                                <m:t>𝜌</m:t>
+                              </m:r>
+                              <m:r>
+                                <a:rPr lang="fr-FR" sz="2800" b="0" i="1" smtClean="0">
+                                  <a:latin typeface="Cambria Math" panose="02040503050406030204" pitchFamily="18" charset="0"/>
+                                </a:rPr>
+                                <m:t>, </m:t>
+                              </m:r>
+                              <m:r>
+                                <a:rPr lang="fr-FR" sz="2800" b="0" i="1" smtClean="0">
+                                  <a:latin typeface="Cambria Math" panose="02040503050406030204" pitchFamily="18" charset="0"/>
+                                </a:rPr>
+                                <m:t>𝜃</m:t>
+                              </m:r>
+                            </m:e>
+                          </m:d>
+                          <m:r>
+                            <a:rPr lang="fr-FR" sz="2800" b="0" i="1" smtClean="0">
+                              <a:latin typeface="Cambria Math" panose="02040503050406030204" pitchFamily="18" charset="0"/>
+                            </a:rPr>
+                            <m:t> </m:t>
+                          </m:r>
+                        </m:e>
+                      </m:d>
+                      <m:r>
+                        <a:rPr lang="fr-FR" sz="2800" b="0" i="1" smtClean="0">
+                          <a:latin typeface="Cambria Math" panose="02040503050406030204" pitchFamily="18" charset="0"/>
+                        </a:rPr>
+                        <m:t> −</m:t>
+                      </m:r>
+                      <m:r>
+                        <a:rPr lang="fr-FR" sz="2800" b="0" i="1" smtClean="0">
+                          <a:latin typeface="Cambria Math" panose="02040503050406030204" pitchFamily="18" charset="0"/>
+                        </a:rPr>
+                        <m:t>𝜋</m:t>
+                      </m:r>
+                      <m:r>
+                        <a:rPr lang="fr-FR" sz="2800" b="0" i="1" smtClean="0">
+                          <a:latin typeface="Cambria Math" panose="02040503050406030204" pitchFamily="18" charset="0"/>
+                        </a:rPr>
+                        <m:t>/2&lt;</m:t>
+                      </m:r>
+                      <m:r>
+                        <a:rPr lang="fr-FR" sz="2800" b="0" i="1" smtClean="0">
+                          <a:latin typeface="Cambria Math" panose="02040503050406030204" pitchFamily="18" charset="0"/>
+                        </a:rPr>
+                        <m:t>𝜃</m:t>
+                      </m:r>
+                      <m:r>
+                        <a:rPr lang="fr-FR" sz="2800" b="0" i="1" smtClean="0">
+                          <a:latin typeface="Cambria Math" panose="02040503050406030204" pitchFamily="18" charset="0"/>
+                        </a:rPr>
+                        <m:t>&lt;</m:t>
+                      </m:r>
+                      <m:r>
+                        <a:rPr lang="fr-FR" sz="2800" b="0" i="1" smtClean="0">
+                          <a:latin typeface="Cambria Math" panose="02040503050406030204" pitchFamily="18" charset="0"/>
+                        </a:rPr>
+                        <m:t>𝜋</m:t>
+                      </m:r>
+                      <m:r>
+                        <a:rPr lang="fr-FR" sz="2800" b="0" i="1" smtClean="0">
+                          <a:latin typeface="Cambria Math" panose="02040503050406030204" pitchFamily="18" charset="0"/>
+                        </a:rPr>
+                        <m:t>/2, </m:t>
+                      </m:r>
+                    </m:oMath>
+                  </m:oMathPara>
+                </a14:m>
+                <a:endParaRPr lang="fr-FR" sz="2800" b="0" i="1" dirty="0">
+                  <a:latin typeface="Cambria Math" panose="02040503050406030204" pitchFamily="18" charset="0"/>
+                </a:endParaRPr>
+              </a:p>
+              <a:p>
+                <a:pPr/>
+                <a14:m>
+                  <m:oMathPara xmlns:m="http://schemas.openxmlformats.org/officeDocument/2006/math">
+                    <m:oMathParaPr>
+                      <m:jc m:val="centerGroup"/>
+                    </m:oMathParaPr>
+                    <m:oMath xmlns:m="http://schemas.openxmlformats.org/officeDocument/2006/math">
+                      <m:r>
+                        <a:rPr lang="fr-FR" sz="2800" b="0" i="1" smtClean="0">
+                          <a:latin typeface="Cambria Math" panose="02040503050406030204" pitchFamily="18" charset="0"/>
+                        </a:rPr>
+                        <m:t>0&lt;</m:t>
+                      </m:r>
+                      <m:r>
+                        <a:rPr lang="fr-FR" sz="2800" b="0" i="1" smtClean="0">
+                          <a:latin typeface="Cambria Math" panose="02040503050406030204" pitchFamily="18" charset="0"/>
+                        </a:rPr>
+                        <m:t>𝜌</m:t>
+                      </m:r>
+                      <m:r>
+                        <a:rPr lang="fr-FR" sz="2800" b="0" i="1" smtClean="0">
+                          <a:latin typeface="Cambria Math" panose="02040503050406030204" pitchFamily="18" charset="0"/>
+                        </a:rPr>
+                        <m:t>&lt;</m:t>
+                      </m:r>
+                      <m:r>
+                        <a:rPr lang="fr-FR" sz="2800" b="0" i="1" smtClean="0">
+                          <a:latin typeface="Cambria Math" panose="02040503050406030204" pitchFamily="18" charset="0"/>
+                        </a:rPr>
+                        <m:t>𝑙</m:t>
+                      </m:r>
+                      <m:r>
+                        <a:rPr lang="fr-FR" sz="2800" b="0" i="1" smtClean="0">
+                          <a:latin typeface="Cambria Math" panose="02040503050406030204" pitchFamily="18" charset="0"/>
+                        </a:rPr>
+                        <m:t> </m:t>
+                      </m:r>
+                      <m:d>
+                        <m:dPr>
+                          <m:begChr m:val="|"/>
+                          <m:endChr m:val="|"/>
+                          <m:ctrlPr>
+                            <a:rPr lang="fr-FR" sz="2800" b="0" i="1" smtClean="0">
+                              <a:latin typeface="Cambria Math" panose="02040503050406030204" pitchFamily="18" charset="0"/>
+                            </a:rPr>
+                          </m:ctrlPr>
+                        </m:dPr>
+                        <m:e>
+                          <m:r>
+                            <m:rPr>
+                              <m:sty m:val="p"/>
+                            </m:rPr>
+                            <a:rPr lang="fr-FR" sz="2800" b="0" i="0" smtClean="0">
+                              <a:latin typeface="Cambria Math" panose="02040503050406030204" pitchFamily="18" charset="0"/>
+                            </a:rPr>
+                            <m:t>cos</m:t>
+                          </m:r>
+                          <m:r>
+                            <a:rPr lang="fr-FR" sz="2800" b="0" i="1" smtClean="0">
+                              <a:latin typeface="Cambria Math" panose="02040503050406030204" pitchFamily="18" charset="0"/>
+                            </a:rPr>
+                            <m:t>⁡(</m:t>
+                          </m:r>
+                          <m:r>
+                            <a:rPr lang="fr-FR" sz="2800" b="0" i="1" smtClean="0">
+                              <a:latin typeface="Cambria Math" panose="02040503050406030204" pitchFamily="18" charset="0"/>
+                            </a:rPr>
+                            <m:t>𝜃</m:t>
+                          </m:r>
+                          <m:r>
+                            <a:rPr lang="fr-FR" sz="2800" b="0" i="1" smtClean="0">
+                              <a:latin typeface="Cambria Math" panose="02040503050406030204" pitchFamily="18" charset="0"/>
+                            </a:rPr>
+                            <m:t>)</m:t>
+                          </m:r>
+                        </m:e>
+                      </m:d>
+                      <m:r>
+                        <a:rPr lang="fr-FR" sz="2800" b="0" i="1" smtClean="0">
+                          <a:latin typeface="Cambria Math" panose="02040503050406030204" pitchFamily="18" charset="0"/>
+                        </a:rPr>
+                        <m:t>}</m:t>
+                      </m:r>
+                    </m:oMath>
+                  </m:oMathPara>
+                </a14:m>
+                <a:endParaRPr lang="fr-FR" sz="2800" dirty="0"/>
+              </a:p>
+            </p:txBody>
+          </p:sp>
+        </mc:Choice>
+        <mc:Fallback xmlns="">
+          <p:sp>
+            <p:nvSpPr>
+              <p:cNvPr id="251" name="ZoneTexte 250">
+                <a:extLst>
+                  <a:ext uri="{FF2B5EF4-FFF2-40B4-BE49-F238E27FC236}">
+                    <a16:creationId xmlns:a16="http://schemas.microsoft.com/office/drawing/2014/main" id="{F640EC70-87EA-4668-AA20-094C8704E512}"/>
+                  </a:ext>
+                </a:extLst>
+              </p:cNvPr>
+              <p:cNvSpPr txBox="1">
+                <a:spLocks noRot="1" noChangeAspect="1" noMove="1" noResize="1" noEditPoints="1" noAdjustHandles="1" noChangeArrowheads="1" noChangeShapeType="1" noTextEdit="1"/>
+              </p:cNvSpPr>
+              <p:nvPr/>
+            </p:nvSpPr>
+            <p:spPr>
+              <a:xfrm>
+                <a:off x="14694214" y="13365203"/>
+                <a:ext cx="5164529" cy="954107"/>
               </a:xfrm>
               <a:prstGeom prst="rect">
                 <a:avLst/>
@@ -6752,6 +9224,2676 @@
           </p:sp>
         </mc:Fallback>
       </mc:AlternateContent>
+      <p:sp>
+        <p:nvSpPr>
+          <p:cNvPr id="252" name="ZoneTexte 251">
+            <a:extLst>
+              <a:ext uri="{FF2B5EF4-FFF2-40B4-BE49-F238E27FC236}">
+                <a16:creationId xmlns:a16="http://schemas.microsoft.com/office/drawing/2014/main" id="{76814838-8CF8-4486-A23F-9C844D1A850E}"/>
+              </a:ext>
+            </a:extLst>
+          </p:cNvPr>
+          <p:cNvSpPr txBox="1"/>
+          <p:nvPr/>
+        </p:nvSpPr>
+        <p:spPr>
+          <a:xfrm>
+            <a:off x="14946788" y="10091408"/>
+            <a:ext cx="4811490" cy="1938992"/>
+          </a:xfrm>
+          <a:prstGeom prst="rect">
+            <a:avLst/>
+          </a:prstGeom>
+          <a:noFill/>
+        </p:spPr>
+        <p:txBody>
+          <a:bodyPr wrap="square" rtlCol="0">
+            <a:spAutoFit/>
+          </a:bodyPr>
+          <a:lstStyle/>
+          <a:p>
+            <a:pPr algn="just"/>
+            <a:r>
+              <a:rPr lang="en-US" sz="2800" dirty="0"/>
+              <a:t>We use a rigid motion (so the formula doesn’t change) to throw the line onto the x-axis, between 0 and </a:t>
+            </a:r>
+            <a:r>
+              <a:rPr lang="en-US" sz="3600" dirty="0">
+                <a:latin typeface="Brush Script MT" panose="03060802040406070304" pitchFamily="66" charset="0"/>
+              </a:rPr>
+              <a:t>l</a:t>
+            </a:r>
+            <a:endParaRPr lang="fr-FR" sz="2800" dirty="0"/>
+          </a:p>
+        </p:txBody>
+      </p:sp>
+      <p:sp>
+        <p:nvSpPr>
+          <p:cNvPr id="253" name="ZoneTexte 252">
+            <a:extLst>
+              <a:ext uri="{FF2B5EF4-FFF2-40B4-BE49-F238E27FC236}">
+                <a16:creationId xmlns:a16="http://schemas.microsoft.com/office/drawing/2014/main" id="{A6AB3255-F998-4B22-9216-00D592B81245}"/>
+              </a:ext>
+            </a:extLst>
+          </p:cNvPr>
+          <p:cNvSpPr txBox="1"/>
+          <p:nvPr/>
+        </p:nvSpPr>
+        <p:spPr>
+          <a:xfrm>
+            <a:off x="14379480" y="12645076"/>
+            <a:ext cx="4811491" cy="523220"/>
+          </a:xfrm>
+          <a:prstGeom prst="rect">
+            <a:avLst/>
+          </a:prstGeom>
+          <a:noFill/>
+        </p:spPr>
+        <p:txBody>
+          <a:bodyPr wrap="square" rtlCol="0">
+            <a:spAutoFit/>
+          </a:bodyPr>
+          <a:lstStyle/>
+          <a:p>
+            <a:r>
+              <a:rPr lang="en-US" sz="2800" dirty="0"/>
+              <a:t>Then, the set S becomes:</a:t>
+            </a:r>
+          </a:p>
+        </p:txBody>
+      </p:sp>
+      <p:grpSp>
+        <p:nvGrpSpPr>
+          <p:cNvPr id="15" name="Groupe 14">
+            <a:extLst>
+              <a:ext uri="{FF2B5EF4-FFF2-40B4-BE49-F238E27FC236}">
+                <a16:creationId xmlns:a16="http://schemas.microsoft.com/office/drawing/2014/main" id="{A758379B-91E9-4B14-A569-D235E2F8FACA}"/>
+              </a:ext>
+            </a:extLst>
+          </p:cNvPr>
+          <p:cNvGrpSpPr/>
+          <p:nvPr/>
+        </p:nvGrpSpPr>
+        <p:grpSpPr>
+          <a:xfrm>
+            <a:off x="10208906" y="11963527"/>
+            <a:ext cx="4336519" cy="4062155"/>
+            <a:chOff x="10232056" y="14067487"/>
+            <a:chExt cx="4336519" cy="4062155"/>
+          </a:xfrm>
+        </p:grpSpPr>
+        <p:sp>
+          <p:nvSpPr>
+            <p:cNvPr id="245" name="ZoneTexte 244">
+              <a:extLst>
+                <a:ext uri="{FF2B5EF4-FFF2-40B4-BE49-F238E27FC236}">
+                  <a16:creationId xmlns:a16="http://schemas.microsoft.com/office/drawing/2014/main" id="{5EF69346-C37C-477F-88DE-926A2A6645B9}"/>
+                </a:ext>
+              </a:extLst>
+            </p:cNvPr>
+            <p:cNvSpPr txBox="1"/>
+            <p:nvPr/>
+          </p:nvSpPr>
+          <p:spPr>
+            <a:xfrm>
+              <a:off x="12433598" y="17606422"/>
+              <a:ext cx="266420" cy="523220"/>
+            </a:xfrm>
+            <a:prstGeom prst="rect">
+              <a:avLst/>
+            </a:prstGeom>
+            <a:noFill/>
+          </p:spPr>
+          <p:txBody>
+            <a:bodyPr wrap="none" rtlCol="0">
+              <a:spAutoFit/>
+            </a:bodyPr>
+            <a:lstStyle/>
+            <a:p>
+              <a:r>
+                <a:rPr lang="en-US" sz="2800" dirty="0">
+                  <a:solidFill>
+                    <a:srgbClr val="00B0F0"/>
+                  </a:solidFill>
+                  <a:latin typeface="Brush Script MT" panose="03060802040406070304" pitchFamily="66" charset="0"/>
+                </a:rPr>
+                <a:t>l</a:t>
+              </a:r>
+              <a:endParaRPr lang="fr-FR" sz="2800" dirty="0">
+                <a:solidFill>
+                  <a:srgbClr val="00B0F0"/>
+                </a:solidFill>
+              </a:endParaRPr>
+            </a:p>
+          </p:txBody>
+        </p:sp>
+        <p:cxnSp>
+          <p:nvCxnSpPr>
+            <p:cNvPr id="215" name="Connecteur droit 214">
+              <a:extLst>
+                <a:ext uri="{FF2B5EF4-FFF2-40B4-BE49-F238E27FC236}">
+                  <a16:creationId xmlns:a16="http://schemas.microsoft.com/office/drawing/2014/main" id="{5E70BD25-3C96-4D51-9F40-D0D4062BE528}"/>
+                </a:ext>
+              </a:extLst>
+            </p:cNvPr>
+            <p:cNvCxnSpPr>
+              <a:cxnSpLocks/>
+            </p:cNvCxnSpPr>
+            <p:nvPr/>
+          </p:nvCxnSpPr>
+          <p:spPr>
+            <a:xfrm rot="2700000" flipV="1">
+              <a:off x="10336734" y="16434369"/>
+              <a:ext cx="3096000" cy="0"/>
+            </a:xfrm>
+            <a:prstGeom prst="line">
+              <a:avLst/>
+            </a:prstGeom>
+            <a:ln w="38100">
+              <a:solidFill>
+                <a:srgbClr val="00B050"/>
+              </a:solidFill>
+            </a:ln>
+          </p:spPr>
+          <p:style>
+            <a:lnRef idx="1">
+              <a:schemeClr val="accent1"/>
+            </a:lnRef>
+            <a:fillRef idx="0">
+              <a:schemeClr val="accent1"/>
+            </a:fillRef>
+            <a:effectRef idx="0">
+              <a:schemeClr val="accent1"/>
+            </a:effectRef>
+            <a:fontRef idx="minor">
+              <a:schemeClr val="tx1"/>
+            </a:fontRef>
+          </p:style>
+        </p:cxnSp>
+        <p:cxnSp>
+          <p:nvCxnSpPr>
+            <p:cNvPr id="223" name="Connecteur droit 222">
+              <a:extLst>
+                <a:ext uri="{FF2B5EF4-FFF2-40B4-BE49-F238E27FC236}">
+                  <a16:creationId xmlns:a16="http://schemas.microsoft.com/office/drawing/2014/main" id="{F6869E14-F045-4F85-B481-F9EA56587B75}"/>
+                </a:ext>
+              </a:extLst>
+            </p:cNvPr>
+            <p:cNvCxnSpPr>
+              <a:cxnSpLocks/>
+            </p:cNvCxnSpPr>
+            <p:nvPr/>
+          </p:nvCxnSpPr>
+          <p:spPr>
+            <a:xfrm rot="2700000" flipV="1">
+              <a:off x="10471600" y="16351695"/>
+              <a:ext cx="3348000" cy="0"/>
+            </a:xfrm>
+            <a:prstGeom prst="line">
+              <a:avLst/>
+            </a:prstGeom>
+            <a:ln w="38100">
+              <a:solidFill>
+                <a:srgbClr val="00B050"/>
+              </a:solidFill>
+            </a:ln>
+          </p:spPr>
+          <p:style>
+            <a:lnRef idx="1">
+              <a:schemeClr val="accent1"/>
+            </a:lnRef>
+            <a:fillRef idx="0">
+              <a:schemeClr val="accent1"/>
+            </a:fillRef>
+            <a:effectRef idx="0">
+              <a:schemeClr val="accent1"/>
+            </a:effectRef>
+            <a:fontRef idx="minor">
+              <a:schemeClr val="tx1"/>
+            </a:fontRef>
+          </p:style>
+        </p:cxnSp>
+        <p:cxnSp>
+          <p:nvCxnSpPr>
+            <p:cNvPr id="224" name="Connecteur droit 223">
+              <a:extLst>
+                <a:ext uri="{FF2B5EF4-FFF2-40B4-BE49-F238E27FC236}">
+                  <a16:creationId xmlns:a16="http://schemas.microsoft.com/office/drawing/2014/main" id="{735C6099-E566-4140-9C82-9C0DD029469F}"/>
+                </a:ext>
+              </a:extLst>
+            </p:cNvPr>
+            <p:cNvCxnSpPr>
+              <a:cxnSpLocks/>
+            </p:cNvCxnSpPr>
+            <p:nvPr/>
+          </p:nvCxnSpPr>
+          <p:spPr>
+            <a:xfrm rot="2700000" flipV="1">
+              <a:off x="10611738" y="16256293"/>
+              <a:ext cx="3564000" cy="0"/>
+            </a:xfrm>
+            <a:prstGeom prst="line">
+              <a:avLst/>
+            </a:prstGeom>
+            <a:ln w="38100">
+              <a:solidFill>
+                <a:srgbClr val="00B050"/>
+              </a:solidFill>
+            </a:ln>
+          </p:spPr>
+          <p:style>
+            <a:lnRef idx="1">
+              <a:schemeClr val="accent1"/>
+            </a:lnRef>
+            <a:fillRef idx="0">
+              <a:schemeClr val="accent1"/>
+            </a:fillRef>
+            <a:effectRef idx="0">
+              <a:schemeClr val="accent1"/>
+            </a:effectRef>
+            <a:fontRef idx="minor">
+              <a:schemeClr val="tx1"/>
+            </a:fontRef>
+          </p:style>
+        </p:cxnSp>
+        <p:cxnSp>
+          <p:nvCxnSpPr>
+            <p:cNvPr id="225" name="Connecteur droit 224">
+              <a:extLst>
+                <a:ext uri="{FF2B5EF4-FFF2-40B4-BE49-F238E27FC236}">
+                  <a16:creationId xmlns:a16="http://schemas.microsoft.com/office/drawing/2014/main" id="{9B236B09-DE32-4F7E-A154-3DF1E4396EDB}"/>
+                </a:ext>
+              </a:extLst>
+            </p:cNvPr>
+            <p:cNvCxnSpPr>
+              <a:cxnSpLocks/>
+            </p:cNvCxnSpPr>
+            <p:nvPr/>
+          </p:nvCxnSpPr>
+          <p:spPr>
+            <a:xfrm rot="2700000" flipV="1">
+              <a:off x="10751876" y="16160889"/>
+              <a:ext cx="3780000" cy="0"/>
+            </a:xfrm>
+            <a:prstGeom prst="line">
+              <a:avLst/>
+            </a:prstGeom>
+            <a:ln w="38100">
+              <a:solidFill>
+                <a:srgbClr val="00B050"/>
+              </a:solidFill>
+            </a:ln>
+          </p:spPr>
+          <p:style>
+            <a:lnRef idx="1">
+              <a:schemeClr val="accent1"/>
+            </a:lnRef>
+            <a:fillRef idx="0">
+              <a:schemeClr val="accent1"/>
+            </a:fillRef>
+            <a:effectRef idx="0">
+              <a:schemeClr val="accent1"/>
+            </a:effectRef>
+            <a:fontRef idx="minor">
+              <a:schemeClr val="tx1"/>
+            </a:fontRef>
+          </p:style>
+        </p:cxnSp>
+        <p:cxnSp>
+          <p:nvCxnSpPr>
+            <p:cNvPr id="226" name="Connecteur droit 225">
+              <a:extLst>
+                <a:ext uri="{FF2B5EF4-FFF2-40B4-BE49-F238E27FC236}">
+                  <a16:creationId xmlns:a16="http://schemas.microsoft.com/office/drawing/2014/main" id="{CC520C74-1CC3-4FD5-9050-3CC148ECAF3E}"/>
+                </a:ext>
+              </a:extLst>
+            </p:cNvPr>
+            <p:cNvCxnSpPr>
+              <a:cxnSpLocks/>
+            </p:cNvCxnSpPr>
+            <p:nvPr/>
+          </p:nvCxnSpPr>
+          <p:spPr>
+            <a:xfrm rot="2700000" flipV="1">
+              <a:off x="10892014" y="16065487"/>
+              <a:ext cx="3996000" cy="0"/>
+            </a:xfrm>
+            <a:prstGeom prst="line">
+              <a:avLst/>
+            </a:prstGeom>
+            <a:ln w="38100">
+              <a:solidFill>
+                <a:srgbClr val="00B050"/>
+              </a:solidFill>
+            </a:ln>
+          </p:spPr>
+          <p:style>
+            <a:lnRef idx="1">
+              <a:schemeClr val="accent1"/>
+            </a:lnRef>
+            <a:fillRef idx="0">
+              <a:schemeClr val="accent1"/>
+            </a:fillRef>
+            <a:effectRef idx="0">
+              <a:schemeClr val="accent1"/>
+            </a:effectRef>
+            <a:fontRef idx="minor">
+              <a:schemeClr val="tx1"/>
+            </a:fontRef>
+          </p:style>
+        </p:cxnSp>
+        <p:cxnSp>
+          <p:nvCxnSpPr>
+            <p:cNvPr id="227" name="Connecteur droit 226">
+              <a:extLst>
+                <a:ext uri="{FF2B5EF4-FFF2-40B4-BE49-F238E27FC236}">
+                  <a16:creationId xmlns:a16="http://schemas.microsoft.com/office/drawing/2014/main" id="{705FFD61-1418-4535-A7D3-4FC840569247}"/>
+                </a:ext>
+              </a:extLst>
+            </p:cNvPr>
+            <p:cNvCxnSpPr>
+              <a:cxnSpLocks/>
+            </p:cNvCxnSpPr>
+            <p:nvPr/>
+          </p:nvCxnSpPr>
+          <p:spPr>
+            <a:xfrm rot="2700000" flipV="1">
+              <a:off x="10196596" y="16529771"/>
+              <a:ext cx="2880000" cy="0"/>
+            </a:xfrm>
+            <a:prstGeom prst="line">
+              <a:avLst/>
+            </a:prstGeom>
+            <a:ln w="38100">
+              <a:solidFill>
+                <a:srgbClr val="00B050"/>
+              </a:solidFill>
+            </a:ln>
+          </p:spPr>
+          <p:style>
+            <a:lnRef idx="1">
+              <a:schemeClr val="accent1"/>
+            </a:lnRef>
+            <a:fillRef idx="0">
+              <a:schemeClr val="accent1"/>
+            </a:fillRef>
+            <a:effectRef idx="0">
+              <a:schemeClr val="accent1"/>
+            </a:effectRef>
+            <a:fontRef idx="minor">
+              <a:schemeClr val="tx1"/>
+            </a:fontRef>
+          </p:style>
+        </p:cxnSp>
+        <p:cxnSp>
+          <p:nvCxnSpPr>
+            <p:cNvPr id="228" name="Connecteur droit 227">
+              <a:extLst>
+                <a:ext uri="{FF2B5EF4-FFF2-40B4-BE49-F238E27FC236}">
+                  <a16:creationId xmlns:a16="http://schemas.microsoft.com/office/drawing/2014/main" id="{076ECD60-F4F4-47C5-BFFA-973355D9CC91}"/>
+                </a:ext>
+              </a:extLst>
+            </p:cNvPr>
+            <p:cNvCxnSpPr>
+              <a:cxnSpLocks/>
+            </p:cNvCxnSpPr>
+            <p:nvPr/>
+          </p:nvCxnSpPr>
+          <p:spPr>
+            <a:xfrm rot="2700000" flipV="1">
+              <a:off x="10056458" y="16625173"/>
+              <a:ext cx="2664000" cy="0"/>
+            </a:xfrm>
+            <a:prstGeom prst="line">
+              <a:avLst/>
+            </a:prstGeom>
+            <a:ln w="38100">
+              <a:solidFill>
+                <a:srgbClr val="92D050"/>
+              </a:solidFill>
+            </a:ln>
+          </p:spPr>
+          <p:style>
+            <a:lnRef idx="1">
+              <a:schemeClr val="accent1"/>
+            </a:lnRef>
+            <a:fillRef idx="0">
+              <a:schemeClr val="accent1"/>
+            </a:fillRef>
+            <a:effectRef idx="0">
+              <a:schemeClr val="accent1"/>
+            </a:effectRef>
+            <a:fontRef idx="minor">
+              <a:schemeClr val="tx1"/>
+            </a:fontRef>
+          </p:style>
+        </p:cxnSp>
+        <p:cxnSp>
+          <p:nvCxnSpPr>
+            <p:cNvPr id="229" name="Connecteur droit 228">
+              <a:extLst>
+                <a:ext uri="{FF2B5EF4-FFF2-40B4-BE49-F238E27FC236}">
+                  <a16:creationId xmlns:a16="http://schemas.microsoft.com/office/drawing/2014/main" id="{EB3847A0-ABD3-4269-9BD9-038083B42D2A}"/>
+                </a:ext>
+              </a:extLst>
+            </p:cNvPr>
+            <p:cNvCxnSpPr>
+              <a:cxnSpLocks/>
+            </p:cNvCxnSpPr>
+            <p:nvPr/>
+          </p:nvCxnSpPr>
+          <p:spPr>
+            <a:xfrm rot="2700000" flipV="1">
+              <a:off x="9921592" y="16707847"/>
+              <a:ext cx="2412000" cy="0"/>
+            </a:xfrm>
+            <a:prstGeom prst="line">
+              <a:avLst/>
+            </a:prstGeom>
+            <a:ln w="38100">
+              <a:solidFill>
+                <a:srgbClr val="92D050"/>
+              </a:solidFill>
+            </a:ln>
+          </p:spPr>
+          <p:style>
+            <a:lnRef idx="1">
+              <a:schemeClr val="accent1"/>
+            </a:lnRef>
+            <a:fillRef idx="0">
+              <a:schemeClr val="accent1"/>
+            </a:fillRef>
+            <a:effectRef idx="0">
+              <a:schemeClr val="accent1"/>
+            </a:effectRef>
+            <a:fontRef idx="minor">
+              <a:schemeClr val="tx1"/>
+            </a:fontRef>
+          </p:style>
+        </p:cxnSp>
+        <p:cxnSp>
+          <p:nvCxnSpPr>
+            <p:cNvPr id="230" name="Connecteur droit 229">
+              <a:extLst>
+                <a:ext uri="{FF2B5EF4-FFF2-40B4-BE49-F238E27FC236}">
+                  <a16:creationId xmlns:a16="http://schemas.microsoft.com/office/drawing/2014/main" id="{866F81F4-A582-4286-AAFE-20F728FB0E69}"/>
+                </a:ext>
+              </a:extLst>
+            </p:cNvPr>
+            <p:cNvCxnSpPr>
+              <a:cxnSpLocks/>
+            </p:cNvCxnSpPr>
+            <p:nvPr/>
+          </p:nvCxnSpPr>
+          <p:spPr>
+            <a:xfrm rot="2700000" flipV="1">
+              <a:off x="11254187" y="15981344"/>
+              <a:ext cx="3816000" cy="0"/>
+            </a:xfrm>
+            <a:prstGeom prst="line">
+              <a:avLst/>
+            </a:prstGeom>
+            <a:ln w="38100">
+              <a:solidFill>
+                <a:srgbClr val="92D050"/>
+              </a:solidFill>
+            </a:ln>
+          </p:spPr>
+          <p:style>
+            <a:lnRef idx="1">
+              <a:schemeClr val="accent1"/>
+            </a:lnRef>
+            <a:fillRef idx="0">
+              <a:schemeClr val="accent1"/>
+            </a:fillRef>
+            <a:effectRef idx="0">
+              <a:schemeClr val="accent1"/>
+            </a:effectRef>
+            <a:fontRef idx="minor">
+              <a:schemeClr val="tx1"/>
+            </a:fontRef>
+          </p:style>
+        </p:cxnSp>
+        <p:cxnSp>
+          <p:nvCxnSpPr>
+            <p:cNvPr id="231" name="Connecteur droit 230">
+              <a:extLst>
+                <a:ext uri="{FF2B5EF4-FFF2-40B4-BE49-F238E27FC236}">
+                  <a16:creationId xmlns:a16="http://schemas.microsoft.com/office/drawing/2014/main" id="{0BBA5B83-1CF5-446D-B6AD-325A4DE638D2}"/>
+                </a:ext>
+              </a:extLst>
+            </p:cNvPr>
+            <p:cNvCxnSpPr>
+              <a:cxnSpLocks/>
+            </p:cNvCxnSpPr>
+            <p:nvPr/>
+          </p:nvCxnSpPr>
+          <p:spPr>
+            <a:xfrm rot="2700000" flipV="1">
+              <a:off x="11628000" y="15768000"/>
+              <a:ext cx="3348000" cy="0"/>
+            </a:xfrm>
+            <a:prstGeom prst="line">
+              <a:avLst/>
+            </a:prstGeom>
+            <a:ln w="38100">
+              <a:solidFill>
+                <a:srgbClr val="92D050"/>
+              </a:solidFill>
+            </a:ln>
+          </p:spPr>
+          <p:style>
+            <a:lnRef idx="1">
+              <a:schemeClr val="accent1"/>
+            </a:lnRef>
+            <a:fillRef idx="0">
+              <a:schemeClr val="accent1"/>
+            </a:fillRef>
+            <a:effectRef idx="0">
+              <a:schemeClr val="accent1"/>
+            </a:effectRef>
+            <a:fontRef idx="minor">
+              <a:schemeClr val="tx1"/>
+            </a:fontRef>
+          </p:style>
+        </p:cxnSp>
+        <p:cxnSp>
+          <p:nvCxnSpPr>
+            <p:cNvPr id="213" name="Connecteur droit avec flèche 212">
+              <a:extLst>
+                <a:ext uri="{FF2B5EF4-FFF2-40B4-BE49-F238E27FC236}">
+                  <a16:creationId xmlns:a16="http://schemas.microsoft.com/office/drawing/2014/main" id="{8FC7115B-7728-44F7-8BC8-35D2ED854FEA}"/>
+                </a:ext>
+              </a:extLst>
+            </p:cNvPr>
+            <p:cNvCxnSpPr>
+              <a:cxnSpLocks/>
+            </p:cNvCxnSpPr>
+            <p:nvPr/>
+          </p:nvCxnSpPr>
+          <p:spPr>
+            <a:xfrm flipV="1">
+              <a:off x="11750951" y="14278590"/>
+              <a:ext cx="0" cy="3702682"/>
+            </a:xfrm>
+            <a:prstGeom prst="straightConnector1">
+              <a:avLst/>
+            </a:prstGeom>
+            <a:ln w="38100">
+              <a:solidFill>
+                <a:schemeClr val="bg1">
+                  <a:lumMod val="65000"/>
+                </a:schemeClr>
+              </a:solidFill>
+              <a:headEnd type="none" w="med" len="med"/>
+              <a:tailEnd type="arrow" w="med" len="med"/>
+            </a:ln>
+          </p:spPr>
+          <p:style>
+            <a:lnRef idx="1">
+              <a:schemeClr val="accent1"/>
+            </a:lnRef>
+            <a:fillRef idx="0">
+              <a:schemeClr val="accent1"/>
+            </a:fillRef>
+            <a:effectRef idx="0">
+              <a:schemeClr val="accent1"/>
+            </a:effectRef>
+            <a:fontRef idx="minor">
+              <a:schemeClr val="tx1"/>
+            </a:fontRef>
+          </p:style>
+        </p:cxnSp>
+        <p:cxnSp>
+          <p:nvCxnSpPr>
+            <p:cNvPr id="211" name="Connecteur droit avec flèche 210">
+              <a:extLst>
+                <a:ext uri="{FF2B5EF4-FFF2-40B4-BE49-F238E27FC236}">
+                  <a16:creationId xmlns:a16="http://schemas.microsoft.com/office/drawing/2014/main" id="{522D25B1-938A-4745-9051-4EF479A8C027}"/>
+                </a:ext>
+              </a:extLst>
+            </p:cNvPr>
+            <p:cNvCxnSpPr>
+              <a:cxnSpLocks/>
+            </p:cNvCxnSpPr>
+            <p:nvPr/>
+          </p:nvCxnSpPr>
+          <p:spPr>
+            <a:xfrm flipV="1">
+              <a:off x="10901160" y="16655874"/>
+              <a:ext cx="3667415" cy="8799"/>
+            </a:xfrm>
+            <a:prstGeom prst="straightConnector1">
+              <a:avLst/>
+            </a:prstGeom>
+            <a:ln w="38100">
+              <a:solidFill>
+                <a:schemeClr val="bg1">
+                  <a:lumMod val="65000"/>
+                </a:schemeClr>
+              </a:solidFill>
+              <a:headEnd type="none" w="med" len="med"/>
+              <a:tailEnd type="arrow" w="med" len="med"/>
+            </a:ln>
+          </p:spPr>
+          <p:style>
+            <a:lnRef idx="1">
+              <a:schemeClr val="accent1"/>
+            </a:lnRef>
+            <a:fillRef idx="0">
+              <a:schemeClr val="accent1"/>
+            </a:fillRef>
+            <a:effectRef idx="0">
+              <a:schemeClr val="accent1"/>
+            </a:effectRef>
+            <a:fontRef idx="minor">
+              <a:schemeClr val="tx1"/>
+            </a:fontRef>
+          </p:style>
+        </p:cxnSp>
+        <p:sp>
+          <p:nvSpPr>
+            <p:cNvPr id="243" name="Arc 242">
+              <a:extLst>
+                <a:ext uri="{FF2B5EF4-FFF2-40B4-BE49-F238E27FC236}">
+                  <a16:creationId xmlns:a16="http://schemas.microsoft.com/office/drawing/2014/main" id="{3F57493D-0EB4-47E3-BD7B-88715C5153BB}"/>
+                </a:ext>
+              </a:extLst>
+            </p:cNvPr>
+            <p:cNvSpPr/>
+            <p:nvPr/>
+          </p:nvSpPr>
+          <p:spPr>
+            <a:xfrm>
+              <a:off x="11354352" y="16265746"/>
+              <a:ext cx="793198" cy="793198"/>
+            </a:xfrm>
+            <a:prstGeom prst="arc">
+              <a:avLst>
+                <a:gd name="adj1" fmla="val 19023107"/>
+                <a:gd name="adj2" fmla="val 0"/>
+              </a:avLst>
+            </a:prstGeom>
+            <a:ln w="28575">
+              <a:solidFill>
+                <a:srgbClr val="002060"/>
+              </a:solidFill>
+            </a:ln>
+          </p:spPr>
+          <p:style>
+            <a:lnRef idx="1">
+              <a:schemeClr val="accent1"/>
+            </a:lnRef>
+            <a:fillRef idx="0">
+              <a:schemeClr val="accent1"/>
+            </a:fillRef>
+            <a:effectRef idx="0">
+              <a:schemeClr val="accent1"/>
+            </a:effectRef>
+            <a:fontRef idx="minor">
+              <a:schemeClr val="tx1"/>
+            </a:fontRef>
+          </p:style>
+          <p:txBody>
+            <a:bodyPr rtlCol="0" anchor="ctr"/>
+            <a:lstStyle/>
+            <a:p>
+              <a:pPr algn="ctr"/>
+              <a:endParaRPr lang="fr-FR" dirty="0"/>
+            </a:p>
+          </p:txBody>
+        </p:sp>
+        <p:cxnSp>
+          <p:nvCxnSpPr>
+            <p:cNvPr id="212" name="Connecteur droit 211">
+              <a:extLst>
+                <a:ext uri="{FF2B5EF4-FFF2-40B4-BE49-F238E27FC236}">
+                  <a16:creationId xmlns:a16="http://schemas.microsoft.com/office/drawing/2014/main" id="{1053047E-B0D6-4606-A677-4AAADE36174A}"/>
+                </a:ext>
+              </a:extLst>
+            </p:cNvPr>
+            <p:cNvCxnSpPr>
+              <a:cxnSpLocks/>
+            </p:cNvCxnSpPr>
+            <p:nvPr/>
+          </p:nvCxnSpPr>
+          <p:spPr>
+            <a:xfrm flipH="1">
+              <a:off x="11805239" y="16663156"/>
+              <a:ext cx="1644924" cy="574"/>
+            </a:xfrm>
+            <a:prstGeom prst="line">
+              <a:avLst/>
+            </a:prstGeom>
+            <a:ln w="69850" cap="rnd">
+              <a:solidFill>
+                <a:srgbClr val="00B0F0"/>
+              </a:solidFill>
+            </a:ln>
+          </p:spPr>
+          <p:style>
+            <a:lnRef idx="1">
+              <a:schemeClr val="accent1"/>
+            </a:lnRef>
+            <a:fillRef idx="0">
+              <a:schemeClr val="accent1"/>
+            </a:fillRef>
+            <a:effectRef idx="0">
+              <a:schemeClr val="accent1"/>
+            </a:effectRef>
+            <a:fontRef idx="minor">
+              <a:schemeClr val="tx1"/>
+            </a:fontRef>
+          </p:style>
+        </p:cxnSp>
+        <p:cxnSp>
+          <p:nvCxnSpPr>
+            <p:cNvPr id="234" name="Connecteur droit 233">
+              <a:extLst>
+                <a:ext uri="{FF2B5EF4-FFF2-40B4-BE49-F238E27FC236}">
+                  <a16:creationId xmlns:a16="http://schemas.microsoft.com/office/drawing/2014/main" id="{664F8BC8-E165-4D09-A131-1CA20E8C5CB8}"/>
+                </a:ext>
+              </a:extLst>
+            </p:cNvPr>
+            <p:cNvCxnSpPr>
+              <a:cxnSpLocks/>
+            </p:cNvCxnSpPr>
+            <p:nvPr/>
+          </p:nvCxnSpPr>
+          <p:spPr>
+            <a:xfrm rot="2700000" flipV="1">
+              <a:off x="12196151" y="15622286"/>
+              <a:ext cx="0" cy="1202391"/>
+            </a:xfrm>
+            <a:prstGeom prst="line">
+              <a:avLst/>
+            </a:prstGeom>
+            <a:ln w="69850" cap="rnd">
+              <a:solidFill>
+                <a:srgbClr val="0070C0"/>
+              </a:solidFill>
+            </a:ln>
+          </p:spPr>
+          <p:style>
+            <a:lnRef idx="1">
+              <a:schemeClr val="accent1"/>
+            </a:lnRef>
+            <a:fillRef idx="0">
+              <a:schemeClr val="accent1"/>
+            </a:fillRef>
+            <a:effectRef idx="0">
+              <a:schemeClr val="accent1"/>
+            </a:effectRef>
+            <a:fontRef idx="minor">
+              <a:schemeClr val="tx1"/>
+            </a:fontRef>
+          </p:style>
+        </p:cxnSp>
+        <p:cxnSp>
+          <p:nvCxnSpPr>
+            <p:cNvPr id="244" name="Connecteur droit 243">
+              <a:extLst>
+                <a:ext uri="{FF2B5EF4-FFF2-40B4-BE49-F238E27FC236}">
+                  <a16:creationId xmlns:a16="http://schemas.microsoft.com/office/drawing/2014/main" id="{55C79DDC-8E7F-4D6F-A190-4AEDEF60D44C}"/>
+                </a:ext>
+              </a:extLst>
+            </p:cNvPr>
+            <p:cNvCxnSpPr>
+              <a:cxnSpLocks/>
+            </p:cNvCxnSpPr>
+            <p:nvPr/>
+          </p:nvCxnSpPr>
+          <p:spPr>
+            <a:xfrm flipH="1">
+              <a:off x="11784919" y="17667389"/>
+              <a:ext cx="1644924" cy="574"/>
+            </a:xfrm>
+            <a:prstGeom prst="line">
+              <a:avLst/>
+            </a:prstGeom>
+            <a:ln w="69850" cap="rnd">
+              <a:solidFill>
+                <a:srgbClr val="00B0F0"/>
+              </a:solidFill>
+            </a:ln>
+          </p:spPr>
+          <p:style>
+            <a:lnRef idx="1">
+              <a:schemeClr val="accent1"/>
+            </a:lnRef>
+            <a:fillRef idx="0">
+              <a:schemeClr val="accent1"/>
+            </a:fillRef>
+            <a:effectRef idx="0">
+              <a:schemeClr val="accent1"/>
+            </a:effectRef>
+            <a:fontRef idx="minor">
+              <a:schemeClr val="tx1"/>
+            </a:fontRef>
+          </p:style>
+        </p:cxnSp>
+        <mc:AlternateContent xmlns:mc="http://schemas.openxmlformats.org/markup-compatibility/2006" xmlns:a14="http://schemas.microsoft.com/office/drawing/2010/main">
+          <mc:Choice Requires="a14">
+            <p:sp>
+              <p:nvSpPr>
+                <p:cNvPr id="246" name="ZoneTexte 245">
+                  <a:extLst>
+                    <a:ext uri="{FF2B5EF4-FFF2-40B4-BE49-F238E27FC236}">
+                      <a16:creationId xmlns:a16="http://schemas.microsoft.com/office/drawing/2014/main" id="{6DC6A474-F00B-4E01-B1EF-25C1ECB41DCD}"/>
+                    </a:ext>
+                  </a:extLst>
+                </p:cNvPr>
+                <p:cNvSpPr txBox="1"/>
+                <p:nvPr/>
+              </p:nvSpPr>
+              <p:spPr>
+                <a:xfrm rot="18900000">
+                  <a:off x="10232056" y="14650688"/>
+                  <a:ext cx="1144416" cy="523220"/>
+                </a:xfrm>
+                <a:prstGeom prst="rect">
+                  <a:avLst/>
+                </a:prstGeom>
+                <a:noFill/>
+              </p:spPr>
+              <p:txBody>
+                <a:bodyPr wrap="none" rtlCol="0">
+                  <a:spAutoFit/>
+                </a:bodyPr>
+                <a:lstStyle/>
+                <a:p>
+                  <a14:m>
+                    <m:oMath xmlns:m="http://schemas.openxmlformats.org/officeDocument/2006/math">
+                      <m:func>
+                        <m:funcPr>
+                          <m:ctrlPr>
+                            <a:rPr lang="fr-FR" b="0" i="1" smtClean="0">
+                              <a:solidFill>
+                                <a:srgbClr val="0070C0"/>
+                              </a:solidFill>
+                              <a:latin typeface="Cambria Math" panose="02040503050406030204" pitchFamily="18" charset="0"/>
+                            </a:rPr>
+                          </m:ctrlPr>
+                        </m:funcPr>
+                        <m:fName>
+                          <m:r>
+                            <m:rPr>
+                              <m:sty m:val="p"/>
+                            </m:rPr>
+                            <a:rPr lang="fr-FR" b="0" i="0" smtClean="0">
+                              <a:solidFill>
+                                <a:srgbClr val="0070C0"/>
+                              </a:solidFill>
+                              <a:latin typeface="Cambria Math" panose="02040503050406030204" pitchFamily="18" charset="0"/>
+                            </a:rPr>
+                            <m:t>cos</m:t>
+                          </m:r>
+                        </m:fName>
+                        <m:e>
+                          <m:d>
+                            <m:dPr>
+                              <m:ctrlPr>
+                                <a:rPr lang="fr-FR" b="0" i="1" smtClean="0">
+                                  <a:solidFill>
+                                    <a:srgbClr val="0070C0"/>
+                                  </a:solidFill>
+                                  <a:latin typeface="Cambria Math" panose="02040503050406030204" pitchFamily="18" charset="0"/>
+                                </a:rPr>
+                              </m:ctrlPr>
+                            </m:dPr>
+                            <m:e>
+                              <m:r>
+                                <a:rPr lang="fr-FR" b="0" i="1" smtClean="0">
+                                  <a:solidFill>
+                                    <a:srgbClr val="0070C0"/>
+                                  </a:solidFill>
+                                  <a:latin typeface="Cambria Math" panose="02040503050406030204" pitchFamily="18" charset="0"/>
+                                </a:rPr>
+                                <m:t>𝜃</m:t>
+                              </m:r>
+                            </m:e>
+                          </m:d>
+                          <m:r>
+                            <a:rPr lang="fr-FR" b="0" i="1" smtClean="0">
+                              <a:solidFill>
+                                <a:srgbClr val="0070C0"/>
+                              </a:solidFill>
+                              <a:latin typeface="Cambria Math" panose="02040503050406030204" pitchFamily="18" charset="0"/>
+                            </a:rPr>
+                            <m:t>∗</m:t>
+                          </m:r>
+                        </m:e>
+                      </m:func>
+                    </m:oMath>
+                  </a14:m>
+                  <a:r>
+                    <a:rPr lang="en-US" dirty="0">
+                      <a:solidFill>
+                        <a:srgbClr val="0070C0"/>
+                      </a:solidFill>
+                      <a:latin typeface="Brush Script MT" panose="03060802040406070304" pitchFamily="66" charset="0"/>
+                    </a:rPr>
+                    <a:t> </a:t>
+                  </a:r>
+                  <a:r>
+                    <a:rPr lang="en-US" sz="2800" dirty="0">
+                      <a:solidFill>
+                        <a:srgbClr val="0070C0"/>
+                      </a:solidFill>
+                      <a:latin typeface="Brush Script MT" panose="03060802040406070304" pitchFamily="66" charset="0"/>
+                    </a:rPr>
+                    <a:t>l</a:t>
+                  </a:r>
+                  <a:endParaRPr lang="fr-FR" dirty="0">
+                    <a:solidFill>
+                      <a:srgbClr val="0070C0"/>
+                    </a:solidFill>
+                  </a:endParaRPr>
+                </a:p>
+              </p:txBody>
+            </p:sp>
+          </mc:Choice>
+          <mc:Fallback xmlns="">
+            <p:sp>
+              <p:nvSpPr>
+                <p:cNvPr id="246" name="ZoneTexte 245">
+                  <a:extLst>
+                    <a:ext uri="{FF2B5EF4-FFF2-40B4-BE49-F238E27FC236}">
+                      <a16:creationId xmlns:a16="http://schemas.microsoft.com/office/drawing/2014/main" id="{6DC6A474-F00B-4E01-B1EF-25C1ECB41DCD}"/>
+                    </a:ext>
+                  </a:extLst>
+                </p:cNvPr>
+                <p:cNvSpPr txBox="1">
+                  <a:spLocks noRot="1" noChangeAspect="1" noMove="1" noResize="1" noEditPoints="1" noAdjustHandles="1" noChangeArrowheads="1" noChangeShapeType="1" noTextEdit="1"/>
+                </p:cNvSpPr>
+                <p:nvPr/>
+              </p:nvSpPr>
+              <p:spPr>
+                <a:xfrm rot="18900000">
+                  <a:off x="10232056" y="14650688"/>
+                  <a:ext cx="1144416" cy="523220"/>
+                </a:xfrm>
+                <a:prstGeom prst="rect">
+                  <a:avLst/>
+                </a:prstGeom>
+                <a:blipFill>
+                  <a:blip r:embed="rId15"/>
+                  <a:stretch>
+                    <a:fillRect t="-9794" r="-16410"/>
+                  </a:stretch>
+                </a:blipFill>
+              </p:spPr>
+              <p:txBody>
+                <a:bodyPr/>
+                <a:lstStyle/>
+                <a:p>
+                  <a:r>
+                    <a:rPr lang="en-GB">
+                      <a:noFill/>
+                    </a:rPr>
+                    <a:t> </a:t>
+                  </a:r>
+                </a:p>
+              </p:txBody>
+            </p:sp>
+          </mc:Fallback>
+        </mc:AlternateContent>
+        <p:cxnSp>
+          <p:nvCxnSpPr>
+            <p:cNvPr id="247" name="Connecteur droit 246">
+              <a:extLst>
+                <a:ext uri="{FF2B5EF4-FFF2-40B4-BE49-F238E27FC236}">
+                  <a16:creationId xmlns:a16="http://schemas.microsoft.com/office/drawing/2014/main" id="{7F954052-09AB-441F-A0F6-FC56DCBD9860}"/>
+                </a:ext>
+              </a:extLst>
+            </p:cNvPr>
+            <p:cNvCxnSpPr>
+              <a:cxnSpLocks/>
+            </p:cNvCxnSpPr>
+            <p:nvPr/>
+          </p:nvCxnSpPr>
+          <p:spPr>
+            <a:xfrm rot="2700000" flipV="1">
+              <a:off x="11026735" y="14457188"/>
+              <a:ext cx="0" cy="1202391"/>
+            </a:xfrm>
+            <a:prstGeom prst="line">
+              <a:avLst/>
+            </a:prstGeom>
+            <a:ln w="69850" cap="rnd">
+              <a:solidFill>
+                <a:srgbClr val="0070C0"/>
+              </a:solidFill>
+            </a:ln>
+          </p:spPr>
+          <p:style>
+            <a:lnRef idx="1">
+              <a:schemeClr val="accent1"/>
+            </a:lnRef>
+            <a:fillRef idx="0">
+              <a:schemeClr val="accent1"/>
+            </a:fillRef>
+            <a:effectRef idx="0">
+              <a:schemeClr val="accent1"/>
+            </a:effectRef>
+            <a:fontRef idx="minor">
+              <a:schemeClr val="tx1"/>
+            </a:fontRef>
+          </p:style>
+        </p:cxnSp>
+        <p:sp>
+          <p:nvSpPr>
+            <p:cNvPr id="256" name="ZoneTexte 255">
+              <a:extLst>
+                <a:ext uri="{FF2B5EF4-FFF2-40B4-BE49-F238E27FC236}">
+                  <a16:creationId xmlns:a16="http://schemas.microsoft.com/office/drawing/2014/main" id="{941A2717-74C4-474B-85DD-6BB53835D5E8}"/>
+                </a:ext>
+              </a:extLst>
+            </p:cNvPr>
+            <p:cNvSpPr txBox="1"/>
+            <p:nvPr/>
+          </p:nvSpPr>
+          <p:spPr>
+            <a:xfrm>
+              <a:off x="12099336" y="16258097"/>
+              <a:ext cx="377026" cy="400110"/>
+            </a:xfrm>
+            <a:prstGeom prst="rect">
+              <a:avLst/>
+            </a:prstGeom>
+            <a:noFill/>
+          </p:spPr>
+          <p:txBody>
+            <a:bodyPr wrap="none" rtlCol="0">
+              <a:spAutoFit/>
+            </a:bodyPr>
+            <a:lstStyle/>
+            <a:p>
+              <a:r>
+                <a:rPr lang="el-GR" sz="2000" b="1" dirty="0">
+                  <a:solidFill>
+                    <a:srgbClr val="002060"/>
+                  </a:solidFill>
+                  <a:highlight>
+                    <a:srgbClr val="FFFFFF"/>
+                  </a:highlight>
+                </a:rPr>
+                <a:t>θ</a:t>
+              </a:r>
+              <a:r>
+                <a:rPr lang="fr-FR" dirty="0"/>
+                <a:t> </a:t>
+              </a:r>
+              <a:endParaRPr lang="fr-FR" b="1" dirty="0"/>
+            </a:p>
+          </p:txBody>
+        </p:sp>
+      </p:grpSp>
+      <mc:AlternateContent xmlns:mc="http://schemas.openxmlformats.org/markup-compatibility/2006" xmlns:a14="http://schemas.microsoft.com/office/drawing/2010/main">
+        <mc:Choice Requires="a14">
+          <p:sp>
+            <p:nvSpPr>
+              <p:cNvPr id="264" name="ZoneTexte 263">
+                <a:extLst>
+                  <a:ext uri="{FF2B5EF4-FFF2-40B4-BE49-F238E27FC236}">
+                    <a16:creationId xmlns:a16="http://schemas.microsoft.com/office/drawing/2014/main" id="{F5FF6D11-28DF-4AB2-9460-4C7635BAA407}"/>
+                  </a:ext>
+                </a:extLst>
+              </p:cNvPr>
+              <p:cNvSpPr txBox="1"/>
+              <p:nvPr/>
+            </p:nvSpPr>
+            <p:spPr>
+              <a:xfrm>
+                <a:off x="10702717" y="15974368"/>
+                <a:ext cx="8175218" cy="1697965"/>
+              </a:xfrm>
+              <a:prstGeom prst="rect">
+                <a:avLst/>
+              </a:prstGeom>
+              <a:noFill/>
+            </p:spPr>
+            <p:txBody>
+              <a:bodyPr wrap="square" lIns="0" tIns="0" rIns="0" bIns="0" rtlCol="0">
+                <a:spAutoFit/>
+              </a:bodyPr>
+              <a:lstStyle/>
+              <a:p>
+                <a14:m>
+                  <m:oMath xmlns:m="http://schemas.openxmlformats.org/officeDocument/2006/math">
+                    <m:nary>
+                      <m:naryPr>
+                        <m:chr m:val="∬"/>
+                        <m:supHide m:val="on"/>
+                        <m:ctrlPr>
+                          <a:rPr lang="en-US" sz="3600" i="1" smtClean="0">
+                            <a:latin typeface="Cambria Math" panose="02040503050406030204" pitchFamily="18" charset="0"/>
+                          </a:rPr>
+                        </m:ctrlPr>
+                      </m:naryPr>
+                      <m:sub>
+                        <m:r>
+                          <m:rPr>
+                            <m:sty m:val="p"/>
+                          </m:rPr>
+                          <a:rPr lang="en-US" sz="3600">
+                            <a:latin typeface="Cambria Math" panose="02040503050406030204" pitchFamily="18" charset="0"/>
+                          </a:rPr>
+                          <m:t>S</m:t>
+                        </m:r>
+                      </m:sub>
+                      <m:sup/>
+                      <m:e>
+                        <m:r>
+                          <a:rPr lang="en-US" sz="3600" i="1">
+                            <a:latin typeface="Cambria Math" panose="02040503050406030204" pitchFamily="18" charset="0"/>
+                          </a:rPr>
+                          <m:t>𝑑</m:t>
+                        </m:r>
+                        <m:r>
+                          <a:rPr lang="en-US" sz="3600" i="1">
+                            <a:latin typeface="Cambria Math" panose="02040503050406030204" pitchFamily="18" charset="0"/>
+                          </a:rPr>
+                          <m:t>𝜌</m:t>
+                        </m:r>
+                        <m:r>
+                          <a:rPr lang="en-US" sz="3600" i="1" smtClean="0">
+                            <a:latin typeface="Cambria Math" panose="02040503050406030204" pitchFamily="18" charset="0"/>
+                          </a:rPr>
+                          <m:t>,</m:t>
+                        </m:r>
+                        <m:r>
+                          <a:rPr lang="en-US" sz="3600" i="1">
+                            <a:latin typeface="Cambria Math" panose="02040503050406030204" pitchFamily="18" charset="0"/>
+                          </a:rPr>
+                          <m:t> </m:t>
+                        </m:r>
+                        <m:r>
+                          <a:rPr lang="en-US" sz="3600" i="1">
+                            <a:latin typeface="Cambria Math" panose="02040503050406030204" pitchFamily="18" charset="0"/>
+                          </a:rPr>
+                          <m:t>𝑑</m:t>
+                        </m:r>
+                        <m:r>
+                          <a:rPr lang="en-US" sz="3600" i="1">
+                            <a:latin typeface="Cambria Math" panose="02040503050406030204" pitchFamily="18" charset="0"/>
+                          </a:rPr>
+                          <m:t>𝜃</m:t>
+                        </m:r>
+                      </m:e>
+                    </m:nary>
+                    <m:r>
+                      <a:rPr lang="en-US" sz="3600">
+                        <a:latin typeface="Cambria Math" panose="02040503050406030204" pitchFamily="18" charset="0"/>
+                      </a:rPr>
+                      <m:t>=</m:t>
+                    </m:r>
+                    <m:nary>
+                      <m:naryPr>
+                        <m:limLoc m:val="undOvr"/>
+                        <m:ctrlPr>
+                          <a:rPr lang="en-US" sz="3600" i="1" smtClean="0">
+                            <a:latin typeface="Cambria Math" panose="02040503050406030204" pitchFamily="18" charset="0"/>
+                          </a:rPr>
+                        </m:ctrlPr>
+                      </m:naryPr>
+                      <m:sub>
+                        <m:r>
+                          <m:rPr>
+                            <m:brk m:alnAt="24"/>
+                          </m:rPr>
+                          <a:rPr lang="fr-FR" sz="3600" b="0" i="1" smtClean="0">
+                            <a:latin typeface="Cambria Math" panose="02040503050406030204" pitchFamily="18" charset="0"/>
+                          </a:rPr>
+                          <m:t>−</m:t>
+                        </m:r>
+                        <m:r>
+                          <a:rPr lang="fr-FR" sz="3600" b="0" i="1" smtClean="0">
+                            <a:latin typeface="Cambria Math" panose="02040503050406030204" pitchFamily="18" charset="0"/>
+                          </a:rPr>
+                          <m:t>𝜋</m:t>
+                        </m:r>
+                        <m:r>
+                          <a:rPr lang="fr-FR" sz="3600" b="0" i="1" smtClean="0">
+                            <a:latin typeface="Cambria Math" panose="02040503050406030204" pitchFamily="18" charset="0"/>
+                          </a:rPr>
+                          <m:t>/2</m:t>
+                        </m:r>
+                      </m:sub>
+                      <m:sup>
+                        <m:r>
+                          <a:rPr lang="fr-FR" sz="3600" b="0" i="1" smtClean="0">
+                            <a:latin typeface="Cambria Math" panose="02040503050406030204" pitchFamily="18" charset="0"/>
+                          </a:rPr>
+                          <m:t>𝜋</m:t>
+                        </m:r>
+                        <m:r>
+                          <a:rPr lang="fr-FR" sz="3600" b="0" i="1" smtClean="0">
+                            <a:latin typeface="Cambria Math" panose="02040503050406030204" pitchFamily="18" charset="0"/>
+                          </a:rPr>
+                          <m:t>/2</m:t>
+                        </m:r>
+                      </m:sup>
+                      <m:e>
+                        <m:nary>
+                          <m:naryPr>
+                            <m:limLoc m:val="undOvr"/>
+                            <m:ctrlPr>
+                              <a:rPr lang="en-US" sz="3600" i="1" smtClean="0">
+                                <a:latin typeface="Cambria Math" panose="02040503050406030204" pitchFamily="18" charset="0"/>
+                              </a:rPr>
+                            </m:ctrlPr>
+                          </m:naryPr>
+                          <m:sub>
+                            <m:r>
+                              <m:rPr>
+                                <m:brk m:alnAt="24"/>
+                              </m:rPr>
+                              <a:rPr lang="fr-FR" sz="3600" b="0" i="1" smtClean="0">
+                                <a:latin typeface="Cambria Math" panose="02040503050406030204" pitchFamily="18" charset="0"/>
+                              </a:rPr>
+                              <m:t>0</m:t>
+                            </m:r>
+                          </m:sub>
+                          <m:sup>
+                            <m:r>
+                              <a:rPr lang="fr-FR" sz="3600" b="0" i="1" smtClean="0">
+                                <a:latin typeface="Cambria Math" panose="02040503050406030204" pitchFamily="18" charset="0"/>
+                              </a:rPr>
+                              <m:t>𝑙</m:t>
+                            </m:r>
+                            <m:r>
+                              <a:rPr lang="fr-FR" sz="3600" b="0" i="1" smtClean="0">
+                                <a:latin typeface="Cambria Math" panose="02040503050406030204" pitchFamily="18" charset="0"/>
+                              </a:rPr>
+                              <m:t> </m:t>
+                            </m:r>
+                            <m:d>
+                              <m:dPr>
+                                <m:begChr m:val="|"/>
+                                <m:endChr m:val="|"/>
+                                <m:ctrlPr>
+                                  <a:rPr lang="fr-FR" sz="3600" i="1">
+                                    <a:latin typeface="Cambria Math" panose="02040503050406030204" pitchFamily="18" charset="0"/>
+                                  </a:rPr>
+                                </m:ctrlPr>
+                              </m:dPr>
+                              <m:e>
+                                <m:r>
+                                  <m:rPr>
+                                    <m:sty m:val="p"/>
+                                  </m:rPr>
+                                  <a:rPr lang="fr-FR" sz="3600">
+                                    <a:latin typeface="Cambria Math" panose="02040503050406030204" pitchFamily="18" charset="0"/>
+                                  </a:rPr>
+                                  <m:t>cos</m:t>
+                                </m:r>
+                                <m:r>
+                                  <a:rPr lang="fr-FR" sz="3600" i="1">
+                                    <a:latin typeface="Cambria Math" panose="02040503050406030204" pitchFamily="18" charset="0"/>
+                                  </a:rPr>
+                                  <m:t>⁡(</m:t>
+                                </m:r>
+                                <m:r>
+                                  <a:rPr lang="fr-FR" sz="3600" i="1">
+                                    <a:latin typeface="Cambria Math" panose="02040503050406030204" pitchFamily="18" charset="0"/>
+                                  </a:rPr>
+                                  <m:t>𝜃</m:t>
+                                </m:r>
+                                <m:r>
+                                  <a:rPr lang="fr-FR" sz="3600" i="1">
+                                    <a:latin typeface="Cambria Math" panose="02040503050406030204" pitchFamily="18" charset="0"/>
+                                  </a:rPr>
+                                  <m:t>)</m:t>
+                                </m:r>
+                              </m:e>
+                            </m:d>
+                          </m:sup>
+                          <m:e>
+                            <m:r>
+                              <a:rPr lang="fr-FR" sz="3600" b="0" i="1" smtClean="0">
+                                <a:latin typeface="Cambria Math" panose="02040503050406030204" pitchFamily="18" charset="0"/>
+                              </a:rPr>
+                              <m:t>𝑑</m:t>
+                            </m:r>
+                            <m:r>
+                              <a:rPr lang="fr-FR" sz="3600" b="0" i="1" smtClean="0">
+                                <a:latin typeface="Cambria Math" panose="02040503050406030204" pitchFamily="18" charset="0"/>
+                              </a:rPr>
+                              <m:t>𝜌</m:t>
+                            </m:r>
+                            <m:r>
+                              <a:rPr lang="fr-FR" sz="3600" b="0" i="1" smtClean="0">
+                                <a:latin typeface="Cambria Math" panose="02040503050406030204" pitchFamily="18" charset="0"/>
+                              </a:rPr>
+                              <m:t>𝑑</m:t>
+                            </m:r>
+                            <m:r>
+                              <a:rPr lang="fr-FR" sz="3600" b="0" i="1" smtClean="0">
+                                <a:latin typeface="Cambria Math" panose="02040503050406030204" pitchFamily="18" charset="0"/>
+                              </a:rPr>
+                              <m:t>𝜃</m:t>
+                            </m:r>
+                          </m:e>
+                        </m:nary>
+                      </m:e>
+                    </m:nary>
+                  </m:oMath>
+                </a14:m>
+                <a:r>
+                  <a:rPr lang="en-US" sz="3600" dirty="0">
+                    <a:latin typeface="Brush Script MT" panose="03060802040406070304" pitchFamily="66" charset="0"/>
+                  </a:rPr>
+                  <a:t> </a:t>
+                </a:r>
+              </a:p>
+              <a:p>
+                <a:r>
+                  <a:rPr lang="en-US" sz="3600" dirty="0">
+                    <a:latin typeface="Brush Script MT" panose="03060802040406070304" pitchFamily="66" charset="0"/>
+                  </a:rPr>
+                  <a:t>				 </a:t>
+                </a:r>
+                <a14:m>
+                  <m:oMath xmlns:m="http://schemas.openxmlformats.org/officeDocument/2006/math">
+                    <m:r>
+                      <a:rPr lang="fr-FR" sz="3600" b="0" i="1" smtClean="0">
+                        <a:latin typeface="Cambria Math" panose="02040503050406030204" pitchFamily="18" charset="0"/>
+                      </a:rPr>
+                      <m:t>=</m:t>
+                    </m:r>
+                    <m:nary>
+                      <m:naryPr>
+                        <m:ctrlPr>
+                          <a:rPr lang="fr-FR" sz="3600" b="0" i="1" smtClean="0">
+                            <a:latin typeface="Cambria Math" panose="02040503050406030204" pitchFamily="18" charset="0"/>
+                          </a:rPr>
+                        </m:ctrlPr>
+                      </m:naryPr>
+                      <m:sub>
+                        <m:r>
+                          <m:rPr>
+                            <m:brk m:alnAt="23"/>
+                          </m:rPr>
+                          <a:rPr lang="fr-FR" sz="3600" b="0" i="1" smtClean="0">
+                            <a:latin typeface="Cambria Math" panose="02040503050406030204" pitchFamily="18" charset="0"/>
+                          </a:rPr>
+                          <m:t>−</m:t>
+                        </m:r>
+                        <m:r>
+                          <a:rPr lang="fr-FR" sz="3600" b="0" i="1" smtClean="0">
+                            <a:latin typeface="Cambria Math" panose="02040503050406030204" pitchFamily="18" charset="0"/>
+                          </a:rPr>
+                          <m:t>𝜋</m:t>
+                        </m:r>
+                        <m:r>
+                          <a:rPr lang="fr-FR" sz="3600" b="0" i="1" smtClean="0">
+                            <a:latin typeface="Cambria Math" panose="02040503050406030204" pitchFamily="18" charset="0"/>
+                          </a:rPr>
+                          <m:t>/2</m:t>
+                        </m:r>
+                      </m:sub>
+                      <m:sup>
+                        <m:r>
+                          <a:rPr lang="fr-FR" sz="3600" b="0" i="1" smtClean="0">
+                            <a:latin typeface="Cambria Math" panose="02040503050406030204" pitchFamily="18" charset="0"/>
+                          </a:rPr>
+                          <m:t>𝜋</m:t>
+                        </m:r>
+                        <m:r>
+                          <a:rPr lang="fr-FR" sz="3600" b="0" i="1" smtClean="0">
+                            <a:latin typeface="Cambria Math" panose="02040503050406030204" pitchFamily="18" charset="0"/>
+                          </a:rPr>
+                          <m:t>/2</m:t>
+                        </m:r>
+                      </m:sup>
+                      <m:e>
+                        <m:r>
+                          <a:rPr lang="fr-FR" sz="3600" b="0" i="1" smtClean="0">
+                            <a:latin typeface="Cambria Math" panose="02040503050406030204" pitchFamily="18" charset="0"/>
+                          </a:rPr>
+                          <m:t>𝑙</m:t>
+                        </m:r>
+                        <m:r>
+                          <a:rPr lang="fr-FR" sz="3600" b="0" i="1" smtClean="0">
+                            <a:latin typeface="Cambria Math" panose="02040503050406030204" pitchFamily="18" charset="0"/>
+                          </a:rPr>
+                          <m:t> </m:t>
+                        </m:r>
+                        <m:d>
+                          <m:dPr>
+                            <m:begChr m:val="|"/>
+                            <m:endChr m:val="|"/>
+                            <m:ctrlPr>
+                              <a:rPr lang="fr-FR" sz="3600" i="1">
+                                <a:latin typeface="Cambria Math" panose="02040503050406030204" pitchFamily="18" charset="0"/>
+                              </a:rPr>
+                            </m:ctrlPr>
+                          </m:dPr>
+                          <m:e>
+                            <m:r>
+                              <m:rPr>
+                                <m:sty m:val="p"/>
+                              </m:rPr>
+                              <a:rPr lang="fr-FR" sz="3600">
+                                <a:latin typeface="Cambria Math" panose="02040503050406030204" pitchFamily="18" charset="0"/>
+                              </a:rPr>
+                              <m:t>cos</m:t>
+                            </m:r>
+                            <m:r>
+                              <a:rPr lang="fr-FR" sz="3600" i="1">
+                                <a:latin typeface="Cambria Math" panose="02040503050406030204" pitchFamily="18" charset="0"/>
+                              </a:rPr>
+                              <m:t>⁡(</m:t>
+                            </m:r>
+                            <m:r>
+                              <a:rPr lang="fr-FR" sz="3600" i="1">
+                                <a:latin typeface="Cambria Math" panose="02040503050406030204" pitchFamily="18" charset="0"/>
+                              </a:rPr>
+                              <m:t>𝜃</m:t>
+                            </m:r>
+                            <m:r>
+                              <a:rPr lang="fr-FR" sz="3600" i="1">
+                                <a:latin typeface="Cambria Math" panose="02040503050406030204" pitchFamily="18" charset="0"/>
+                              </a:rPr>
+                              <m:t>)</m:t>
+                            </m:r>
+                          </m:e>
+                        </m:d>
+                        <m:r>
+                          <a:rPr lang="fr-FR" sz="3600" b="0" i="1" smtClean="0">
+                            <a:latin typeface="Cambria Math" panose="02040503050406030204" pitchFamily="18" charset="0"/>
+                          </a:rPr>
+                          <m:t> </m:t>
+                        </m:r>
+                        <m:r>
+                          <a:rPr lang="fr-FR" sz="3600" b="0" i="1" smtClean="0">
+                            <a:latin typeface="Cambria Math" panose="02040503050406030204" pitchFamily="18" charset="0"/>
+                          </a:rPr>
+                          <m:t>𝑑</m:t>
+                        </m:r>
+                        <m:r>
+                          <a:rPr lang="fr-FR" sz="3600" b="0" i="1" smtClean="0">
+                            <a:latin typeface="Cambria Math" panose="02040503050406030204" pitchFamily="18" charset="0"/>
+                          </a:rPr>
+                          <m:t>𝜃</m:t>
+                        </m:r>
+                      </m:e>
+                    </m:nary>
+                    <m:r>
+                      <a:rPr lang="fr-FR" sz="3600" b="0" i="1" smtClean="0">
+                        <a:latin typeface="Cambria Math" panose="02040503050406030204" pitchFamily="18" charset="0"/>
+                      </a:rPr>
+                      <m:t>=2 </m:t>
+                    </m:r>
+                    <m:r>
+                      <a:rPr lang="fr-FR" sz="3600" b="0" i="1" smtClean="0">
+                        <a:latin typeface="Cambria Math" panose="02040503050406030204" pitchFamily="18" charset="0"/>
+                      </a:rPr>
+                      <m:t>𝑙</m:t>
+                    </m:r>
+                  </m:oMath>
+                </a14:m>
+                <a:endParaRPr lang="fr-FR" sz="3600" b="0" i="1" dirty="0">
+                  <a:latin typeface="Cambria Math" panose="02040503050406030204" pitchFamily="18" charset="0"/>
+                </a:endParaRPr>
+              </a:p>
+            </p:txBody>
+          </p:sp>
+        </mc:Choice>
+        <mc:Fallback xmlns="">
+          <p:sp>
+            <p:nvSpPr>
+              <p:cNvPr id="264" name="ZoneTexte 263">
+                <a:extLst>
+                  <a:ext uri="{FF2B5EF4-FFF2-40B4-BE49-F238E27FC236}">
+                    <a16:creationId xmlns:a16="http://schemas.microsoft.com/office/drawing/2014/main" id="{F5FF6D11-28DF-4AB2-9460-4C7635BAA407}"/>
+                  </a:ext>
+                </a:extLst>
+              </p:cNvPr>
+              <p:cNvSpPr txBox="1">
+                <a:spLocks noRot="1" noChangeAspect="1" noMove="1" noResize="1" noEditPoints="1" noAdjustHandles="1" noChangeArrowheads="1" noChangeShapeType="1" noTextEdit="1"/>
+              </p:cNvSpPr>
+              <p:nvPr/>
+            </p:nvSpPr>
+            <p:spPr>
+              <a:xfrm>
+                <a:off x="10702717" y="15974368"/>
+                <a:ext cx="8175218" cy="1697965"/>
+              </a:xfrm>
+              <a:prstGeom prst="rect">
+                <a:avLst/>
+              </a:prstGeom>
+              <a:blipFill>
+                <a:blip r:embed="rId16"/>
+                <a:stretch>
+                  <a:fillRect/>
+                </a:stretch>
+              </a:blipFill>
+            </p:spPr>
+            <p:txBody>
+              <a:bodyPr/>
+              <a:lstStyle/>
+              <a:p>
+                <a:r>
+                  <a:rPr lang="fr-FR">
+                    <a:noFill/>
+                  </a:rPr>
+                  <a:t> </a:t>
+                </a:r>
+              </a:p>
+            </p:txBody>
+          </p:sp>
+        </mc:Fallback>
+      </mc:AlternateContent>
+      <p:sp>
+        <p:nvSpPr>
+          <p:cNvPr id="269" name="ZoneTexte 268">
+            <a:extLst>
+              <a:ext uri="{FF2B5EF4-FFF2-40B4-BE49-F238E27FC236}">
+                <a16:creationId xmlns:a16="http://schemas.microsoft.com/office/drawing/2014/main" id="{BDD1CD54-BA14-48FD-9C60-C79129C5572E}"/>
+              </a:ext>
+            </a:extLst>
+          </p:cNvPr>
+          <p:cNvSpPr txBox="1"/>
+          <p:nvPr/>
+        </p:nvSpPr>
+        <p:spPr>
+          <a:xfrm>
+            <a:off x="14965444" y="15239540"/>
+            <a:ext cx="4357971" cy="523220"/>
+          </a:xfrm>
+          <a:prstGeom prst="rect">
+            <a:avLst/>
+          </a:prstGeom>
+          <a:noFill/>
+        </p:spPr>
+        <p:txBody>
+          <a:bodyPr wrap="square" rtlCol="0">
+            <a:spAutoFit/>
+          </a:bodyPr>
+          <a:lstStyle/>
+          <a:p>
+            <a:r>
+              <a:rPr lang="en-US" sz="2800" dirty="0"/>
+              <a:t>Now, calculate the integral:</a:t>
+            </a:r>
+          </a:p>
+        </p:txBody>
+      </p:sp>
+      <p:sp>
+        <p:nvSpPr>
+          <p:cNvPr id="270" name="ZoneTexte 269">
+            <a:extLst>
+              <a:ext uri="{FF2B5EF4-FFF2-40B4-BE49-F238E27FC236}">
+                <a16:creationId xmlns:a16="http://schemas.microsoft.com/office/drawing/2014/main" id="{413F4777-521C-4478-BB4F-502CC64CE01B}"/>
+              </a:ext>
+            </a:extLst>
+          </p:cNvPr>
+          <p:cNvSpPr txBox="1"/>
+          <p:nvPr/>
+        </p:nvSpPr>
+        <p:spPr>
+          <a:xfrm>
+            <a:off x="16028205" y="17608521"/>
+            <a:ext cx="4023987" cy="523220"/>
+          </a:xfrm>
+          <a:prstGeom prst="rect">
+            <a:avLst/>
+          </a:prstGeom>
+          <a:noFill/>
+        </p:spPr>
+        <p:txBody>
+          <a:bodyPr wrap="none" rtlCol="0">
+            <a:spAutoFit/>
+          </a:bodyPr>
+          <a:lstStyle/>
+          <a:p>
+            <a:r>
+              <a:rPr lang="en-US" sz="2800" dirty="0"/>
+              <a:t>…which gives the formula!</a:t>
+            </a:r>
+          </a:p>
+        </p:txBody>
+      </p:sp>
+      <p:sp>
+        <p:nvSpPr>
+          <p:cNvPr id="141" name="ZoneTexte 140">
+            <a:extLst>
+              <a:ext uri="{FF2B5EF4-FFF2-40B4-BE49-F238E27FC236}">
+                <a16:creationId xmlns:a16="http://schemas.microsoft.com/office/drawing/2014/main" id="{554FAAAF-0FB6-47E6-A287-22FDD6176751}"/>
+              </a:ext>
+            </a:extLst>
+          </p:cNvPr>
+          <p:cNvSpPr txBox="1"/>
+          <p:nvPr/>
+        </p:nvSpPr>
+        <p:spPr>
+          <a:xfrm>
+            <a:off x="13018696" y="18254229"/>
+            <a:ext cx="7016991" cy="1384995"/>
+          </a:xfrm>
+          <a:prstGeom prst="rect">
+            <a:avLst/>
+          </a:prstGeom>
+          <a:noFill/>
+        </p:spPr>
+        <p:txBody>
+          <a:bodyPr wrap="square" rtlCol="0">
+            <a:spAutoFit/>
+          </a:bodyPr>
+          <a:lstStyle/>
+          <a:p>
+            <a:r>
+              <a:rPr lang="en-US" sz="2800" dirty="0"/>
+              <a:t>For any </a:t>
+            </a:r>
+            <a:r>
+              <a:rPr lang="en-US" sz="2800" b="1" dirty="0"/>
+              <a:t>polygonal line</a:t>
+            </a:r>
+            <a:r>
+              <a:rPr lang="en-US" sz="2800" dirty="0"/>
+              <a:t>, just apply the formula above for </a:t>
+            </a:r>
+            <a:r>
+              <a:rPr lang="en-US" sz="2800" b="1" dirty="0"/>
+              <a:t>each component </a:t>
+            </a:r>
+            <a:r>
+              <a:rPr lang="en-US" sz="2800" dirty="0"/>
+              <a:t>(that is straight), and </a:t>
+            </a:r>
+            <a:r>
+              <a:rPr lang="en-US" sz="2800" b="1" dirty="0"/>
+              <a:t>sum</a:t>
+            </a:r>
+            <a:r>
+              <a:rPr lang="en-US" sz="2800" dirty="0"/>
+              <a:t> them :</a:t>
+            </a:r>
+          </a:p>
+        </p:txBody>
+      </p:sp>
+      <p:grpSp>
+        <p:nvGrpSpPr>
+          <p:cNvPr id="235" name="Groupe 234">
+            <a:extLst>
+              <a:ext uri="{FF2B5EF4-FFF2-40B4-BE49-F238E27FC236}">
+                <a16:creationId xmlns:a16="http://schemas.microsoft.com/office/drawing/2014/main" id="{A491E757-3BC6-47EA-9DE8-4FCE465EE0C6}"/>
+              </a:ext>
+            </a:extLst>
+          </p:cNvPr>
+          <p:cNvGrpSpPr/>
+          <p:nvPr/>
+        </p:nvGrpSpPr>
+        <p:grpSpPr>
+          <a:xfrm>
+            <a:off x="10396777" y="17658003"/>
+            <a:ext cx="2308417" cy="2609420"/>
+            <a:chOff x="10253010" y="17579076"/>
+            <a:chExt cx="2447005" cy="2801275"/>
+          </a:xfrm>
+        </p:grpSpPr>
+        <p:sp>
+          <p:nvSpPr>
+            <p:cNvPr id="27" name="Forme libre : forme 26">
+              <a:extLst>
+                <a:ext uri="{FF2B5EF4-FFF2-40B4-BE49-F238E27FC236}">
+                  <a16:creationId xmlns:a16="http://schemas.microsoft.com/office/drawing/2014/main" id="{FEE792B8-C11B-4941-921D-4967C23AC9D6}"/>
+                </a:ext>
+              </a:extLst>
+            </p:cNvPr>
+            <p:cNvSpPr/>
+            <p:nvPr/>
+          </p:nvSpPr>
+          <p:spPr>
+            <a:xfrm>
+              <a:off x="10253010" y="18084997"/>
+              <a:ext cx="2447005" cy="1901541"/>
+            </a:xfrm>
+            <a:custGeom>
+              <a:avLst/>
+              <a:gdLst>
+                <a:gd name="connsiteX0" fmla="*/ 0 w 1143000"/>
+                <a:gd name="connsiteY0" fmla="*/ 762000 h 1148080"/>
+                <a:gd name="connsiteX1" fmla="*/ 330200 w 1143000"/>
+                <a:gd name="connsiteY1" fmla="*/ 0 h 1148080"/>
+                <a:gd name="connsiteX2" fmla="*/ 1036320 w 1143000"/>
+                <a:gd name="connsiteY2" fmla="*/ 15240 h 1148080"/>
+                <a:gd name="connsiteX3" fmla="*/ 589280 w 1143000"/>
+                <a:gd name="connsiteY3" fmla="*/ 431800 h 1148080"/>
+                <a:gd name="connsiteX4" fmla="*/ 1143000 w 1143000"/>
+                <a:gd name="connsiteY4" fmla="*/ 386080 h 1148080"/>
+                <a:gd name="connsiteX5" fmla="*/ 695960 w 1143000"/>
+                <a:gd name="connsiteY5" fmla="*/ 1148080 h 1148080"/>
+                <a:gd name="connsiteX6" fmla="*/ 350520 w 1143000"/>
+                <a:gd name="connsiteY6" fmla="*/ 1066800 h 1148080"/>
+              </a:gdLst>
+              <a:ahLst/>
+              <a:cxnLst>
+                <a:cxn ang="0">
+                  <a:pos x="connsiteX0" y="connsiteY0"/>
+                </a:cxn>
+                <a:cxn ang="0">
+                  <a:pos x="connsiteX1" y="connsiteY1"/>
+                </a:cxn>
+                <a:cxn ang="0">
+                  <a:pos x="connsiteX2" y="connsiteY2"/>
+                </a:cxn>
+                <a:cxn ang="0">
+                  <a:pos x="connsiteX3" y="connsiteY3"/>
+                </a:cxn>
+                <a:cxn ang="0">
+                  <a:pos x="connsiteX4" y="connsiteY4"/>
+                </a:cxn>
+                <a:cxn ang="0">
+                  <a:pos x="connsiteX5" y="connsiteY5"/>
+                </a:cxn>
+                <a:cxn ang="0">
+                  <a:pos x="connsiteX6" y="connsiteY6"/>
+                </a:cxn>
+              </a:cxnLst>
+              <a:rect l="l" t="t" r="r" b="b"/>
+              <a:pathLst>
+                <a:path w="1143000" h="1148080">
+                  <a:moveTo>
+                    <a:pt x="0" y="762000"/>
+                  </a:moveTo>
+                  <a:lnTo>
+                    <a:pt x="330200" y="0"/>
+                  </a:lnTo>
+                  <a:lnTo>
+                    <a:pt x="1036320" y="15240"/>
+                  </a:lnTo>
+                  <a:lnTo>
+                    <a:pt x="589280" y="431800"/>
+                  </a:lnTo>
+                  <a:lnTo>
+                    <a:pt x="1143000" y="386080"/>
+                  </a:lnTo>
+                  <a:lnTo>
+                    <a:pt x="695960" y="1148080"/>
+                  </a:lnTo>
+                  <a:lnTo>
+                    <a:pt x="350520" y="1066800"/>
+                  </a:lnTo>
+                </a:path>
+              </a:pathLst>
+            </a:custGeom>
+            <a:noFill/>
+            <a:ln w="57150">
+              <a:solidFill>
+                <a:srgbClr val="00B0F0"/>
+              </a:solidFill>
+            </a:ln>
+          </p:spPr>
+          <p:style>
+            <a:lnRef idx="2">
+              <a:schemeClr val="accent1">
+                <a:shade val="50000"/>
+              </a:schemeClr>
+            </a:lnRef>
+            <a:fillRef idx="1">
+              <a:schemeClr val="accent1"/>
+            </a:fillRef>
+            <a:effectRef idx="0">
+              <a:schemeClr val="accent1"/>
+            </a:effectRef>
+            <a:fontRef idx="minor">
+              <a:schemeClr val="lt1"/>
+            </a:fontRef>
+          </p:style>
+          <p:txBody>
+            <a:bodyPr rtlCol="0" anchor="ctr"/>
+            <a:lstStyle/>
+            <a:p>
+              <a:pPr algn="ctr"/>
+              <a:endParaRPr lang="fr-FR"/>
+            </a:p>
+          </p:txBody>
+        </p:sp>
+        <p:sp>
+          <p:nvSpPr>
+            <p:cNvPr id="142" name="ZoneTexte 141">
+              <a:extLst>
+                <a:ext uri="{FF2B5EF4-FFF2-40B4-BE49-F238E27FC236}">
+                  <a16:creationId xmlns:a16="http://schemas.microsoft.com/office/drawing/2014/main" id="{FEB984B5-E3AB-4997-9077-B5FC23C59EDA}"/>
+                </a:ext>
+              </a:extLst>
+            </p:cNvPr>
+            <p:cNvSpPr txBox="1"/>
+            <p:nvPr/>
+          </p:nvSpPr>
+          <p:spPr>
+            <a:xfrm>
+              <a:off x="11213442" y="17579076"/>
+              <a:ext cx="370614" cy="523220"/>
+            </a:xfrm>
+            <a:prstGeom prst="rect">
+              <a:avLst/>
+            </a:prstGeom>
+            <a:noFill/>
+          </p:spPr>
+          <p:txBody>
+            <a:bodyPr wrap="none" rtlCol="0">
+              <a:spAutoFit/>
+            </a:bodyPr>
+            <a:lstStyle/>
+            <a:p>
+              <a:r>
+                <a:rPr lang="en-US" sz="2800" dirty="0">
+                  <a:solidFill>
+                    <a:srgbClr val="00B0F0"/>
+                  </a:solidFill>
+                  <a:latin typeface="Brush Script MT" panose="03060802040406070304" pitchFamily="66" charset="0"/>
+                </a:rPr>
+                <a:t>l</a:t>
+              </a:r>
+              <a:r>
+                <a:rPr lang="en-US" sz="2800" baseline="-25000" dirty="0">
+                  <a:solidFill>
+                    <a:srgbClr val="00B0F0"/>
+                  </a:solidFill>
+                  <a:latin typeface="Brush Script MT" panose="03060802040406070304" pitchFamily="66" charset="0"/>
+                </a:rPr>
+                <a:t>2</a:t>
+              </a:r>
+            </a:p>
+          </p:txBody>
+        </p:sp>
+        <p:sp>
+          <p:nvSpPr>
+            <p:cNvPr id="143" name="ZoneTexte 142">
+              <a:extLst>
+                <a:ext uri="{FF2B5EF4-FFF2-40B4-BE49-F238E27FC236}">
+                  <a16:creationId xmlns:a16="http://schemas.microsoft.com/office/drawing/2014/main" id="{14FB05EC-DCBF-4172-A848-DB5B942D15C1}"/>
+                </a:ext>
+              </a:extLst>
+            </p:cNvPr>
+            <p:cNvSpPr txBox="1"/>
+            <p:nvPr/>
+          </p:nvSpPr>
+          <p:spPr>
+            <a:xfrm>
+              <a:off x="12244406" y="18117019"/>
+              <a:ext cx="388248" cy="523220"/>
+            </a:xfrm>
+            <a:prstGeom prst="rect">
+              <a:avLst/>
+            </a:prstGeom>
+            <a:noFill/>
+          </p:spPr>
+          <p:txBody>
+            <a:bodyPr wrap="none" rtlCol="0">
+              <a:spAutoFit/>
+            </a:bodyPr>
+            <a:lstStyle/>
+            <a:p>
+              <a:r>
+                <a:rPr lang="en-US" sz="2800" dirty="0">
+                  <a:solidFill>
+                    <a:srgbClr val="00B0F0"/>
+                  </a:solidFill>
+                  <a:latin typeface="Brush Script MT" panose="03060802040406070304" pitchFamily="66" charset="0"/>
+                </a:rPr>
+                <a:t>l</a:t>
+              </a:r>
+              <a:r>
+                <a:rPr lang="en-US" sz="2800" baseline="-25000" dirty="0">
+                  <a:solidFill>
+                    <a:srgbClr val="00B0F0"/>
+                  </a:solidFill>
+                  <a:latin typeface="Brush Script MT" panose="03060802040406070304" pitchFamily="66" charset="0"/>
+                </a:rPr>
+                <a:t>3</a:t>
+              </a:r>
+            </a:p>
+          </p:txBody>
+        </p:sp>
+        <p:sp>
+          <p:nvSpPr>
+            <p:cNvPr id="144" name="ZoneTexte 143">
+              <a:extLst>
+                <a:ext uri="{FF2B5EF4-FFF2-40B4-BE49-F238E27FC236}">
+                  <a16:creationId xmlns:a16="http://schemas.microsoft.com/office/drawing/2014/main" id="{6AAEB4E1-65A6-4E7E-90D6-15B3E2F56AD8}"/>
+                </a:ext>
+              </a:extLst>
+            </p:cNvPr>
+            <p:cNvSpPr txBox="1"/>
+            <p:nvPr/>
+          </p:nvSpPr>
+          <p:spPr>
+            <a:xfrm>
+              <a:off x="11655804" y="18735568"/>
+              <a:ext cx="415093" cy="523220"/>
+            </a:xfrm>
+            <a:prstGeom prst="rect">
+              <a:avLst/>
+            </a:prstGeom>
+            <a:noFill/>
+          </p:spPr>
+          <p:txBody>
+            <a:bodyPr wrap="square" rtlCol="0">
+              <a:spAutoFit/>
+            </a:bodyPr>
+            <a:lstStyle/>
+            <a:p>
+              <a:r>
+                <a:rPr lang="en-US" sz="2800" dirty="0">
+                  <a:solidFill>
+                    <a:srgbClr val="00B0F0"/>
+                  </a:solidFill>
+                  <a:latin typeface="Brush Script MT" panose="03060802040406070304" pitchFamily="66" charset="0"/>
+                </a:rPr>
+                <a:t>l</a:t>
+              </a:r>
+              <a:r>
+                <a:rPr lang="en-US" sz="2800" baseline="-25000" dirty="0">
+                  <a:solidFill>
+                    <a:srgbClr val="00B0F0"/>
+                  </a:solidFill>
+                  <a:latin typeface="Brush Script MT" panose="03060802040406070304" pitchFamily="66" charset="0"/>
+                </a:rPr>
+                <a:t>4</a:t>
+              </a:r>
+            </a:p>
+          </p:txBody>
+        </p:sp>
+        <p:sp>
+          <p:nvSpPr>
+            <p:cNvPr id="145" name="ZoneTexte 144">
+              <a:extLst>
+                <a:ext uri="{FF2B5EF4-FFF2-40B4-BE49-F238E27FC236}">
+                  <a16:creationId xmlns:a16="http://schemas.microsoft.com/office/drawing/2014/main" id="{58734B78-6432-4A29-9415-82033DEB0003}"/>
+                </a:ext>
+              </a:extLst>
+            </p:cNvPr>
+            <p:cNvSpPr txBox="1"/>
+            <p:nvPr/>
+          </p:nvSpPr>
+          <p:spPr>
+            <a:xfrm>
+              <a:off x="12094138" y="19355156"/>
+              <a:ext cx="369012" cy="523220"/>
+            </a:xfrm>
+            <a:prstGeom prst="rect">
+              <a:avLst/>
+            </a:prstGeom>
+            <a:noFill/>
+          </p:spPr>
+          <p:txBody>
+            <a:bodyPr wrap="none" rtlCol="0">
+              <a:spAutoFit/>
+            </a:bodyPr>
+            <a:lstStyle/>
+            <a:p>
+              <a:r>
+                <a:rPr lang="en-US" sz="2800" dirty="0">
+                  <a:solidFill>
+                    <a:srgbClr val="00B0F0"/>
+                  </a:solidFill>
+                  <a:latin typeface="Brush Script MT" panose="03060802040406070304" pitchFamily="66" charset="0"/>
+                </a:rPr>
+                <a:t>l</a:t>
+              </a:r>
+              <a:r>
+                <a:rPr lang="en-US" sz="2800" baseline="-25000" dirty="0">
+                  <a:solidFill>
+                    <a:srgbClr val="00B0F0"/>
+                  </a:solidFill>
+                  <a:latin typeface="Brush Script MT" panose="03060802040406070304" pitchFamily="66" charset="0"/>
+                </a:rPr>
+                <a:t>5</a:t>
+              </a:r>
+            </a:p>
+          </p:txBody>
+        </p:sp>
+        <p:sp>
+          <p:nvSpPr>
+            <p:cNvPr id="146" name="ZoneTexte 145">
+              <a:extLst>
+                <a:ext uri="{FF2B5EF4-FFF2-40B4-BE49-F238E27FC236}">
+                  <a16:creationId xmlns:a16="http://schemas.microsoft.com/office/drawing/2014/main" id="{1C21770E-613E-4A2C-8FF5-3E93F8755AF8}"/>
+                </a:ext>
+              </a:extLst>
+            </p:cNvPr>
+            <p:cNvSpPr txBox="1"/>
+            <p:nvPr/>
+          </p:nvSpPr>
+          <p:spPr>
+            <a:xfrm>
+              <a:off x="10291771" y="18191834"/>
+              <a:ext cx="330540" cy="523220"/>
+            </a:xfrm>
+            <a:prstGeom prst="rect">
+              <a:avLst/>
+            </a:prstGeom>
+            <a:noFill/>
+          </p:spPr>
+          <p:txBody>
+            <a:bodyPr wrap="none" rtlCol="0">
+              <a:spAutoFit/>
+            </a:bodyPr>
+            <a:lstStyle/>
+            <a:p>
+              <a:r>
+                <a:rPr lang="en-US" sz="2800" dirty="0">
+                  <a:solidFill>
+                    <a:srgbClr val="00B0F0"/>
+                  </a:solidFill>
+                  <a:latin typeface="Brush Script MT" panose="03060802040406070304" pitchFamily="66" charset="0"/>
+                </a:rPr>
+                <a:t>l</a:t>
+              </a:r>
+              <a:r>
+                <a:rPr lang="en-US" sz="2800" baseline="-25000" dirty="0">
+                  <a:solidFill>
+                    <a:srgbClr val="00B0F0"/>
+                  </a:solidFill>
+                  <a:latin typeface="Brush Script MT" panose="03060802040406070304" pitchFamily="66" charset="0"/>
+                </a:rPr>
+                <a:t>1</a:t>
+              </a:r>
+            </a:p>
+          </p:txBody>
+        </p:sp>
+        <p:sp>
+          <p:nvSpPr>
+            <p:cNvPr id="147" name="ZoneTexte 146">
+              <a:extLst>
+                <a:ext uri="{FF2B5EF4-FFF2-40B4-BE49-F238E27FC236}">
+                  <a16:creationId xmlns:a16="http://schemas.microsoft.com/office/drawing/2014/main" id="{D58224D0-5D79-4A9C-8E33-DBD53691C9B7}"/>
+                </a:ext>
+              </a:extLst>
+            </p:cNvPr>
+            <p:cNvSpPr txBox="1"/>
+            <p:nvPr/>
+          </p:nvSpPr>
+          <p:spPr>
+            <a:xfrm>
+              <a:off x="10989547" y="19857131"/>
+              <a:ext cx="462295" cy="523220"/>
+            </a:xfrm>
+            <a:prstGeom prst="rect">
+              <a:avLst/>
+            </a:prstGeom>
+            <a:noFill/>
+          </p:spPr>
+          <p:txBody>
+            <a:bodyPr wrap="square" rtlCol="0">
+              <a:spAutoFit/>
+            </a:bodyPr>
+            <a:lstStyle/>
+            <a:p>
+              <a:r>
+                <a:rPr lang="en-US" sz="2800" dirty="0">
+                  <a:solidFill>
+                    <a:srgbClr val="00B0F0"/>
+                  </a:solidFill>
+                  <a:latin typeface="Brush Script MT" panose="03060802040406070304" pitchFamily="66" charset="0"/>
+                </a:rPr>
+                <a:t>l</a:t>
+              </a:r>
+              <a:r>
+                <a:rPr lang="en-US" sz="2800" baseline="-25000" dirty="0">
+                  <a:solidFill>
+                    <a:srgbClr val="00B0F0"/>
+                  </a:solidFill>
+                  <a:latin typeface="Brush Script MT" panose="03060802040406070304" pitchFamily="66" charset="0"/>
+                </a:rPr>
+                <a:t>6</a:t>
+              </a:r>
+            </a:p>
+          </p:txBody>
+        </p:sp>
+      </p:grpSp>
+      <mc:AlternateContent xmlns:mc="http://schemas.openxmlformats.org/markup-compatibility/2006" xmlns:a14="http://schemas.microsoft.com/office/drawing/2010/main">
+        <mc:Choice Requires="a14">
+          <p:sp>
+            <p:nvSpPr>
+              <p:cNvPr id="28" name="ZoneTexte 27">
+                <a:extLst>
+                  <a:ext uri="{FF2B5EF4-FFF2-40B4-BE49-F238E27FC236}">
+                    <a16:creationId xmlns:a16="http://schemas.microsoft.com/office/drawing/2014/main" id="{3CD52618-185B-4633-8938-F5487F021219}"/>
+                  </a:ext>
+                </a:extLst>
+              </p:cNvPr>
+              <p:cNvSpPr txBox="1"/>
+              <p:nvPr/>
+            </p:nvSpPr>
+            <p:spPr>
+              <a:xfrm>
+                <a:off x="15849181" y="19219071"/>
+                <a:ext cx="2188741" cy="707886"/>
+              </a:xfrm>
+              <a:prstGeom prst="rect">
+                <a:avLst/>
+              </a:prstGeom>
+              <a:noFill/>
+            </p:spPr>
+            <p:txBody>
+              <a:bodyPr wrap="none" rtlCol="0">
+                <a:spAutoFit/>
+              </a:bodyPr>
+              <a:lstStyle/>
+              <a:p>
+                <a:r>
+                  <a:rPr lang="en-US" sz="4000" dirty="0">
+                    <a:solidFill>
+                      <a:schemeClr val="tx1"/>
+                    </a:solidFill>
+                    <a:latin typeface="Brush Script MT" panose="03060802040406070304" pitchFamily="66" charset="0"/>
+                  </a:rPr>
+                  <a:t>l = </a:t>
+                </a:r>
+                <a14:m>
+                  <m:oMath xmlns:m="http://schemas.openxmlformats.org/officeDocument/2006/math">
+                    <m:nary>
+                      <m:naryPr>
+                        <m:chr m:val="∑"/>
+                        <m:ctrlPr>
+                          <a:rPr lang="fr-FR" sz="3600" b="0" i="1" smtClean="0">
+                            <a:solidFill>
+                              <a:schemeClr val="tx1"/>
+                            </a:solidFill>
+                            <a:latin typeface="Cambria Math" panose="02040503050406030204" pitchFamily="18" charset="0"/>
+                          </a:rPr>
+                        </m:ctrlPr>
+                      </m:naryPr>
+                      <m:sub>
+                        <m:r>
+                          <m:rPr>
+                            <m:brk m:alnAt="23"/>
+                          </m:rPr>
+                          <a:rPr lang="fr-FR" sz="3600" b="0" i="1" smtClean="0">
+                            <a:solidFill>
+                              <a:schemeClr val="tx1"/>
+                            </a:solidFill>
+                            <a:latin typeface="Cambria Math" panose="02040503050406030204" pitchFamily="18" charset="0"/>
+                          </a:rPr>
+                          <m:t>𝑖</m:t>
+                        </m:r>
+                        <m:r>
+                          <a:rPr lang="fr-FR" sz="3600" b="0" i="1" smtClean="0">
+                            <a:solidFill>
+                              <a:schemeClr val="tx1"/>
+                            </a:solidFill>
+                            <a:latin typeface="Cambria Math" panose="02040503050406030204" pitchFamily="18" charset="0"/>
+                          </a:rPr>
+                          <m:t>=1</m:t>
+                        </m:r>
+                      </m:sub>
+                      <m:sup>
+                        <m:r>
+                          <a:rPr lang="fr-FR" sz="3600" b="0" i="1" smtClean="0">
+                            <a:solidFill>
+                              <a:schemeClr val="tx1"/>
+                            </a:solidFill>
+                            <a:latin typeface="Cambria Math" panose="02040503050406030204" pitchFamily="18" charset="0"/>
+                          </a:rPr>
+                          <m:t>𝑛</m:t>
+                        </m:r>
+                      </m:sup>
+                      <m:e>
+                        <m:r>
+                          <m:rPr>
+                            <m:nor/>
+                          </m:rPr>
+                          <a:rPr lang="en-US" sz="3600" baseline="-25000" dirty="0" smtClean="0">
+                            <a:solidFill>
+                              <a:schemeClr val="tx1"/>
+                            </a:solidFill>
+                            <a:latin typeface="Brush Script MT" panose="03060802040406070304" pitchFamily="66" charset="0"/>
+                          </a:rPr>
+                          <m:t> </m:t>
+                        </m:r>
+                      </m:e>
+                    </m:nary>
+                  </m:oMath>
+                </a14:m>
+                <a:r>
+                  <a:rPr lang="en-US" sz="4000" dirty="0">
+                    <a:solidFill>
+                      <a:schemeClr val="tx1"/>
+                    </a:solidFill>
+                    <a:latin typeface="Brush Script MT" panose="03060802040406070304" pitchFamily="66" charset="0"/>
+                  </a:rPr>
+                  <a:t>l</a:t>
+                </a:r>
+                <a:r>
+                  <a:rPr lang="en-US" sz="4000" baseline="-25000" dirty="0">
+                    <a:solidFill>
+                      <a:schemeClr val="tx1"/>
+                    </a:solidFill>
+                    <a:latin typeface="Brush Script MT" panose="03060802040406070304" pitchFamily="66" charset="0"/>
+                  </a:rPr>
+                  <a:t>i</a:t>
+                </a:r>
+                <a:endParaRPr lang="en-US" sz="1600" baseline="-25000" dirty="0">
+                  <a:solidFill>
+                    <a:schemeClr val="tx1"/>
+                  </a:solidFill>
+                  <a:latin typeface="Brush Script MT" panose="03060802040406070304" pitchFamily="66" charset="0"/>
+                </a:endParaRPr>
+              </a:p>
+            </p:txBody>
+          </p:sp>
+        </mc:Choice>
+        <mc:Fallback xmlns="">
+          <p:sp>
+            <p:nvSpPr>
+              <p:cNvPr id="28" name="ZoneTexte 27">
+                <a:extLst>
+                  <a:ext uri="{FF2B5EF4-FFF2-40B4-BE49-F238E27FC236}">
+                    <a16:creationId xmlns:a16="http://schemas.microsoft.com/office/drawing/2014/main" id="{3CD52618-185B-4633-8938-F5487F021219}"/>
+                  </a:ext>
+                </a:extLst>
+              </p:cNvPr>
+              <p:cNvSpPr txBox="1">
+                <a:spLocks noRot="1" noChangeAspect="1" noMove="1" noResize="1" noEditPoints="1" noAdjustHandles="1" noChangeArrowheads="1" noChangeShapeType="1" noTextEdit="1"/>
+              </p:cNvSpPr>
+              <p:nvPr/>
+            </p:nvSpPr>
+            <p:spPr>
+              <a:xfrm>
+                <a:off x="15849181" y="19219071"/>
+                <a:ext cx="2188741" cy="707886"/>
+              </a:xfrm>
+              <a:prstGeom prst="rect">
+                <a:avLst/>
+              </a:prstGeom>
+              <a:blipFill>
+                <a:blip r:embed="rId17"/>
+                <a:stretch>
+                  <a:fillRect l="-10028" t="-16379" r="-5014" b="-35345"/>
+                </a:stretch>
+              </a:blipFill>
+            </p:spPr>
+            <p:txBody>
+              <a:bodyPr/>
+              <a:lstStyle/>
+              <a:p>
+                <a:r>
+                  <a:rPr lang="fr-FR">
+                    <a:noFill/>
+                  </a:rPr>
+                  <a:t> </a:t>
+                </a:r>
+              </a:p>
+            </p:txBody>
+          </p:sp>
+        </mc:Fallback>
+      </mc:AlternateContent>
+      <p:sp>
+        <p:nvSpPr>
+          <p:cNvPr id="153" name="ZoneTexte 152">
+            <a:extLst>
+              <a:ext uri="{FF2B5EF4-FFF2-40B4-BE49-F238E27FC236}">
+                <a16:creationId xmlns:a16="http://schemas.microsoft.com/office/drawing/2014/main" id="{F756BA31-CC54-400D-B819-70624020E17B}"/>
+              </a:ext>
+            </a:extLst>
+          </p:cNvPr>
+          <p:cNvSpPr txBox="1"/>
+          <p:nvPr/>
+        </p:nvSpPr>
+        <p:spPr>
+          <a:xfrm>
+            <a:off x="10167286" y="20171933"/>
+            <a:ext cx="9895513" cy="523220"/>
+          </a:xfrm>
+          <a:prstGeom prst="rect">
+            <a:avLst/>
+          </a:prstGeom>
+          <a:noFill/>
+        </p:spPr>
+        <p:txBody>
+          <a:bodyPr wrap="square" rtlCol="0">
+            <a:spAutoFit/>
+          </a:bodyPr>
+          <a:lstStyle/>
+          <a:p>
+            <a:r>
+              <a:rPr lang="en-US" sz="2800" dirty="0"/>
+              <a:t>For any </a:t>
+            </a:r>
+            <a:r>
+              <a:rPr lang="en-US" sz="2800" b="1" dirty="0"/>
+              <a:t>regular curve</a:t>
+            </a:r>
+            <a:r>
+              <a:rPr lang="en-US" sz="2800" dirty="0"/>
+              <a:t>, take its </a:t>
+            </a:r>
+            <a:r>
+              <a:rPr lang="en-US" sz="2800" b="1" dirty="0"/>
+              <a:t>limit</a:t>
+            </a:r>
+            <a:r>
+              <a:rPr lang="en-US" sz="2800" dirty="0"/>
+              <a:t> as small pieces of straight lines</a:t>
+            </a:r>
+          </a:p>
+        </p:txBody>
+      </p:sp>
+      <p:sp>
+        <p:nvSpPr>
+          <p:cNvPr id="255" name="ZoneTexte 254">
+            <a:extLst>
+              <a:ext uri="{FF2B5EF4-FFF2-40B4-BE49-F238E27FC236}">
+                <a16:creationId xmlns:a16="http://schemas.microsoft.com/office/drawing/2014/main" id="{E9A37D47-4291-471B-930D-C4A186D1DBA3}"/>
+              </a:ext>
+            </a:extLst>
+          </p:cNvPr>
+          <p:cNvSpPr txBox="1"/>
+          <p:nvPr/>
+        </p:nvSpPr>
+        <p:spPr>
+          <a:xfrm>
+            <a:off x="2165527" y="2306583"/>
+            <a:ext cx="11465126" cy="646331"/>
+          </a:xfrm>
+          <a:prstGeom prst="rect">
+            <a:avLst/>
+          </a:prstGeom>
+          <a:noFill/>
+        </p:spPr>
+        <p:txBody>
+          <a:bodyPr wrap="none" rtlCol="0">
+            <a:spAutoFit/>
+          </a:bodyPr>
+          <a:lstStyle/>
+          <a:p>
+            <a:r>
+              <a:rPr lang="en-US" sz="3600" dirty="0">
+                <a:solidFill>
+                  <a:schemeClr val="bg1"/>
+                </a:solidFill>
+              </a:rPr>
+              <a:t>by Chris Bishop, Caroline </a:t>
+            </a:r>
+            <a:r>
+              <a:rPr lang="en-US" sz="3600" dirty="0" err="1">
+                <a:solidFill>
+                  <a:schemeClr val="bg1"/>
+                </a:solidFill>
+              </a:rPr>
+              <a:t>Bouat</a:t>
+            </a:r>
+            <a:r>
+              <a:rPr lang="en-US" sz="3600" dirty="0">
+                <a:solidFill>
+                  <a:schemeClr val="bg1"/>
+                </a:solidFill>
+              </a:rPr>
+              <a:t>, Paul Dubois, and </a:t>
+            </a:r>
+            <a:r>
+              <a:rPr lang="en-US" sz="3600" dirty="0" err="1">
+                <a:solidFill>
+                  <a:schemeClr val="bg1"/>
+                </a:solidFill>
+              </a:rPr>
+              <a:t>Aadil</a:t>
+            </a:r>
+            <a:r>
+              <a:rPr lang="en-US" sz="3600" dirty="0">
+                <a:solidFill>
+                  <a:schemeClr val="bg1"/>
+                </a:solidFill>
+              </a:rPr>
+              <a:t> Khan</a:t>
+            </a:r>
+            <a:endParaRPr lang="fr-FR" sz="3600" dirty="0"/>
+          </a:p>
+        </p:txBody>
+      </p:sp>
+      <p:sp>
+        <p:nvSpPr>
+          <p:cNvPr id="34" name="ZoneTexte 33">
+            <a:extLst>
+              <a:ext uri="{FF2B5EF4-FFF2-40B4-BE49-F238E27FC236}">
+                <a16:creationId xmlns:a16="http://schemas.microsoft.com/office/drawing/2014/main" id="{88E182FE-2EBC-4762-8552-35679AE8DF89}"/>
+              </a:ext>
+            </a:extLst>
+          </p:cNvPr>
+          <p:cNvSpPr txBox="1"/>
+          <p:nvPr/>
+        </p:nvSpPr>
+        <p:spPr>
+          <a:xfrm>
+            <a:off x="32273" y="3348000"/>
+            <a:ext cx="9899461" cy="923330"/>
+          </a:xfrm>
+          <a:prstGeom prst="rect">
+            <a:avLst/>
+          </a:prstGeom>
+          <a:noFill/>
+        </p:spPr>
+        <p:txBody>
+          <a:bodyPr wrap="square" rtlCol="0">
+            <a:spAutoFit/>
+          </a:bodyPr>
+          <a:lstStyle/>
+          <a:p>
+            <a:r>
+              <a:rPr lang="en-US" sz="5400" b="1" dirty="0"/>
+              <a:t>Goal: obtain the length of a curve</a:t>
+            </a:r>
+            <a:endParaRPr lang="en-US" sz="16600" dirty="0"/>
+          </a:p>
+        </p:txBody>
+      </p:sp>
+      <p:sp>
+        <p:nvSpPr>
+          <p:cNvPr id="38" name="ZoneTexte 37">
+            <a:extLst>
+              <a:ext uri="{FF2B5EF4-FFF2-40B4-BE49-F238E27FC236}">
+                <a16:creationId xmlns:a16="http://schemas.microsoft.com/office/drawing/2014/main" id="{673E837E-6DEA-41DF-9D3D-89BF75977CB9}"/>
+              </a:ext>
+            </a:extLst>
+          </p:cNvPr>
+          <p:cNvSpPr txBox="1"/>
+          <p:nvPr/>
+        </p:nvSpPr>
+        <p:spPr>
+          <a:xfrm>
+            <a:off x="63062" y="4201901"/>
+            <a:ext cx="9867240" cy="1815882"/>
+          </a:xfrm>
+          <a:prstGeom prst="rect">
+            <a:avLst/>
+          </a:prstGeom>
+          <a:noFill/>
+        </p:spPr>
+        <p:txBody>
+          <a:bodyPr wrap="square" rtlCol="0">
+            <a:spAutoFit/>
+          </a:bodyPr>
+          <a:lstStyle/>
+          <a:p>
+            <a:r>
+              <a:rPr lang="en-US" sz="2800" dirty="0"/>
+              <a:t>Suppose that you are given a curve that lies in a plane and you need to calculate its length.</a:t>
+            </a:r>
+          </a:p>
+          <a:p>
+            <a:r>
+              <a:rPr lang="en-US" sz="2800" dirty="0"/>
+              <a:t>We will do this by "counting" how many straight lines intersect with that curve.</a:t>
+            </a:r>
+            <a:endParaRPr lang="en-US" sz="2800" dirty="0">
+              <a:effectLst/>
+            </a:endParaRPr>
+          </a:p>
+        </p:txBody>
+      </p:sp>
+      <p:sp>
+        <p:nvSpPr>
+          <p:cNvPr id="169" name="ZoneTexte 168">
+            <a:extLst>
+              <a:ext uri="{FF2B5EF4-FFF2-40B4-BE49-F238E27FC236}">
+                <a16:creationId xmlns:a16="http://schemas.microsoft.com/office/drawing/2014/main" id="{A46C2792-B4C3-4012-AC17-7CA7B73C3052}"/>
+              </a:ext>
+            </a:extLst>
+          </p:cNvPr>
+          <p:cNvSpPr txBox="1"/>
+          <p:nvPr/>
+        </p:nvSpPr>
+        <p:spPr>
+          <a:xfrm>
+            <a:off x="20208213" y="12379877"/>
+            <a:ext cx="6585074" cy="923330"/>
+          </a:xfrm>
+          <a:prstGeom prst="rect">
+            <a:avLst/>
+          </a:prstGeom>
+          <a:noFill/>
+        </p:spPr>
+        <p:txBody>
+          <a:bodyPr wrap="square" rtlCol="0">
+            <a:spAutoFit/>
+          </a:bodyPr>
+          <a:lstStyle/>
+          <a:p>
+            <a:r>
+              <a:rPr lang="en-US" sz="5400" b="1" dirty="0"/>
+              <a:t>Uses of this formula:</a:t>
+            </a:r>
+          </a:p>
+        </p:txBody>
+      </p:sp>
+      <p:grpSp>
+        <p:nvGrpSpPr>
+          <p:cNvPr id="51" name="Groupe 50">
+            <a:extLst>
+              <a:ext uri="{FF2B5EF4-FFF2-40B4-BE49-F238E27FC236}">
+                <a16:creationId xmlns:a16="http://schemas.microsoft.com/office/drawing/2014/main" id="{F83F6057-F205-4485-B018-BF38E78C0CDF}"/>
+              </a:ext>
+            </a:extLst>
+          </p:cNvPr>
+          <p:cNvGrpSpPr/>
+          <p:nvPr/>
+        </p:nvGrpSpPr>
+        <p:grpSpPr>
+          <a:xfrm>
+            <a:off x="23359998" y="6382192"/>
+            <a:ext cx="5530195" cy="6585552"/>
+            <a:chOff x="23359998" y="5406832"/>
+            <a:chExt cx="5530195" cy="6585552"/>
+          </a:xfrm>
+        </p:grpSpPr>
+        <p:sp>
+          <p:nvSpPr>
+            <p:cNvPr id="57" name="Ellipse 56">
+              <a:extLst>
+                <a:ext uri="{FF2B5EF4-FFF2-40B4-BE49-F238E27FC236}">
+                  <a16:creationId xmlns:a16="http://schemas.microsoft.com/office/drawing/2014/main" id="{F3B7BA79-F28C-40BD-9B39-EBEAEFB70654}"/>
+                </a:ext>
+              </a:extLst>
+            </p:cNvPr>
+            <p:cNvSpPr/>
+            <p:nvPr/>
+          </p:nvSpPr>
+          <p:spPr>
+            <a:xfrm>
+              <a:off x="23885188" y="6561212"/>
+              <a:ext cx="139692" cy="139692"/>
+            </a:xfrm>
+            <a:prstGeom prst="ellipse">
+              <a:avLst/>
+            </a:prstGeom>
+            <a:solidFill>
+              <a:srgbClr val="FF0000"/>
+            </a:solidFill>
+            <a:ln>
+              <a:solidFill>
+                <a:srgbClr val="C00000"/>
+              </a:solidFill>
+            </a:ln>
+          </p:spPr>
+          <p:style>
+            <a:lnRef idx="2">
+              <a:schemeClr val="accent1">
+                <a:shade val="50000"/>
+              </a:schemeClr>
+            </a:lnRef>
+            <a:fillRef idx="1">
+              <a:schemeClr val="accent1"/>
+            </a:fillRef>
+            <a:effectRef idx="0">
+              <a:schemeClr val="accent1"/>
+            </a:effectRef>
+            <a:fontRef idx="minor">
+              <a:schemeClr val="lt1"/>
+            </a:fontRef>
+          </p:style>
+          <p:txBody>
+            <a:bodyPr rtlCol="0" anchor="ctr"/>
+            <a:lstStyle/>
+            <a:p>
+              <a:pPr algn="ctr"/>
+              <a:endParaRPr lang="fr-FR" dirty="0"/>
+            </a:p>
+          </p:txBody>
+        </p:sp>
+        <p:sp>
+          <p:nvSpPr>
+            <p:cNvPr id="58" name="Arc 57">
+              <a:extLst>
+                <a:ext uri="{FF2B5EF4-FFF2-40B4-BE49-F238E27FC236}">
+                  <a16:creationId xmlns:a16="http://schemas.microsoft.com/office/drawing/2014/main" id="{50E4F0B5-9877-4E58-9F47-CED6461A7B55}"/>
+                </a:ext>
+              </a:extLst>
+            </p:cNvPr>
+            <p:cNvSpPr/>
+            <p:nvPr/>
+          </p:nvSpPr>
+          <p:spPr>
+            <a:xfrm>
+              <a:off x="23359998" y="5406832"/>
+              <a:ext cx="5530195" cy="6585552"/>
+            </a:xfrm>
+            <a:prstGeom prst="arc">
+              <a:avLst>
+                <a:gd name="adj1" fmla="val 13528329"/>
+                <a:gd name="adj2" fmla="val 16537952"/>
+              </a:avLst>
+            </a:prstGeom>
+            <a:ln w="57150" cap="flat" cmpd="sng" algn="ctr">
+              <a:solidFill>
+                <a:srgbClr val="C00000"/>
+              </a:solidFill>
+              <a:prstDash val="solid"/>
+              <a:round/>
+              <a:headEnd type="arrow" w="med" len="med"/>
+              <a:tailEnd type="none" w="med" len="med"/>
+            </a:ln>
+          </p:spPr>
+          <p:style>
+            <a:lnRef idx="0">
+              <a:scrgbClr r="0" g="0" b="0"/>
+            </a:lnRef>
+            <a:fillRef idx="0">
+              <a:scrgbClr r="0" g="0" b="0"/>
+            </a:fillRef>
+            <a:effectRef idx="0">
+              <a:scrgbClr r="0" g="0" b="0"/>
+            </a:effectRef>
+            <a:fontRef idx="minor">
+              <a:schemeClr val="tx1"/>
+            </a:fontRef>
+          </p:style>
+          <p:txBody>
+            <a:bodyPr rtlCol="0" anchor="ctr"/>
+            <a:lstStyle/>
+            <a:p>
+              <a:pPr algn="ctr"/>
+              <a:endParaRPr lang="fr-FR" dirty="0"/>
+            </a:p>
+          </p:txBody>
+        </p:sp>
+      </p:grpSp>
     </p:spTree>
     <p:extLst>
       <p:ext uri="{BB962C8B-B14F-4D97-AF65-F5344CB8AC3E}">
